--- a/Colles/Colle_02_Kuka/images/Figures.pptx
+++ b/Colles/Colle_02_Kuka/images/Figures.pptx
@@ -5,15 +5,16 @@
     <p:sldMasterId id="2147483648" r:id="rId1"/>
   </p:sldMasterIdLst>
   <p:sldIdLst>
-    <p:sldId id="256" r:id="rId2"/>
-    <p:sldId id="257" r:id="rId3"/>
-    <p:sldId id="261" r:id="rId4"/>
-    <p:sldId id="262" r:id="rId5"/>
-    <p:sldId id="259" r:id="rId6"/>
-    <p:sldId id="258" r:id="rId7"/>
-    <p:sldId id="265" r:id="rId8"/>
-    <p:sldId id="266" r:id="rId9"/>
-    <p:sldId id="263" r:id="rId10"/>
+    <p:sldId id="267" r:id="rId2"/>
+    <p:sldId id="256" r:id="rId3"/>
+    <p:sldId id="257" r:id="rId4"/>
+    <p:sldId id="261" r:id="rId5"/>
+    <p:sldId id="262" r:id="rId6"/>
+    <p:sldId id="259" r:id="rId7"/>
+    <p:sldId id="258" r:id="rId8"/>
+    <p:sldId id="265" r:id="rId9"/>
+    <p:sldId id="266" r:id="rId10"/>
+    <p:sldId id="263" r:id="rId11"/>
   </p:sldIdLst>
   <p:sldSz cx="9144000" cy="6858000" type="screen4x3"/>
   <p:notesSz cx="6858000" cy="9144000"/>
@@ -112,6 +113,22 @@
       </a:defRPr>
     </a:lvl9pPr>
   </p:defaultTextStyle>
+  <p:extLst>
+    <p:ext uri="{EFAFB233-063F-42B5-8137-9DF3F51BA10A}">
+      <p15:sldGuideLst xmlns:p15="http://schemas.microsoft.com/office/powerpoint/2012/main">
+        <p15:guide id="1" orient="horz" pos="2160">
+          <p15:clr>
+            <a:srgbClr val="A4A3A4"/>
+          </p15:clr>
+        </p15:guide>
+        <p15:guide id="2" pos="2880">
+          <p15:clr>
+            <a:srgbClr val="A4A3A4"/>
+          </p15:clr>
+        </p15:guide>
+      </p15:sldGuideLst>
+    </p:ext>
+  </p:extLst>
 </p:presentation>
 </file>
 
@@ -153,7 +170,7 @@
           <a:lstStyle/>
           <a:p>
             <a:r>
-              <a:rPr lang="fr-FR" smtClean="0"/>
+              <a:rPr lang="fr-FR"/>
               <a:t>Cliquez pour modifier le style du titre</a:t>
             </a:r>
             <a:endParaRPr lang="fr-BE"/>
@@ -272,7 +289,7 @@
           </a:lstStyle>
           <a:p>
             <a:r>
-              <a:rPr lang="fr-FR" smtClean="0"/>
+              <a:rPr lang="fr-FR"/>
               <a:t>Cliquez pour modifier le style des sous-titres du masque</a:t>
             </a:r>
             <a:endParaRPr lang="fr-BE"/>
@@ -296,7 +313,7 @@
           <a:p>
             <a:fld id="{AA309A6D-C09C-4548-B29A-6CF363A7E532}" type="datetimeFigureOut">
               <a:rPr lang="fr-FR" smtClean="0"/>
-              <a:t>15/04/2018</a:t>
+              <a:t>19/09/2018</a:t>
             </a:fld>
             <a:endParaRPr lang="fr-BE"/>
           </a:p>
@@ -385,7 +402,7 @@
           <a:lstStyle/>
           <a:p>
             <a:r>
-              <a:rPr lang="fr-FR" smtClean="0"/>
+              <a:rPr lang="fr-FR"/>
               <a:t>Cliquez pour modifier le style du titre</a:t>
             </a:r>
             <a:endParaRPr lang="fr-BE"/>
@@ -409,35 +426,35 @@
           <a:p>
             <a:pPr lvl="0"/>
             <a:r>
-              <a:rPr lang="fr-FR" smtClean="0"/>
+              <a:rPr lang="fr-FR"/>
               <a:t>Cliquez pour modifier les styles du texte du masque</a:t>
             </a:r>
           </a:p>
           <a:p>
             <a:pPr lvl="1"/>
             <a:r>
-              <a:rPr lang="fr-FR" smtClean="0"/>
+              <a:rPr lang="fr-FR"/>
               <a:t>Deuxième niveau</a:t>
             </a:r>
           </a:p>
           <a:p>
             <a:pPr lvl="2"/>
             <a:r>
-              <a:rPr lang="fr-FR" smtClean="0"/>
+              <a:rPr lang="fr-FR"/>
               <a:t>Troisième niveau</a:t>
             </a:r>
           </a:p>
           <a:p>
             <a:pPr lvl="3"/>
             <a:r>
-              <a:rPr lang="fr-FR" smtClean="0"/>
+              <a:rPr lang="fr-FR"/>
               <a:t>Quatrième niveau</a:t>
             </a:r>
           </a:p>
           <a:p>
             <a:pPr lvl="4"/>
             <a:r>
-              <a:rPr lang="fr-FR" smtClean="0"/>
+              <a:rPr lang="fr-FR"/>
               <a:t>Cinquième niveau</a:t>
             </a:r>
             <a:endParaRPr lang="fr-BE"/>
@@ -461,7 +478,7 @@
           <a:p>
             <a:fld id="{AA309A6D-C09C-4548-B29A-6CF363A7E532}" type="datetimeFigureOut">
               <a:rPr lang="fr-FR" smtClean="0"/>
-              <a:t>15/04/2018</a:t>
+              <a:t>19/09/2018</a:t>
             </a:fld>
             <a:endParaRPr lang="fr-BE"/>
           </a:p>
@@ -555,7 +572,7 @@
           <a:lstStyle/>
           <a:p>
             <a:r>
-              <a:rPr lang="fr-FR" smtClean="0"/>
+              <a:rPr lang="fr-FR"/>
               <a:t>Cliquez pour modifier le style du titre</a:t>
             </a:r>
             <a:endParaRPr lang="fr-BE"/>
@@ -584,35 +601,35 @@
           <a:p>
             <a:pPr lvl="0"/>
             <a:r>
-              <a:rPr lang="fr-FR" smtClean="0"/>
+              <a:rPr lang="fr-FR"/>
               <a:t>Cliquez pour modifier les styles du texte du masque</a:t>
             </a:r>
           </a:p>
           <a:p>
             <a:pPr lvl="1"/>
             <a:r>
-              <a:rPr lang="fr-FR" smtClean="0"/>
+              <a:rPr lang="fr-FR"/>
               <a:t>Deuxième niveau</a:t>
             </a:r>
           </a:p>
           <a:p>
             <a:pPr lvl="2"/>
             <a:r>
-              <a:rPr lang="fr-FR" smtClean="0"/>
+              <a:rPr lang="fr-FR"/>
               <a:t>Troisième niveau</a:t>
             </a:r>
           </a:p>
           <a:p>
             <a:pPr lvl="3"/>
             <a:r>
-              <a:rPr lang="fr-FR" smtClean="0"/>
+              <a:rPr lang="fr-FR"/>
               <a:t>Quatrième niveau</a:t>
             </a:r>
           </a:p>
           <a:p>
             <a:pPr lvl="4"/>
             <a:r>
-              <a:rPr lang="fr-FR" smtClean="0"/>
+              <a:rPr lang="fr-FR"/>
               <a:t>Cinquième niveau</a:t>
             </a:r>
             <a:endParaRPr lang="fr-BE"/>
@@ -636,7 +653,7 @@
           <a:p>
             <a:fld id="{AA309A6D-C09C-4548-B29A-6CF363A7E532}" type="datetimeFigureOut">
               <a:rPr lang="fr-FR" smtClean="0"/>
-              <a:t>15/04/2018</a:t>
+              <a:t>19/09/2018</a:t>
             </a:fld>
             <a:endParaRPr lang="fr-BE"/>
           </a:p>
@@ -725,7 +742,7 @@
           <a:lstStyle/>
           <a:p>
             <a:r>
-              <a:rPr lang="fr-FR" smtClean="0"/>
+              <a:rPr lang="fr-FR"/>
               <a:t>Cliquez pour modifier le style du titre</a:t>
             </a:r>
             <a:endParaRPr lang="fr-BE"/>
@@ -749,35 +766,35 @@
           <a:p>
             <a:pPr lvl="0"/>
             <a:r>
-              <a:rPr lang="fr-FR" smtClean="0"/>
+              <a:rPr lang="fr-FR"/>
               <a:t>Cliquez pour modifier les styles du texte du masque</a:t>
             </a:r>
           </a:p>
           <a:p>
             <a:pPr lvl="1"/>
             <a:r>
-              <a:rPr lang="fr-FR" smtClean="0"/>
+              <a:rPr lang="fr-FR"/>
               <a:t>Deuxième niveau</a:t>
             </a:r>
           </a:p>
           <a:p>
             <a:pPr lvl="2"/>
             <a:r>
-              <a:rPr lang="fr-FR" smtClean="0"/>
+              <a:rPr lang="fr-FR"/>
               <a:t>Troisième niveau</a:t>
             </a:r>
           </a:p>
           <a:p>
             <a:pPr lvl="3"/>
             <a:r>
-              <a:rPr lang="fr-FR" smtClean="0"/>
+              <a:rPr lang="fr-FR"/>
               <a:t>Quatrième niveau</a:t>
             </a:r>
           </a:p>
           <a:p>
             <a:pPr lvl="4"/>
             <a:r>
-              <a:rPr lang="fr-FR" smtClean="0"/>
+              <a:rPr lang="fr-FR"/>
               <a:t>Cinquième niveau</a:t>
             </a:r>
             <a:endParaRPr lang="fr-BE"/>
@@ -801,7 +818,7 @@
           <a:p>
             <a:fld id="{AA309A6D-C09C-4548-B29A-6CF363A7E532}" type="datetimeFigureOut">
               <a:rPr lang="fr-FR" smtClean="0"/>
-              <a:t>15/04/2018</a:t>
+              <a:t>19/09/2018</a:t>
             </a:fld>
             <a:endParaRPr lang="fr-BE"/>
           </a:p>
@@ -899,7 +916,7 @@
           </a:lstStyle>
           <a:p>
             <a:r>
-              <a:rPr lang="fr-FR" smtClean="0"/>
+              <a:rPr lang="fr-FR"/>
               <a:t>Cliquez pour modifier le style du titre</a:t>
             </a:r>
             <a:endParaRPr lang="fr-BE"/>
@@ -1019,7 +1036,7 @@
           <a:p>
             <a:pPr lvl="0"/>
             <a:r>
-              <a:rPr lang="fr-FR" smtClean="0"/>
+              <a:rPr lang="fr-FR"/>
               <a:t>Cliquez pour modifier les styles du texte du masque</a:t>
             </a:r>
           </a:p>
@@ -1042,7 +1059,7 @@
           <a:p>
             <a:fld id="{AA309A6D-C09C-4548-B29A-6CF363A7E532}" type="datetimeFigureOut">
               <a:rPr lang="fr-FR" smtClean="0"/>
-              <a:t>15/04/2018</a:t>
+              <a:t>19/09/2018</a:t>
             </a:fld>
             <a:endParaRPr lang="fr-BE"/>
           </a:p>
@@ -1131,7 +1148,7 @@
           <a:lstStyle/>
           <a:p>
             <a:r>
-              <a:rPr lang="fr-FR" smtClean="0"/>
+              <a:rPr lang="fr-FR"/>
               <a:t>Cliquez pour modifier le style du titre</a:t>
             </a:r>
             <a:endParaRPr lang="fr-BE"/>
@@ -1188,35 +1205,35 @@
           <a:p>
             <a:pPr lvl="0"/>
             <a:r>
-              <a:rPr lang="fr-FR" smtClean="0"/>
+              <a:rPr lang="fr-FR"/>
               <a:t>Cliquez pour modifier les styles du texte du masque</a:t>
             </a:r>
           </a:p>
           <a:p>
             <a:pPr lvl="1"/>
             <a:r>
-              <a:rPr lang="fr-FR" smtClean="0"/>
+              <a:rPr lang="fr-FR"/>
               <a:t>Deuxième niveau</a:t>
             </a:r>
           </a:p>
           <a:p>
             <a:pPr lvl="2"/>
             <a:r>
-              <a:rPr lang="fr-FR" smtClean="0"/>
+              <a:rPr lang="fr-FR"/>
               <a:t>Troisième niveau</a:t>
             </a:r>
           </a:p>
           <a:p>
             <a:pPr lvl="3"/>
             <a:r>
-              <a:rPr lang="fr-FR" smtClean="0"/>
+              <a:rPr lang="fr-FR"/>
               <a:t>Quatrième niveau</a:t>
             </a:r>
           </a:p>
           <a:p>
             <a:pPr lvl="4"/>
             <a:r>
-              <a:rPr lang="fr-FR" smtClean="0"/>
+              <a:rPr lang="fr-FR"/>
               <a:t>Cinquième niveau</a:t>
             </a:r>
             <a:endParaRPr lang="fr-BE"/>
@@ -1273,35 +1290,35 @@
           <a:p>
             <a:pPr lvl="0"/>
             <a:r>
-              <a:rPr lang="fr-FR" smtClean="0"/>
+              <a:rPr lang="fr-FR"/>
               <a:t>Cliquez pour modifier les styles du texte du masque</a:t>
             </a:r>
           </a:p>
           <a:p>
             <a:pPr lvl="1"/>
             <a:r>
-              <a:rPr lang="fr-FR" smtClean="0"/>
+              <a:rPr lang="fr-FR"/>
               <a:t>Deuxième niveau</a:t>
             </a:r>
           </a:p>
           <a:p>
             <a:pPr lvl="2"/>
             <a:r>
-              <a:rPr lang="fr-FR" smtClean="0"/>
+              <a:rPr lang="fr-FR"/>
               <a:t>Troisième niveau</a:t>
             </a:r>
           </a:p>
           <a:p>
             <a:pPr lvl="3"/>
             <a:r>
-              <a:rPr lang="fr-FR" smtClean="0"/>
+              <a:rPr lang="fr-FR"/>
               <a:t>Quatrième niveau</a:t>
             </a:r>
           </a:p>
           <a:p>
             <a:pPr lvl="4"/>
             <a:r>
-              <a:rPr lang="fr-FR" smtClean="0"/>
+              <a:rPr lang="fr-FR"/>
               <a:t>Cinquième niveau</a:t>
             </a:r>
             <a:endParaRPr lang="fr-BE"/>
@@ -1325,7 +1342,7 @@
           <a:p>
             <a:fld id="{AA309A6D-C09C-4548-B29A-6CF363A7E532}" type="datetimeFigureOut">
               <a:rPr lang="fr-FR" smtClean="0"/>
-              <a:t>15/04/2018</a:t>
+              <a:t>19/09/2018</a:t>
             </a:fld>
             <a:endParaRPr lang="fr-BE"/>
           </a:p>
@@ -1418,7 +1435,7 @@
           </a:lstStyle>
           <a:p>
             <a:r>
-              <a:rPr lang="fr-FR" smtClean="0"/>
+              <a:rPr lang="fr-FR"/>
               <a:t>Cliquez pour modifier le style du titre</a:t>
             </a:r>
             <a:endParaRPr lang="fr-BE"/>
@@ -1484,7 +1501,7 @@
           <a:p>
             <a:pPr lvl="0"/>
             <a:r>
-              <a:rPr lang="fr-FR" smtClean="0"/>
+              <a:rPr lang="fr-FR"/>
               <a:t>Cliquez pour modifier les styles du texte du masque</a:t>
             </a:r>
           </a:p>
@@ -1540,35 +1557,35 @@
           <a:p>
             <a:pPr lvl="0"/>
             <a:r>
-              <a:rPr lang="fr-FR" smtClean="0"/>
+              <a:rPr lang="fr-FR"/>
               <a:t>Cliquez pour modifier les styles du texte du masque</a:t>
             </a:r>
           </a:p>
           <a:p>
             <a:pPr lvl="1"/>
             <a:r>
-              <a:rPr lang="fr-FR" smtClean="0"/>
+              <a:rPr lang="fr-FR"/>
               <a:t>Deuxième niveau</a:t>
             </a:r>
           </a:p>
           <a:p>
             <a:pPr lvl="2"/>
             <a:r>
-              <a:rPr lang="fr-FR" smtClean="0"/>
+              <a:rPr lang="fr-FR"/>
               <a:t>Troisième niveau</a:t>
             </a:r>
           </a:p>
           <a:p>
             <a:pPr lvl="3"/>
             <a:r>
-              <a:rPr lang="fr-FR" smtClean="0"/>
+              <a:rPr lang="fr-FR"/>
               <a:t>Quatrième niveau</a:t>
             </a:r>
           </a:p>
           <a:p>
             <a:pPr lvl="4"/>
             <a:r>
-              <a:rPr lang="fr-FR" smtClean="0"/>
+              <a:rPr lang="fr-FR"/>
               <a:t>Cinquième niveau</a:t>
             </a:r>
             <a:endParaRPr lang="fr-BE"/>
@@ -1634,7 +1651,7 @@
           <a:p>
             <a:pPr lvl="0"/>
             <a:r>
-              <a:rPr lang="fr-FR" smtClean="0"/>
+              <a:rPr lang="fr-FR"/>
               <a:t>Cliquez pour modifier les styles du texte du masque</a:t>
             </a:r>
           </a:p>
@@ -1690,35 +1707,35 @@
           <a:p>
             <a:pPr lvl="0"/>
             <a:r>
-              <a:rPr lang="fr-FR" smtClean="0"/>
+              <a:rPr lang="fr-FR"/>
               <a:t>Cliquez pour modifier les styles du texte du masque</a:t>
             </a:r>
           </a:p>
           <a:p>
             <a:pPr lvl="1"/>
             <a:r>
-              <a:rPr lang="fr-FR" smtClean="0"/>
+              <a:rPr lang="fr-FR"/>
               <a:t>Deuxième niveau</a:t>
             </a:r>
           </a:p>
           <a:p>
             <a:pPr lvl="2"/>
             <a:r>
-              <a:rPr lang="fr-FR" smtClean="0"/>
+              <a:rPr lang="fr-FR"/>
               <a:t>Troisième niveau</a:t>
             </a:r>
           </a:p>
           <a:p>
             <a:pPr lvl="3"/>
             <a:r>
-              <a:rPr lang="fr-FR" smtClean="0"/>
+              <a:rPr lang="fr-FR"/>
               <a:t>Quatrième niveau</a:t>
             </a:r>
           </a:p>
           <a:p>
             <a:pPr lvl="4"/>
             <a:r>
-              <a:rPr lang="fr-FR" smtClean="0"/>
+              <a:rPr lang="fr-FR"/>
               <a:t>Cinquième niveau</a:t>
             </a:r>
             <a:endParaRPr lang="fr-BE"/>
@@ -1742,7 +1759,7 @@
           <a:p>
             <a:fld id="{AA309A6D-C09C-4548-B29A-6CF363A7E532}" type="datetimeFigureOut">
               <a:rPr lang="fr-FR" smtClean="0"/>
-              <a:t>15/04/2018</a:t>
+              <a:t>19/09/2018</a:t>
             </a:fld>
             <a:endParaRPr lang="fr-BE"/>
           </a:p>
@@ -1831,7 +1848,7 @@
           <a:lstStyle/>
           <a:p>
             <a:r>
-              <a:rPr lang="fr-FR" smtClean="0"/>
+              <a:rPr lang="fr-FR"/>
               <a:t>Cliquez pour modifier le style du titre</a:t>
             </a:r>
             <a:endParaRPr lang="fr-BE"/>
@@ -1855,7 +1872,7 @@
           <a:p>
             <a:fld id="{AA309A6D-C09C-4548-B29A-6CF363A7E532}" type="datetimeFigureOut">
               <a:rPr lang="fr-FR" smtClean="0"/>
-              <a:t>15/04/2018</a:t>
+              <a:t>19/09/2018</a:t>
             </a:fld>
             <a:endParaRPr lang="fr-BE"/>
           </a:p>
@@ -1945,7 +1962,7 @@
           <a:p>
             <a:fld id="{AA309A6D-C09C-4548-B29A-6CF363A7E532}" type="datetimeFigureOut">
               <a:rPr lang="fr-FR" smtClean="0"/>
-              <a:t>15/04/2018</a:t>
+              <a:t>19/09/2018</a:t>
             </a:fld>
             <a:endParaRPr lang="fr-BE"/>
           </a:p>
@@ -2043,7 +2060,7 @@
           </a:lstStyle>
           <a:p>
             <a:r>
-              <a:rPr lang="fr-FR" smtClean="0"/>
+              <a:rPr lang="fr-FR"/>
               <a:t>Cliquez pour modifier le style du titre</a:t>
             </a:r>
             <a:endParaRPr lang="fr-BE"/>
@@ -2100,35 +2117,35 @@
           <a:p>
             <a:pPr lvl="0"/>
             <a:r>
-              <a:rPr lang="fr-FR" smtClean="0"/>
+              <a:rPr lang="fr-FR"/>
               <a:t>Cliquez pour modifier les styles du texte du masque</a:t>
             </a:r>
           </a:p>
           <a:p>
             <a:pPr lvl="1"/>
             <a:r>
-              <a:rPr lang="fr-FR" smtClean="0"/>
+              <a:rPr lang="fr-FR"/>
               <a:t>Deuxième niveau</a:t>
             </a:r>
           </a:p>
           <a:p>
             <a:pPr lvl="2"/>
             <a:r>
-              <a:rPr lang="fr-FR" smtClean="0"/>
+              <a:rPr lang="fr-FR"/>
               <a:t>Troisième niveau</a:t>
             </a:r>
           </a:p>
           <a:p>
             <a:pPr lvl="3"/>
             <a:r>
-              <a:rPr lang="fr-FR" smtClean="0"/>
+              <a:rPr lang="fr-FR"/>
               <a:t>Quatrième niveau</a:t>
             </a:r>
           </a:p>
           <a:p>
             <a:pPr lvl="4"/>
             <a:r>
-              <a:rPr lang="fr-FR" smtClean="0"/>
+              <a:rPr lang="fr-FR"/>
               <a:t>Cinquième niveau</a:t>
             </a:r>
             <a:endParaRPr lang="fr-BE"/>
@@ -2194,7 +2211,7 @@
           <a:p>
             <a:pPr lvl="0"/>
             <a:r>
-              <a:rPr lang="fr-FR" smtClean="0"/>
+              <a:rPr lang="fr-FR"/>
               <a:t>Cliquez pour modifier les styles du texte du masque</a:t>
             </a:r>
           </a:p>
@@ -2217,7 +2234,7 @@
           <a:p>
             <a:fld id="{AA309A6D-C09C-4548-B29A-6CF363A7E532}" type="datetimeFigureOut">
               <a:rPr lang="fr-FR" smtClean="0"/>
-              <a:t>15/04/2018</a:t>
+              <a:t>19/09/2018</a:t>
             </a:fld>
             <a:endParaRPr lang="fr-BE"/>
           </a:p>
@@ -2315,7 +2332,7 @@
           </a:lstStyle>
           <a:p>
             <a:r>
-              <a:rPr lang="fr-FR" smtClean="0"/>
+              <a:rPr lang="fr-FR"/>
               <a:t>Cliquez pour modifier le style du titre</a:t>
             </a:r>
             <a:endParaRPr lang="fr-BE"/>
@@ -2442,7 +2459,7 @@
           <a:p>
             <a:pPr lvl="0"/>
             <a:r>
-              <a:rPr lang="fr-FR" smtClean="0"/>
+              <a:rPr lang="fr-FR"/>
               <a:t>Cliquez pour modifier les styles du texte du masque</a:t>
             </a:r>
           </a:p>
@@ -2465,7 +2482,7 @@
           <a:p>
             <a:fld id="{AA309A6D-C09C-4548-B29A-6CF363A7E532}" type="datetimeFigureOut">
               <a:rPr lang="fr-FR" smtClean="0"/>
-              <a:t>15/04/2018</a:t>
+              <a:t>19/09/2018</a:t>
             </a:fld>
             <a:endParaRPr lang="fr-BE"/>
           </a:p>
@@ -2569,7 +2586,7 @@
           <a:lstStyle/>
           <a:p>
             <a:r>
-              <a:rPr lang="fr-FR" smtClean="0"/>
+              <a:rPr lang="fr-FR"/>
               <a:t>Cliquez pour modifier le style du titre</a:t>
             </a:r>
             <a:endParaRPr lang="fr-BE"/>
@@ -2603,35 +2620,35 @@
           <a:p>
             <a:pPr lvl="0"/>
             <a:r>
-              <a:rPr lang="fr-FR" smtClean="0"/>
+              <a:rPr lang="fr-FR"/>
               <a:t>Cliquez pour modifier les styles du texte du masque</a:t>
             </a:r>
           </a:p>
           <a:p>
             <a:pPr lvl="1"/>
             <a:r>
-              <a:rPr lang="fr-FR" smtClean="0"/>
+              <a:rPr lang="fr-FR"/>
               <a:t>Deuxième niveau</a:t>
             </a:r>
           </a:p>
           <a:p>
             <a:pPr lvl="2"/>
             <a:r>
-              <a:rPr lang="fr-FR" smtClean="0"/>
+              <a:rPr lang="fr-FR"/>
               <a:t>Troisième niveau</a:t>
             </a:r>
           </a:p>
           <a:p>
             <a:pPr lvl="3"/>
             <a:r>
-              <a:rPr lang="fr-FR" smtClean="0"/>
+              <a:rPr lang="fr-FR"/>
               <a:t>Quatrième niveau</a:t>
             </a:r>
           </a:p>
           <a:p>
             <a:pPr lvl="4"/>
             <a:r>
-              <a:rPr lang="fr-FR" smtClean="0"/>
+              <a:rPr lang="fr-FR"/>
               <a:t>Cinquième niveau</a:t>
             </a:r>
             <a:endParaRPr lang="fr-BE"/>
@@ -2673,7 +2690,7 @@
           <a:p>
             <a:fld id="{AA309A6D-C09C-4548-B29A-6CF363A7E532}" type="datetimeFigureOut">
               <a:rPr lang="fr-FR" smtClean="0"/>
-              <a:t>15/04/2018</a:t>
+              <a:t>19/09/2018</a:t>
             </a:fld>
             <a:endParaRPr lang="fr-BE"/>
           </a:p>
@@ -3027,6 +3044,3168 @@
 </file>
 
 <file path=ppt/slides/slide1.xml><?xml version="1.0" encoding="utf-8"?>
+<p:sld xmlns:a="http://schemas.openxmlformats.org/drawingml/2006/main" xmlns:r="http://schemas.openxmlformats.org/officeDocument/2006/relationships" xmlns:p="http://schemas.openxmlformats.org/presentationml/2006/main">
+  <p:cSld>
+    <p:spTree>
+      <p:nvGrpSpPr>
+        <p:cNvPr id="1" name=""/>
+        <p:cNvGrpSpPr/>
+        <p:nvPr/>
+      </p:nvGrpSpPr>
+      <p:grpSpPr>
+        <a:xfrm>
+          <a:off x="0" y="0"/>
+          <a:ext cx="0" cy="0"/>
+          <a:chOff x="0" y="0"/>
+          <a:chExt cx="0" cy="0"/>
+        </a:xfrm>
+      </p:grpSpPr>
+      <mc:AlternateContent xmlns:mc="http://schemas.openxmlformats.org/markup-compatibility/2006">
+        <mc:Choice xmlns:a14="http://schemas.microsoft.com/office/drawing/2010/main" Requires="a14">
+          <p:sp>
+            <p:nvSpPr>
+              <p:cNvPr id="4" name="Rectangle 3">
+                <a:extLst>
+                  <a:ext uri="{FF2B5EF4-FFF2-40B4-BE49-F238E27FC236}">
+                    <a16:creationId xmlns:a16="http://schemas.microsoft.com/office/drawing/2014/main" id="{DA851F69-C9DF-48EA-BBA2-8F74DC6835F7}"/>
+                  </a:ext>
+                </a:extLst>
+              </p:cNvPr>
+              <p:cNvSpPr/>
+              <p:nvPr/>
+            </p:nvSpPr>
+            <p:spPr>
+              <a:xfrm>
+                <a:off x="1691680" y="1304764"/>
+                <a:ext cx="720080" cy="432048"/>
+              </a:xfrm>
+              <a:prstGeom prst="rect">
+                <a:avLst/>
+              </a:prstGeom>
+              <a:noFill/>
+              <a:ln w="12700">
+                <a:solidFill>
+                  <a:schemeClr val="tx1"/>
+                </a:solidFill>
+              </a:ln>
+            </p:spPr>
+            <p:style>
+              <a:lnRef idx="2">
+                <a:schemeClr val="accent1">
+                  <a:shade val="50000"/>
+                </a:schemeClr>
+              </a:lnRef>
+              <a:fillRef idx="1">
+                <a:schemeClr val="accent1"/>
+              </a:fillRef>
+              <a:effectRef idx="0">
+                <a:schemeClr val="accent1"/>
+              </a:effectRef>
+              <a:fontRef idx="minor">
+                <a:schemeClr val="lt1"/>
+              </a:fontRef>
+            </p:style>
+            <p:txBody>
+              <a:bodyPr rtlCol="0" anchor="ctr"/>
+              <a:lstStyle/>
+              <a:p>
+                <a:pPr algn="ctr"/>
+                <a14:m>
+                  <m:oMathPara xmlns:m="http://schemas.openxmlformats.org/officeDocument/2006/math">
+                    <m:oMathParaPr>
+                      <m:jc m:val="centerGroup"/>
+                    </m:oMathParaPr>
+                    <m:oMath xmlns:m="http://schemas.openxmlformats.org/officeDocument/2006/math">
+                      <m:f>
+                        <m:fPr>
+                          <m:ctrlPr>
+                            <a:rPr lang="fr-FR" sz="1200" b="0" i="1" smtClean="0">
+                              <a:solidFill>
+                                <a:schemeClr val="tx1"/>
+                              </a:solidFill>
+                              <a:latin typeface="Cambria Math" panose="02040503050406030204" pitchFamily="18" charset="0"/>
+                            </a:rPr>
+                          </m:ctrlPr>
+                        </m:fPr>
+                        <m:num>
+                          <m:r>
+                            <a:rPr lang="fr-FR" sz="1200" b="0" i="1" smtClean="0">
+                              <a:solidFill>
+                                <a:schemeClr val="tx1"/>
+                              </a:solidFill>
+                              <a:latin typeface="Cambria Math" panose="02040503050406030204" pitchFamily="18" charset="0"/>
+                            </a:rPr>
+                            <m:t>1</m:t>
+                          </m:r>
+                        </m:num>
+                        <m:den>
+                          <m:r>
+                            <a:rPr lang="fr-FR" sz="1200" b="0" i="1" smtClean="0">
+                              <a:solidFill>
+                                <a:schemeClr val="tx1"/>
+                              </a:solidFill>
+                              <a:latin typeface="Cambria Math" panose="02040503050406030204" pitchFamily="18" charset="0"/>
+                            </a:rPr>
+                            <m:t>𝑅</m:t>
+                          </m:r>
+                        </m:den>
+                      </m:f>
+                    </m:oMath>
+                  </m:oMathPara>
+                </a14:m>
+                <a:endParaRPr lang="fr-FR" sz="1200" dirty="0"/>
+              </a:p>
+            </p:txBody>
+          </p:sp>
+        </mc:Choice>
+        <mc:Fallback>
+          <p:sp>
+            <p:nvSpPr>
+              <p:cNvPr id="4" name="Rectangle 3">
+                <a:extLst>
+                  <a:ext uri="{FF2B5EF4-FFF2-40B4-BE49-F238E27FC236}">
+                    <a16:creationId xmlns:a16="http://schemas.microsoft.com/office/drawing/2014/main" id="{DA851F69-C9DF-48EA-BBA2-8F74DC6835F7}"/>
+                  </a:ext>
+                </a:extLst>
+              </p:cNvPr>
+              <p:cNvSpPr>
+                <a:spLocks noRot="1" noChangeAspect="1" noMove="1" noResize="1" noEditPoints="1" noAdjustHandles="1" noChangeArrowheads="1" noChangeShapeType="1" noTextEdit="1"/>
+              </p:cNvSpPr>
+              <p:nvPr/>
+            </p:nvSpPr>
+            <p:spPr>
+              <a:xfrm>
+                <a:off x="1691680" y="1304764"/>
+                <a:ext cx="720080" cy="432048"/>
+              </a:xfrm>
+              <a:prstGeom prst="rect">
+                <a:avLst/>
+              </a:prstGeom>
+              <a:blipFill>
+                <a:blip r:embed="rId2"/>
+                <a:stretch>
+                  <a:fillRect/>
+                </a:stretch>
+              </a:blipFill>
+              <a:ln w="12700">
+                <a:solidFill>
+                  <a:schemeClr val="tx1"/>
+                </a:solidFill>
+              </a:ln>
+            </p:spPr>
+            <p:txBody>
+              <a:bodyPr/>
+              <a:lstStyle/>
+              <a:p>
+                <a:r>
+                  <a:rPr lang="fr-FR">
+                    <a:noFill/>
+                  </a:rPr>
+                  <a:t> </a:t>
+                </a:r>
+              </a:p>
+            </p:txBody>
+          </p:sp>
+        </mc:Fallback>
+      </mc:AlternateContent>
+      <mc:AlternateContent xmlns:mc="http://schemas.openxmlformats.org/markup-compatibility/2006">
+        <mc:Choice xmlns:a14="http://schemas.microsoft.com/office/drawing/2010/main" Requires="a14">
+          <p:sp>
+            <p:nvSpPr>
+              <p:cNvPr id="5" name="Rectangle 4">
+                <a:extLst>
+                  <a:ext uri="{FF2B5EF4-FFF2-40B4-BE49-F238E27FC236}">
+                    <a16:creationId xmlns:a16="http://schemas.microsoft.com/office/drawing/2014/main" id="{039DAA0B-7F69-4889-B31F-D81508589A4C}"/>
+                  </a:ext>
+                </a:extLst>
+              </p:cNvPr>
+              <p:cNvSpPr/>
+              <p:nvPr/>
+            </p:nvSpPr>
+            <p:spPr>
+              <a:xfrm>
+                <a:off x="3131840" y="1300240"/>
+                <a:ext cx="720080" cy="432048"/>
+              </a:xfrm>
+              <a:prstGeom prst="rect">
+                <a:avLst/>
+              </a:prstGeom>
+              <a:noFill/>
+              <a:ln w="12700">
+                <a:solidFill>
+                  <a:schemeClr val="tx1"/>
+                </a:solidFill>
+              </a:ln>
+            </p:spPr>
+            <p:style>
+              <a:lnRef idx="2">
+                <a:schemeClr val="accent1">
+                  <a:shade val="50000"/>
+                </a:schemeClr>
+              </a:lnRef>
+              <a:fillRef idx="1">
+                <a:schemeClr val="accent1"/>
+              </a:fillRef>
+              <a:effectRef idx="0">
+                <a:schemeClr val="accent1"/>
+              </a:effectRef>
+              <a:fontRef idx="minor">
+                <a:schemeClr val="lt1"/>
+              </a:fontRef>
+            </p:style>
+            <p:txBody>
+              <a:bodyPr rtlCol="0" anchor="ctr"/>
+              <a:lstStyle/>
+              <a:p>
+                <a:pPr algn="ctr"/>
+                <a14:m>
+                  <m:oMathPara xmlns:m="http://schemas.openxmlformats.org/officeDocument/2006/math">
+                    <m:oMathParaPr>
+                      <m:jc m:val="centerGroup"/>
+                    </m:oMathParaPr>
+                    <m:oMath xmlns:m="http://schemas.openxmlformats.org/officeDocument/2006/math">
+                      <m:sSub>
+                        <m:sSubPr>
+                          <m:ctrlPr>
+                            <a:rPr lang="fr-FR" sz="1200" b="0" i="1" smtClean="0">
+                              <a:solidFill>
+                                <a:schemeClr val="tx1"/>
+                              </a:solidFill>
+                              <a:latin typeface="Cambria Math" panose="02040503050406030204" pitchFamily="18" charset="0"/>
+                            </a:rPr>
+                          </m:ctrlPr>
+                        </m:sSubPr>
+                        <m:e>
+                          <m:r>
+                            <a:rPr lang="fr-FR" sz="1200" b="0" i="1" smtClean="0">
+                              <a:solidFill>
+                                <a:schemeClr val="tx1"/>
+                              </a:solidFill>
+                              <a:latin typeface="Cambria Math" panose="02040503050406030204" pitchFamily="18" charset="0"/>
+                            </a:rPr>
+                            <m:t>𝑘</m:t>
+                          </m:r>
+                        </m:e>
+                        <m:sub>
+                          <m:r>
+                            <a:rPr lang="fr-FR" sz="1200" b="0" i="1" smtClean="0">
+                              <a:solidFill>
+                                <a:schemeClr val="tx1"/>
+                              </a:solidFill>
+                              <a:latin typeface="Cambria Math" panose="02040503050406030204" pitchFamily="18" charset="0"/>
+                            </a:rPr>
+                            <m:t>𝑡</m:t>
+                          </m:r>
+                        </m:sub>
+                      </m:sSub>
+                    </m:oMath>
+                  </m:oMathPara>
+                </a14:m>
+                <a:endParaRPr lang="fr-FR" sz="1200" dirty="0"/>
+              </a:p>
+            </p:txBody>
+          </p:sp>
+        </mc:Choice>
+        <mc:Fallback>
+          <p:sp>
+            <p:nvSpPr>
+              <p:cNvPr id="5" name="Rectangle 4">
+                <a:extLst>
+                  <a:ext uri="{FF2B5EF4-FFF2-40B4-BE49-F238E27FC236}">
+                    <a16:creationId xmlns:a16="http://schemas.microsoft.com/office/drawing/2014/main" id="{039DAA0B-7F69-4889-B31F-D81508589A4C}"/>
+                  </a:ext>
+                </a:extLst>
+              </p:cNvPr>
+              <p:cNvSpPr>
+                <a:spLocks noRot="1" noChangeAspect="1" noMove="1" noResize="1" noEditPoints="1" noAdjustHandles="1" noChangeArrowheads="1" noChangeShapeType="1" noTextEdit="1"/>
+              </p:cNvSpPr>
+              <p:nvPr/>
+            </p:nvSpPr>
+            <p:spPr>
+              <a:xfrm>
+                <a:off x="3131840" y="1300240"/>
+                <a:ext cx="720080" cy="432048"/>
+              </a:xfrm>
+              <a:prstGeom prst="rect">
+                <a:avLst/>
+              </a:prstGeom>
+              <a:blipFill>
+                <a:blip r:embed="rId3"/>
+                <a:stretch>
+                  <a:fillRect/>
+                </a:stretch>
+              </a:blipFill>
+              <a:ln w="12700">
+                <a:solidFill>
+                  <a:schemeClr val="tx1"/>
+                </a:solidFill>
+              </a:ln>
+            </p:spPr>
+            <p:txBody>
+              <a:bodyPr/>
+              <a:lstStyle/>
+              <a:p>
+                <a:r>
+                  <a:rPr lang="fr-FR">
+                    <a:noFill/>
+                  </a:rPr>
+                  <a:t> </a:t>
+                </a:r>
+              </a:p>
+            </p:txBody>
+          </p:sp>
+        </mc:Fallback>
+      </mc:AlternateContent>
+      <mc:AlternateContent xmlns:mc="http://schemas.openxmlformats.org/markup-compatibility/2006">
+        <mc:Choice xmlns:a14="http://schemas.microsoft.com/office/drawing/2010/main" Requires="a14">
+          <p:sp>
+            <p:nvSpPr>
+              <p:cNvPr id="7" name="Rectangle 6">
+                <a:extLst>
+                  <a:ext uri="{FF2B5EF4-FFF2-40B4-BE49-F238E27FC236}">
+                    <a16:creationId xmlns:a16="http://schemas.microsoft.com/office/drawing/2014/main" id="{AEEACF32-3863-48CD-8127-7F81DFBDCD45}"/>
+                  </a:ext>
+                </a:extLst>
+              </p:cNvPr>
+              <p:cNvSpPr/>
+              <p:nvPr/>
+            </p:nvSpPr>
+            <p:spPr>
+              <a:xfrm>
+                <a:off x="4572002" y="1300240"/>
+                <a:ext cx="720080" cy="432048"/>
+              </a:xfrm>
+              <a:prstGeom prst="rect">
+                <a:avLst/>
+              </a:prstGeom>
+              <a:noFill/>
+              <a:ln w="12700">
+                <a:solidFill>
+                  <a:schemeClr val="tx1"/>
+                </a:solidFill>
+              </a:ln>
+            </p:spPr>
+            <p:style>
+              <a:lnRef idx="2">
+                <a:schemeClr val="accent1">
+                  <a:shade val="50000"/>
+                </a:schemeClr>
+              </a:lnRef>
+              <a:fillRef idx="1">
+                <a:schemeClr val="accent1"/>
+              </a:fillRef>
+              <a:effectRef idx="0">
+                <a:schemeClr val="accent1"/>
+              </a:effectRef>
+              <a:fontRef idx="minor">
+                <a:schemeClr val="lt1"/>
+              </a:fontRef>
+            </p:style>
+            <p:txBody>
+              <a:bodyPr rtlCol="0" anchor="ctr"/>
+              <a:lstStyle/>
+              <a:p>
+                <a:pPr algn="ctr"/>
+                <a14:m>
+                  <m:oMathPara xmlns:m="http://schemas.openxmlformats.org/officeDocument/2006/math">
+                    <m:oMathParaPr>
+                      <m:jc m:val="centerGroup"/>
+                    </m:oMathParaPr>
+                    <m:oMath xmlns:m="http://schemas.openxmlformats.org/officeDocument/2006/math">
+                      <m:f>
+                        <m:fPr>
+                          <m:ctrlPr>
+                            <a:rPr lang="fr-FR" sz="1200" b="0" i="1" smtClean="0">
+                              <a:solidFill>
+                                <a:schemeClr val="tx1"/>
+                              </a:solidFill>
+                              <a:latin typeface="Cambria Math" panose="02040503050406030204" pitchFamily="18" charset="0"/>
+                            </a:rPr>
+                          </m:ctrlPr>
+                        </m:fPr>
+                        <m:num>
+                          <m:r>
+                            <a:rPr lang="fr-FR" sz="1200" b="0" i="1" smtClean="0">
+                              <a:solidFill>
+                                <a:schemeClr val="tx1"/>
+                              </a:solidFill>
+                              <a:latin typeface="Cambria Math" panose="02040503050406030204" pitchFamily="18" charset="0"/>
+                            </a:rPr>
+                            <m:t>1</m:t>
+                          </m:r>
+                        </m:num>
+                        <m:den>
+                          <m:sSub>
+                            <m:sSubPr>
+                              <m:ctrlPr>
+                                <a:rPr lang="fr-FR" sz="1200" b="0" i="1" smtClean="0">
+                                  <a:solidFill>
+                                    <a:schemeClr val="tx1"/>
+                                  </a:solidFill>
+                                  <a:latin typeface="Cambria Math" panose="02040503050406030204" pitchFamily="18" charset="0"/>
+                                </a:rPr>
+                              </m:ctrlPr>
+                            </m:sSubPr>
+                            <m:e>
+                              <m:r>
+                                <a:rPr lang="fr-FR" sz="1200" b="0" i="1" smtClean="0">
+                                  <a:solidFill>
+                                    <a:schemeClr val="tx1"/>
+                                  </a:solidFill>
+                                  <a:latin typeface="Cambria Math" panose="02040503050406030204" pitchFamily="18" charset="0"/>
+                                </a:rPr>
+                                <m:t>𝐽</m:t>
+                              </m:r>
+                            </m:e>
+                            <m:sub>
+                              <m:r>
+                                <a:rPr lang="fr-FR" sz="1200" b="0" i="1" smtClean="0">
+                                  <a:solidFill>
+                                    <a:schemeClr val="tx1"/>
+                                  </a:solidFill>
+                                  <a:latin typeface="Cambria Math" panose="02040503050406030204" pitchFamily="18" charset="0"/>
+                                </a:rPr>
+                                <m:t>𝑒</m:t>
+                              </m:r>
+                            </m:sub>
+                          </m:sSub>
+                          <m:r>
+                            <a:rPr lang="fr-FR" sz="1200" b="0" i="1" smtClean="0">
+                              <a:solidFill>
+                                <a:schemeClr val="tx1"/>
+                              </a:solidFill>
+                              <a:latin typeface="Cambria Math" panose="02040503050406030204" pitchFamily="18" charset="0"/>
+                            </a:rPr>
+                            <m:t>𝑝</m:t>
+                          </m:r>
+                        </m:den>
+                      </m:f>
+                    </m:oMath>
+                  </m:oMathPara>
+                </a14:m>
+                <a:endParaRPr lang="fr-FR" sz="1200" dirty="0"/>
+              </a:p>
+            </p:txBody>
+          </p:sp>
+        </mc:Choice>
+        <mc:Fallback>
+          <p:sp>
+            <p:nvSpPr>
+              <p:cNvPr id="7" name="Rectangle 6">
+                <a:extLst>
+                  <a:ext uri="{FF2B5EF4-FFF2-40B4-BE49-F238E27FC236}">
+                    <a16:creationId xmlns:a16="http://schemas.microsoft.com/office/drawing/2014/main" id="{AEEACF32-3863-48CD-8127-7F81DFBDCD45}"/>
+                  </a:ext>
+                </a:extLst>
+              </p:cNvPr>
+              <p:cNvSpPr>
+                <a:spLocks noRot="1" noChangeAspect="1" noMove="1" noResize="1" noEditPoints="1" noAdjustHandles="1" noChangeArrowheads="1" noChangeShapeType="1" noTextEdit="1"/>
+              </p:cNvSpPr>
+              <p:nvPr/>
+            </p:nvSpPr>
+            <p:spPr>
+              <a:xfrm>
+                <a:off x="4572002" y="1300240"/>
+                <a:ext cx="720080" cy="432048"/>
+              </a:xfrm>
+              <a:prstGeom prst="rect">
+                <a:avLst/>
+              </a:prstGeom>
+              <a:blipFill>
+                <a:blip r:embed="rId4"/>
+                <a:stretch>
+                  <a:fillRect b="-5479"/>
+                </a:stretch>
+              </a:blipFill>
+              <a:ln w="12700">
+                <a:solidFill>
+                  <a:schemeClr val="tx1"/>
+                </a:solidFill>
+              </a:ln>
+            </p:spPr>
+            <p:txBody>
+              <a:bodyPr/>
+              <a:lstStyle/>
+              <a:p>
+                <a:r>
+                  <a:rPr lang="fr-FR">
+                    <a:noFill/>
+                  </a:rPr>
+                  <a:t> </a:t>
+                </a:r>
+              </a:p>
+            </p:txBody>
+          </p:sp>
+        </mc:Fallback>
+      </mc:AlternateContent>
+      <mc:AlternateContent xmlns:mc="http://schemas.openxmlformats.org/markup-compatibility/2006">
+        <mc:Choice xmlns:a14="http://schemas.microsoft.com/office/drawing/2010/main" Requires="a14">
+          <p:sp>
+            <p:nvSpPr>
+              <p:cNvPr id="8" name="Rectangle 7">
+                <a:extLst>
+                  <a:ext uri="{FF2B5EF4-FFF2-40B4-BE49-F238E27FC236}">
+                    <a16:creationId xmlns:a16="http://schemas.microsoft.com/office/drawing/2014/main" id="{285356AC-E888-411B-B748-E96B25A540F9}"/>
+                  </a:ext>
+                </a:extLst>
+              </p:cNvPr>
+              <p:cNvSpPr/>
+              <p:nvPr/>
+            </p:nvSpPr>
+            <p:spPr>
+              <a:xfrm>
+                <a:off x="3131840" y="1988840"/>
+                <a:ext cx="720080" cy="432048"/>
+              </a:xfrm>
+              <a:prstGeom prst="rect">
+                <a:avLst/>
+              </a:prstGeom>
+              <a:noFill/>
+              <a:ln w="12700">
+                <a:solidFill>
+                  <a:schemeClr val="tx1"/>
+                </a:solidFill>
+              </a:ln>
+            </p:spPr>
+            <p:style>
+              <a:lnRef idx="2">
+                <a:schemeClr val="accent1">
+                  <a:shade val="50000"/>
+                </a:schemeClr>
+              </a:lnRef>
+              <a:fillRef idx="1">
+                <a:schemeClr val="accent1"/>
+              </a:fillRef>
+              <a:effectRef idx="0">
+                <a:schemeClr val="accent1"/>
+              </a:effectRef>
+              <a:fontRef idx="minor">
+                <a:schemeClr val="lt1"/>
+              </a:fontRef>
+            </p:style>
+            <p:txBody>
+              <a:bodyPr rtlCol="0" anchor="ctr"/>
+              <a:lstStyle/>
+              <a:p>
+                <a:pPr algn="ctr"/>
+                <a14:m>
+                  <m:oMathPara xmlns:m="http://schemas.openxmlformats.org/officeDocument/2006/math">
+                    <m:oMathParaPr>
+                      <m:jc m:val="centerGroup"/>
+                    </m:oMathParaPr>
+                    <m:oMath xmlns:m="http://schemas.openxmlformats.org/officeDocument/2006/math">
+                      <m:sSub>
+                        <m:sSubPr>
+                          <m:ctrlPr>
+                            <a:rPr lang="fr-FR" sz="1200" b="0" i="1" smtClean="0">
+                              <a:solidFill>
+                                <a:schemeClr val="tx1"/>
+                              </a:solidFill>
+                              <a:latin typeface="Cambria Math" panose="02040503050406030204" pitchFamily="18" charset="0"/>
+                            </a:rPr>
+                          </m:ctrlPr>
+                        </m:sSubPr>
+                        <m:e>
+                          <m:r>
+                            <a:rPr lang="fr-FR" sz="1200" b="0" i="1" smtClean="0">
+                              <a:solidFill>
+                                <a:schemeClr val="tx1"/>
+                              </a:solidFill>
+                              <a:latin typeface="Cambria Math" panose="02040503050406030204" pitchFamily="18" charset="0"/>
+                            </a:rPr>
+                            <m:t>𝑘</m:t>
+                          </m:r>
+                        </m:e>
+                        <m:sub>
+                          <m:r>
+                            <a:rPr lang="fr-FR" sz="1200" b="0" i="1" smtClean="0">
+                              <a:solidFill>
+                                <a:schemeClr val="tx1"/>
+                              </a:solidFill>
+                              <a:latin typeface="Cambria Math" panose="02040503050406030204" pitchFamily="18" charset="0"/>
+                            </a:rPr>
+                            <m:t>𝑒</m:t>
+                          </m:r>
+                        </m:sub>
+                      </m:sSub>
+                    </m:oMath>
+                  </m:oMathPara>
+                </a14:m>
+                <a:endParaRPr lang="fr-FR" sz="1200" dirty="0"/>
+              </a:p>
+            </p:txBody>
+          </p:sp>
+        </mc:Choice>
+        <mc:Fallback>
+          <p:sp>
+            <p:nvSpPr>
+              <p:cNvPr id="8" name="Rectangle 7">
+                <a:extLst>
+                  <a:ext uri="{FF2B5EF4-FFF2-40B4-BE49-F238E27FC236}">
+                    <a16:creationId xmlns:a16="http://schemas.microsoft.com/office/drawing/2014/main" id="{285356AC-E888-411B-B748-E96B25A540F9}"/>
+                  </a:ext>
+                </a:extLst>
+              </p:cNvPr>
+              <p:cNvSpPr>
+                <a:spLocks noRot="1" noChangeAspect="1" noMove="1" noResize="1" noEditPoints="1" noAdjustHandles="1" noChangeArrowheads="1" noChangeShapeType="1" noTextEdit="1"/>
+              </p:cNvSpPr>
+              <p:nvPr/>
+            </p:nvSpPr>
+            <p:spPr>
+              <a:xfrm>
+                <a:off x="3131840" y="1988840"/>
+                <a:ext cx="720080" cy="432048"/>
+              </a:xfrm>
+              <a:prstGeom prst="rect">
+                <a:avLst/>
+              </a:prstGeom>
+              <a:blipFill>
+                <a:blip r:embed="rId5"/>
+                <a:stretch>
+                  <a:fillRect/>
+                </a:stretch>
+              </a:blipFill>
+              <a:ln w="12700">
+                <a:solidFill>
+                  <a:schemeClr val="tx1"/>
+                </a:solidFill>
+              </a:ln>
+            </p:spPr>
+            <p:txBody>
+              <a:bodyPr/>
+              <a:lstStyle/>
+              <a:p>
+                <a:r>
+                  <a:rPr lang="fr-FR">
+                    <a:noFill/>
+                  </a:rPr>
+                  <a:t> </a:t>
+                </a:r>
+              </a:p>
+            </p:txBody>
+          </p:sp>
+        </mc:Fallback>
+      </mc:AlternateContent>
+      <p:sp>
+        <p:nvSpPr>
+          <p:cNvPr id="9" name="Organigramme : Jonction de sommaire 8">
+            <a:extLst>
+              <a:ext uri="{FF2B5EF4-FFF2-40B4-BE49-F238E27FC236}">
+                <a16:creationId xmlns:a16="http://schemas.microsoft.com/office/drawing/2014/main" id="{69C079B8-08E9-426F-B7EF-F0F2B9BD54B6}"/>
+              </a:ext>
+            </a:extLst>
+          </p:cNvPr>
+          <p:cNvSpPr/>
+          <p:nvPr/>
+        </p:nvSpPr>
+        <p:spPr>
+          <a:xfrm>
+            <a:off x="971598" y="1376772"/>
+            <a:ext cx="278984" cy="278984"/>
+          </a:xfrm>
+          <a:prstGeom prst="flowChartSummingJunction">
+            <a:avLst/>
+          </a:prstGeom>
+          <a:noFill/>
+          <a:ln w="12700">
+            <a:solidFill>
+              <a:schemeClr val="tx1"/>
+            </a:solidFill>
+          </a:ln>
+        </p:spPr>
+        <p:style>
+          <a:lnRef idx="2">
+            <a:schemeClr val="accent1">
+              <a:shade val="50000"/>
+            </a:schemeClr>
+          </a:lnRef>
+          <a:fillRef idx="1">
+            <a:schemeClr val="accent1"/>
+          </a:fillRef>
+          <a:effectRef idx="0">
+            <a:schemeClr val="accent1"/>
+          </a:effectRef>
+          <a:fontRef idx="minor">
+            <a:schemeClr val="lt1"/>
+          </a:fontRef>
+        </p:style>
+        <p:txBody>
+          <a:bodyPr rot="0" spcFirstLastPara="0" vertOverflow="overflow" horzOverflow="overflow" vert="horz" wrap="square" lIns="91440" tIns="45720" rIns="91440" bIns="45720" numCol="1" spcCol="0" rtlCol="0" fromWordArt="0" anchor="ctr" anchorCtr="0" forceAA="0" compatLnSpc="1">
+            <a:prstTxWarp prst="textNoShape">
+              <a:avLst/>
+            </a:prstTxWarp>
+            <a:noAutofit/>
+          </a:bodyPr>
+          <a:lstStyle/>
+          <a:p>
+            <a:pPr algn="ctr"/>
+            <a:endParaRPr lang="fr-FR" sz="1200" i="1" dirty="0">
+              <a:solidFill>
+                <a:schemeClr val="tx1"/>
+              </a:solidFill>
+              <a:latin typeface="Cambria Math" panose="02040503050406030204" pitchFamily="18" charset="0"/>
+            </a:endParaRPr>
+          </a:p>
+        </p:txBody>
+      </p:sp>
+      <p:cxnSp>
+        <p:nvCxnSpPr>
+          <p:cNvPr id="11" name="Connecteur droit 10">
+            <a:extLst>
+              <a:ext uri="{FF2B5EF4-FFF2-40B4-BE49-F238E27FC236}">
+                <a16:creationId xmlns:a16="http://schemas.microsoft.com/office/drawing/2014/main" id="{B826F1AA-BE50-4AF8-AED3-99D54B4796FA}"/>
+              </a:ext>
+            </a:extLst>
+          </p:cNvPr>
+          <p:cNvCxnSpPr>
+            <a:cxnSpLocks/>
+            <a:stCxn id="9" idx="6"/>
+            <a:endCxn id="4" idx="1"/>
+          </p:cNvCxnSpPr>
+          <p:nvPr/>
+        </p:nvCxnSpPr>
+        <p:spPr>
+          <a:xfrm>
+            <a:off x="1250582" y="1516264"/>
+            <a:ext cx="441098" cy="0"/>
+          </a:xfrm>
+          <a:prstGeom prst="line">
+            <a:avLst/>
+          </a:prstGeom>
+          <a:noFill/>
+          <a:ln w="12700">
+            <a:solidFill>
+              <a:schemeClr val="tx1"/>
+            </a:solidFill>
+            <a:tailEnd type="stealth" w="med" len="lg"/>
+          </a:ln>
+        </p:spPr>
+        <p:style>
+          <a:lnRef idx="2">
+            <a:schemeClr val="accent1">
+              <a:shade val="50000"/>
+            </a:schemeClr>
+          </a:lnRef>
+          <a:fillRef idx="1">
+            <a:schemeClr val="accent1"/>
+          </a:fillRef>
+          <a:effectRef idx="0">
+            <a:schemeClr val="accent1"/>
+          </a:effectRef>
+          <a:fontRef idx="minor">
+            <a:schemeClr val="lt1"/>
+          </a:fontRef>
+        </p:style>
+      </p:cxnSp>
+      <p:cxnSp>
+        <p:nvCxnSpPr>
+          <p:cNvPr id="14" name="Connecteur droit 13">
+            <a:extLst>
+              <a:ext uri="{FF2B5EF4-FFF2-40B4-BE49-F238E27FC236}">
+                <a16:creationId xmlns:a16="http://schemas.microsoft.com/office/drawing/2014/main" id="{A15F9C21-F034-4107-BB5C-1741BDADAE02}"/>
+              </a:ext>
+            </a:extLst>
+          </p:cNvPr>
+          <p:cNvCxnSpPr>
+            <a:cxnSpLocks/>
+            <a:stCxn id="4" idx="3"/>
+            <a:endCxn id="5" idx="1"/>
+          </p:cNvCxnSpPr>
+          <p:nvPr/>
+        </p:nvCxnSpPr>
+        <p:spPr>
+          <a:xfrm flipV="1">
+            <a:off x="2411760" y="1516264"/>
+            <a:ext cx="720080" cy="0"/>
+          </a:xfrm>
+          <a:prstGeom prst="line">
+            <a:avLst/>
+          </a:prstGeom>
+          <a:noFill/>
+          <a:ln w="12700">
+            <a:solidFill>
+              <a:schemeClr val="tx1"/>
+            </a:solidFill>
+            <a:tailEnd type="stealth" w="med" len="lg"/>
+          </a:ln>
+        </p:spPr>
+        <p:style>
+          <a:lnRef idx="2">
+            <a:schemeClr val="accent1">
+              <a:shade val="50000"/>
+            </a:schemeClr>
+          </a:lnRef>
+          <a:fillRef idx="1">
+            <a:schemeClr val="accent1"/>
+          </a:fillRef>
+          <a:effectRef idx="0">
+            <a:schemeClr val="accent1"/>
+          </a:effectRef>
+          <a:fontRef idx="minor">
+            <a:schemeClr val="lt1"/>
+          </a:fontRef>
+        </p:style>
+      </p:cxnSp>
+      <p:cxnSp>
+        <p:nvCxnSpPr>
+          <p:cNvPr id="17" name="Connecteur droit 16">
+            <a:extLst>
+              <a:ext uri="{FF2B5EF4-FFF2-40B4-BE49-F238E27FC236}">
+                <a16:creationId xmlns:a16="http://schemas.microsoft.com/office/drawing/2014/main" id="{888DE36D-898B-4E37-AF46-3EB0586AB989}"/>
+              </a:ext>
+            </a:extLst>
+          </p:cNvPr>
+          <p:cNvCxnSpPr>
+            <a:cxnSpLocks/>
+            <a:stCxn id="5" idx="3"/>
+            <a:endCxn id="7" idx="1"/>
+          </p:cNvCxnSpPr>
+          <p:nvPr/>
+        </p:nvCxnSpPr>
+        <p:spPr>
+          <a:xfrm>
+            <a:off x="3851920" y="1516264"/>
+            <a:ext cx="720082" cy="0"/>
+          </a:xfrm>
+          <a:prstGeom prst="line">
+            <a:avLst/>
+          </a:prstGeom>
+          <a:noFill/>
+          <a:ln w="12700">
+            <a:solidFill>
+              <a:schemeClr val="tx1"/>
+            </a:solidFill>
+            <a:tailEnd type="stealth" w="med" len="lg"/>
+          </a:ln>
+        </p:spPr>
+        <p:style>
+          <a:lnRef idx="2">
+            <a:schemeClr val="accent1">
+              <a:shade val="50000"/>
+            </a:schemeClr>
+          </a:lnRef>
+          <a:fillRef idx="1">
+            <a:schemeClr val="accent1"/>
+          </a:fillRef>
+          <a:effectRef idx="0">
+            <a:schemeClr val="accent1"/>
+          </a:effectRef>
+          <a:fontRef idx="minor">
+            <a:schemeClr val="lt1"/>
+          </a:fontRef>
+        </p:style>
+      </p:cxnSp>
+      <p:cxnSp>
+        <p:nvCxnSpPr>
+          <p:cNvPr id="20" name="Connecteur droit 19">
+            <a:extLst>
+              <a:ext uri="{FF2B5EF4-FFF2-40B4-BE49-F238E27FC236}">
+                <a16:creationId xmlns:a16="http://schemas.microsoft.com/office/drawing/2014/main" id="{ECCBDEE5-1C1C-4996-8DC8-408FF166F6B5}"/>
+              </a:ext>
+            </a:extLst>
+          </p:cNvPr>
+          <p:cNvCxnSpPr>
+            <a:cxnSpLocks/>
+          </p:cNvCxnSpPr>
+          <p:nvPr/>
+        </p:nvCxnSpPr>
+        <p:spPr>
+          <a:xfrm>
+            <a:off x="5292080" y="1516264"/>
+            <a:ext cx="720082" cy="0"/>
+          </a:xfrm>
+          <a:prstGeom prst="line">
+            <a:avLst/>
+          </a:prstGeom>
+          <a:noFill/>
+          <a:ln w="12700">
+            <a:solidFill>
+              <a:schemeClr val="tx1"/>
+            </a:solidFill>
+            <a:tailEnd type="stealth" w="med" len="lg"/>
+          </a:ln>
+        </p:spPr>
+        <p:style>
+          <a:lnRef idx="2">
+            <a:schemeClr val="accent1">
+              <a:shade val="50000"/>
+            </a:schemeClr>
+          </a:lnRef>
+          <a:fillRef idx="1">
+            <a:schemeClr val="accent1"/>
+          </a:fillRef>
+          <a:effectRef idx="0">
+            <a:schemeClr val="accent1"/>
+          </a:effectRef>
+          <a:fontRef idx="minor">
+            <a:schemeClr val="lt1"/>
+          </a:fontRef>
+        </p:style>
+      </p:cxnSp>
+      <p:cxnSp>
+        <p:nvCxnSpPr>
+          <p:cNvPr id="21" name="Connecteur droit 20">
+            <a:extLst>
+              <a:ext uri="{FF2B5EF4-FFF2-40B4-BE49-F238E27FC236}">
+                <a16:creationId xmlns:a16="http://schemas.microsoft.com/office/drawing/2014/main" id="{F6D8FE80-91F8-4678-8331-460E04752C3F}"/>
+              </a:ext>
+            </a:extLst>
+          </p:cNvPr>
+          <p:cNvCxnSpPr>
+            <a:cxnSpLocks/>
+          </p:cNvCxnSpPr>
+          <p:nvPr/>
+        </p:nvCxnSpPr>
+        <p:spPr>
+          <a:xfrm flipV="1">
+            <a:off x="251518" y="1516264"/>
+            <a:ext cx="720080" cy="0"/>
+          </a:xfrm>
+          <a:prstGeom prst="line">
+            <a:avLst/>
+          </a:prstGeom>
+          <a:noFill/>
+          <a:ln w="12700">
+            <a:solidFill>
+              <a:schemeClr val="tx1"/>
+            </a:solidFill>
+            <a:tailEnd type="stealth" w="med" len="lg"/>
+          </a:ln>
+        </p:spPr>
+        <p:style>
+          <a:lnRef idx="2">
+            <a:schemeClr val="accent1">
+              <a:shade val="50000"/>
+            </a:schemeClr>
+          </a:lnRef>
+          <a:fillRef idx="1">
+            <a:schemeClr val="accent1"/>
+          </a:fillRef>
+          <a:effectRef idx="0">
+            <a:schemeClr val="accent1"/>
+          </a:effectRef>
+          <a:fontRef idx="minor">
+            <a:schemeClr val="lt1"/>
+          </a:fontRef>
+        </p:style>
+      </p:cxnSp>
+      <p:cxnSp>
+        <p:nvCxnSpPr>
+          <p:cNvPr id="22" name="Connecteur droit 21">
+            <a:extLst>
+              <a:ext uri="{FF2B5EF4-FFF2-40B4-BE49-F238E27FC236}">
+                <a16:creationId xmlns:a16="http://schemas.microsoft.com/office/drawing/2014/main" id="{295FF7B1-636C-4D75-80FE-BE0E0F897685}"/>
+              </a:ext>
+            </a:extLst>
+          </p:cNvPr>
+          <p:cNvCxnSpPr>
+            <a:cxnSpLocks/>
+            <a:endCxn id="9" idx="4"/>
+          </p:cNvCxnSpPr>
+          <p:nvPr/>
+        </p:nvCxnSpPr>
+        <p:spPr>
+          <a:xfrm flipV="1">
+            <a:off x="1111090" y="1655756"/>
+            <a:ext cx="0" cy="549108"/>
+          </a:xfrm>
+          <a:prstGeom prst="line">
+            <a:avLst/>
+          </a:prstGeom>
+          <a:noFill/>
+          <a:ln w="12700">
+            <a:solidFill>
+              <a:schemeClr val="tx1"/>
+            </a:solidFill>
+            <a:tailEnd type="stealth" w="med" len="lg"/>
+          </a:ln>
+        </p:spPr>
+        <p:style>
+          <a:lnRef idx="2">
+            <a:schemeClr val="accent1">
+              <a:shade val="50000"/>
+            </a:schemeClr>
+          </a:lnRef>
+          <a:fillRef idx="1">
+            <a:schemeClr val="accent1"/>
+          </a:fillRef>
+          <a:effectRef idx="0">
+            <a:schemeClr val="accent1"/>
+          </a:effectRef>
+          <a:fontRef idx="minor">
+            <a:schemeClr val="lt1"/>
+          </a:fontRef>
+        </p:style>
+      </p:cxnSp>
+      <p:cxnSp>
+        <p:nvCxnSpPr>
+          <p:cNvPr id="23" name="Connecteur droit 22">
+            <a:extLst>
+              <a:ext uri="{FF2B5EF4-FFF2-40B4-BE49-F238E27FC236}">
+                <a16:creationId xmlns:a16="http://schemas.microsoft.com/office/drawing/2014/main" id="{86DC8E8B-CB3B-45B8-8ADD-61CB904D45D9}"/>
+              </a:ext>
+            </a:extLst>
+          </p:cNvPr>
+          <p:cNvCxnSpPr>
+            <a:cxnSpLocks/>
+            <a:endCxn id="8" idx="3"/>
+          </p:cNvCxnSpPr>
+          <p:nvPr/>
+        </p:nvCxnSpPr>
+        <p:spPr>
+          <a:xfrm flipH="1">
+            <a:off x="3851920" y="2204864"/>
+            <a:ext cx="1692188" cy="0"/>
+          </a:xfrm>
+          <a:prstGeom prst="line">
+            <a:avLst/>
+          </a:prstGeom>
+          <a:noFill/>
+          <a:ln w="12700">
+            <a:solidFill>
+              <a:schemeClr val="tx1"/>
+            </a:solidFill>
+            <a:tailEnd type="stealth" w="med" len="lg"/>
+          </a:ln>
+        </p:spPr>
+        <p:style>
+          <a:lnRef idx="2">
+            <a:schemeClr val="accent1">
+              <a:shade val="50000"/>
+            </a:schemeClr>
+          </a:lnRef>
+          <a:fillRef idx="1">
+            <a:schemeClr val="accent1"/>
+          </a:fillRef>
+          <a:effectRef idx="0">
+            <a:schemeClr val="accent1"/>
+          </a:effectRef>
+          <a:fontRef idx="minor">
+            <a:schemeClr val="lt1"/>
+          </a:fontRef>
+        </p:style>
+      </p:cxnSp>
+      <p:cxnSp>
+        <p:nvCxnSpPr>
+          <p:cNvPr id="28" name="Connecteur droit 27">
+            <a:extLst>
+              <a:ext uri="{FF2B5EF4-FFF2-40B4-BE49-F238E27FC236}">
+                <a16:creationId xmlns:a16="http://schemas.microsoft.com/office/drawing/2014/main" id="{B6923347-E724-4C8D-8520-977B60B1966F}"/>
+              </a:ext>
+            </a:extLst>
+          </p:cNvPr>
+          <p:cNvCxnSpPr>
+            <a:cxnSpLocks/>
+            <a:stCxn id="8" idx="1"/>
+          </p:cNvCxnSpPr>
+          <p:nvPr/>
+        </p:nvCxnSpPr>
+        <p:spPr>
+          <a:xfrm flipH="1">
+            <a:off x="1111090" y="2204864"/>
+            <a:ext cx="2020750" cy="0"/>
+          </a:xfrm>
+          <a:prstGeom prst="line">
+            <a:avLst/>
+          </a:prstGeom>
+          <a:noFill/>
+          <a:ln w="12700">
+            <a:solidFill>
+              <a:schemeClr val="tx1"/>
+            </a:solidFill>
+            <a:tailEnd type="none" w="med" len="lg"/>
+          </a:ln>
+        </p:spPr>
+        <p:style>
+          <a:lnRef idx="2">
+            <a:schemeClr val="accent1">
+              <a:shade val="50000"/>
+            </a:schemeClr>
+          </a:lnRef>
+          <a:fillRef idx="1">
+            <a:schemeClr val="accent1"/>
+          </a:fillRef>
+          <a:effectRef idx="0">
+            <a:schemeClr val="accent1"/>
+          </a:effectRef>
+          <a:fontRef idx="minor">
+            <a:schemeClr val="lt1"/>
+          </a:fontRef>
+        </p:style>
+      </p:cxnSp>
+      <p:cxnSp>
+        <p:nvCxnSpPr>
+          <p:cNvPr id="32" name="Connecteur droit 31">
+            <a:extLst>
+              <a:ext uri="{FF2B5EF4-FFF2-40B4-BE49-F238E27FC236}">
+                <a16:creationId xmlns:a16="http://schemas.microsoft.com/office/drawing/2014/main" id="{A59F6608-39DF-4B41-96B0-24D185A58D49}"/>
+              </a:ext>
+            </a:extLst>
+          </p:cNvPr>
+          <p:cNvCxnSpPr>
+            <a:cxnSpLocks/>
+          </p:cNvCxnSpPr>
+          <p:nvPr/>
+        </p:nvCxnSpPr>
+        <p:spPr>
+          <a:xfrm flipV="1">
+            <a:off x="5544108" y="1516264"/>
+            <a:ext cx="0" cy="688600"/>
+          </a:xfrm>
+          <a:prstGeom prst="line">
+            <a:avLst/>
+          </a:prstGeom>
+          <a:noFill/>
+          <a:ln w="12700">
+            <a:solidFill>
+              <a:schemeClr val="tx1"/>
+            </a:solidFill>
+            <a:tailEnd type="none" w="med" len="lg"/>
+          </a:ln>
+        </p:spPr>
+        <p:style>
+          <a:lnRef idx="2">
+            <a:schemeClr val="accent1">
+              <a:shade val="50000"/>
+            </a:schemeClr>
+          </a:lnRef>
+          <a:fillRef idx="1">
+            <a:schemeClr val="accent1"/>
+          </a:fillRef>
+          <a:effectRef idx="0">
+            <a:schemeClr val="accent1"/>
+          </a:effectRef>
+          <a:fontRef idx="minor">
+            <a:schemeClr val="lt1"/>
+          </a:fontRef>
+        </p:style>
+      </p:cxnSp>
+      <mc:AlternateContent xmlns:mc="http://schemas.openxmlformats.org/markup-compatibility/2006">
+        <mc:Choice xmlns:a14="http://schemas.microsoft.com/office/drawing/2010/main" Requires="a14">
+          <p:sp>
+            <p:nvSpPr>
+              <p:cNvPr id="35" name="Rectangle 34">
+                <a:extLst>
+                  <a:ext uri="{FF2B5EF4-FFF2-40B4-BE49-F238E27FC236}">
+                    <a16:creationId xmlns:a16="http://schemas.microsoft.com/office/drawing/2014/main" id="{97AABB8C-84F8-49D8-90B6-FD4381B1647E}"/>
+                  </a:ext>
+                </a:extLst>
+              </p:cNvPr>
+              <p:cNvSpPr/>
+              <p:nvPr/>
+            </p:nvSpPr>
+            <p:spPr>
+              <a:xfrm>
+                <a:off x="251516" y="1239265"/>
+                <a:ext cx="545406" cy="276999"/>
+              </a:xfrm>
+              <a:prstGeom prst="rect">
+                <a:avLst/>
+              </a:prstGeom>
+            </p:spPr>
+            <p:txBody>
+              <a:bodyPr wrap="none">
+                <a:spAutoFit/>
+              </a:bodyPr>
+              <a:lstStyle/>
+              <a:p>
+                <a14:m>
+                  <m:oMathPara xmlns:m="http://schemas.openxmlformats.org/officeDocument/2006/math">
+                    <m:oMathParaPr>
+                      <m:jc m:val="centerGroup"/>
+                    </m:oMathParaPr>
+                    <m:oMath xmlns:m="http://schemas.openxmlformats.org/officeDocument/2006/math">
+                      <m:r>
+                        <a:rPr lang="fr-FR" sz="1200" b="0" i="1" smtClean="0">
+                          <a:latin typeface="Cambria Math" panose="02040503050406030204" pitchFamily="18" charset="0"/>
+                        </a:rPr>
+                        <m:t>𝑈</m:t>
+                      </m:r>
+                      <m:r>
+                        <a:rPr lang="fr-FR" sz="1200" b="0" i="1" smtClean="0">
+                          <a:latin typeface="Cambria Math" panose="02040503050406030204" pitchFamily="18" charset="0"/>
+                        </a:rPr>
+                        <m:t>(</m:t>
+                      </m:r>
+                      <m:r>
+                        <a:rPr lang="fr-FR" sz="1200" b="0" i="1" smtClean="0">
+                          <a:latin typeface="Cambria Math" panose="02040503050406030204" pitchFamily="18" charset="0"/>
+                        </a:rPr>
+                        <m:t>𝑝</m:t>
+                      </m:r>
+                      <m:r>
+                        <a:rPr lang="fr-FR" sz="1200" b="0" i="1" smtClean="0">
+                          <a:latin typeface="Cambria Math" panose="02040503050406030204" pitchFamily="18" charset="0"/>
+                        </a:rPr>
+                        <m:t>)</m:t>
+                      </m:r>
+                    </m:oMath>
+                  </m:oMathPara>
+                </a14:m>
+                <a:endParaRPr lang="fr-FR" sz="1200" dirty="0"/>
+              </a:p>
+            </p:txBody>
+          </p:sp>
+        </mc:Choice>
+        <mc:Fallback>
+          <p:sp>
+            <p:nvSpPr>
+              <p:cNvPr id="35" name="Rectangle 34">
+                <a:extLst>
+                  <a:ext uri="{FF2B5EF4-FFF2-40B4-BE49-F238E27FC236}">
+                    <a16:creationId xmlns:a16="http://schemas.microsoft.com/office/drawing/2014/main" id="{97AABB8C-84F8-49D8-90B6-FD4381B1647E}"/>
+                  </a:ext>
+                </a:extLst>
+              </p:cNvPr>
+              <p:cNvSpPr>
+                <a:spLocks noRot="1" noChangeAspect="1" noMove="1" noResize="1" noEditPoints="1" noAdjustHandles="1" noChangeArrowheads="1" noChangeShapeType="1" noTextEdit="1"/>
+              </p:cNvSpPr>
+              <p:nvPr/>
+            </p:nvSpPr>
+            <p:spPr>
+              <a:xfrm>
+                <a:off x="251516" y="1239265"/>
+                <a:ext cx="545406" cy="276999"/>
+              </a:xfrm>
+              <a:prstGeom prst="rect">
+                <a:avLst/>
+              </a:prstGeom>
+              <a:blipFill>
+                <a:blip r:embed="rId6"/>
+                <a:stretch>
+                  <a:fillRect b="-6522"/>
+                </a:stretch>
+              </a:blipFill>
+            </p:spPr>
+            <p:txBody>
+              <a:bodyPr/>
+              <a:lstStyle/>
+              <a:p>
+                <a:r>
+                  <a:rPr lang="fr-FR">
+                    <a:noFill/>
+                  </a:rPr>
+                  <a:t> </a:t>
+                </a:r>
+              </a:p>
+            </p:txBody>
+          </p:sp>
+        </mc:Fallback>
+      </mc:AlternateContent>
+      <mc:AlternateContent xmlns:mc="http://schemas.openxmlformats.org/markup-compatibility/2006">
+        <mc:Choice xmlns:a14="http://schemas.microsoft.com/office/drawing/2010/main" Requires="a14">
+          <p:sp>
+            <p:nvSpPr>
+              <p:cNvPr id="36" name="Rectangle 35">
+                <a:extLst>
+                  <a:ext uri="{FF2B5EF4-FFF2-40B4-BE49-F238E27FC236}">
+                    <a16:creationId xmlns:a16="http://schemas.microsoft.com/office/drawing/2014/main" id="{2AF386C1-1F6D-498D-BD82-8689028AC15A}"/>
+                  </a:ext>
+                </a:extLst>
+              </p:cNvPr>
+              <p:cNvSpPr/>
+              <p:nvPr/>
+            </p:nvSpPr>
+            <p:spPr>
+              <a:xfrm>
+                <a:off x="5544108" y="1161740"/>
+                <a:ext cx="654923" cy="276999"/>
+              </a:xfrm>
+              <a:prstGeom prst="rect">
+                <a:avLst/>
+              </a:prstGeom>
+            </p:spPr>
+            <p:txBody>
+              <a:bodyPr wrap="none">
+                <a:spAutoFit/>
+              </a:bodyPr>
+              <a:lstStyle/>
+              <a:p>
+                <a14:m>
+                  <m:oMathPara xmlns:m="http://schemas.openxmlformats.org/officeDocument/2006/math">
+                    <m:oMathParaPr>
+                      <m:jc m:val="centerGroup"/>
+                    </m:oMathParaPr>
+                    <m:oMath xmlns:m="http://schemas.openxmlformats.org/officeDocument/2006/math">
+                      <m:sSub>
+                        <m:sSubPr>
+                          <m:ctrlPr>
+                            <a:rPr lang="fr-FR" sz="1200" b="0" i="1" smtClean="0">
+                              <a:latin typeface="Cambria Math" panose="02040503050406030204" pitchFamily="18" charset="0"/>
+                            </a:rPr>
+                          </m:ctrlPr>
+                        </m:sSubPr>
+                        <m:e>
+                          <m:r>
+                            <m:rPr>
+                              <m:sty m:val="p"/>
+                            </m:rPr>
+                            <a:rPr lang="fr-FR" sz="1200" b="0" i="0" smtClean="0">
+                              <a:latin typeface="Cambria Math" panose="02040503050406030204" pitchFamily="18" charset="0"/>
+                            </a:rPr>
+                            <m:t>Ω</m:t>
+                          </m:r>
+                        </m:e>
+                        <m:sub>
+                          <m:r>
+                            <a:rPr lang="fr-FR" sz="1200" b="0" i="1" smtClean="0">
+                              <a:latin typeface="Cambria Math" panose="02040503050406030204" pitchFamily="18" charset="0"/>
+                            </a:rPr>
+                            <m:t>𝑚</m:t>
+                          </m:r>
+                        </m:sub>
+                      </m:sSub>
+                      <m:r>
+                        <a:rPr lang="fr-FR" sz="1200" b="0" i="1" smtClean="0">
+                          <a:latin typeface="Cambria Math" panose="02040503050406030204" pitchFamily="18" charset="0"/>
+                        </a:rPr>
+                        <m:t>(</m:t>
+                      </m:r>
+                      <m:r>
+                        <a:rPr lang="fr-FR" sz="1200" b="0" i="1" smtClean="0">
+                          <a:latin typeface="Cambria Math" panose="02040503050406030204" pitchFamily="18" charset="0"/>
+                        </a:rPr>
+                        <m:t>𝑝</m:t>
+                      </m:r>
+                      <m:r>
+                        <a:rPr lang="fr-FR" sz="1200" b="0" i="1" smtClean="0">
+                          <a:latin typeface="Cambria Math" panose="02040503050406030204" pitchFamily="18" charset="0"/>
+                        </a:rPr>
+                        <m:t>)</m:t>
+                      </m:r>
+                    </m:oMath>
+                  </m:oMathPara>
+                </a14:m>
+                <a:endParaRPr lang="fr-FR" sz="1200" dirty="0"/>
+              </a:p>
+            </p:txBody>
+          </p:sp>
+        </mc:Choice>
+        <mc:Fallback>
+          <p:sp>
+            <p:nvSpPr>
+              <p:cNvPr id="36" name="Rectangle 35">
+                <a:extLst>
+                  <a:ext uri="{FF2B5EF4-FFF2-40B4-BE49-F238E27FC236}">
+                    <a16:creationId xmlns:a16="http://schemas.microsoft.com/office/drawing/2014/main" id="{2AF386C1-1F6D-498D-BD82-8689028AC15A}"/>
+                  </a:ext>
+                </a:extLst>
+              </p:cNvPr>
+              <p:cNvSpPr>
+                <a:spLocks noRot="1" noChangeAspect="1" noMove="1" noResize="1" noEditPoints="1" noAdjustHandles="1" noChangeArrowheads="1" noChangeShapeType="1" noTextEdit="1"/>
+              </p:cNvSpPr>
+              <p:nvPr/>
+            </p:nvSpPr>
+            <p:spPr>
+              <a:xfrm>
+                <a:off x="5544108" y="1161740"/>
+                <a:ext cx="654923" cy="276999"/>
+              </a:xfrm>
+              <a:prstGeom prst="rect">
+                <a:avLst/>
+              </a:prstGeom>
+              <a:blipFill>
+                <a:blip r:embed="rId7"/>
+                <a:stretch>
+                  <a:fillRect b="-8889"/>
+                </a:stretch>
+              </a:blipFill>
+            </p:spPr>
+            <p:txBody>
+              <a:bodyPr/>
+              <a:lstStyle/>
+              <a:p>
+                <a:r>
+                  <a:rPr lang="fr-FR">
+                    <a:noFill/>
+                  </a:rPr>
+                  <a:t> </a:t>
+                </a:r>
+              </a:p>
+            </p:txBody>
+          </p:sp>
+        </mc:Fallback>
+      </mc:AlternateContent>
+      <mc:AlternateContent xmlns:mc="http://schemas.openxmlformats.org/markup-compatibility/2006">
+        <mc:Choice xmlns:a14="http://schemas.microsoft.com/office/drawing/2010/main" Requires="a14">
+          <p:sp>
+            <p:nvSpPr>
+              <p:cNvPr id="37" name="Rectangle 36">
+                <a:extLst>
+                  <a:ext uri="{FF2B5EF4-FFF2-40B4-BE49-F238E27FC236}">
+                    <a16:creationId xmlns:a16="http://schemas.microsoft.com/office/drawing/2014/main" id="{60CF3D4A-5EE8-4917-965C-A099BC22BABB}"/>
+                  </a:ext>
+                </a:extLst>
+              </p:cNvPr>
+              <p:cNvSpPr/>
+              <p:nvPr/>
+            </p:nvSpPr>
+            <p:spPr>
+              <a:xfrm>
+                <a:off x="2522212" y="1208778"/>
+                <a:ext cx="499176" cy="276999"/>
+              </a:xfrm>
+              <a:prstGeom prst="rect">
+                <a:avLst/>
+              </a:prstGeom>
+            </p:spPr>
+            <p:txBody>
+              <a:bodyPr wrap="none">
+                <a:spAutoFit/>
+              </a:bodyPr>
+              <a:lstStyle/>
+              <a:p>
+                <a14:m>
+                  <m:oMathPara xmlns:m="http://schemas.openxmlformats.org/officeDocument/2006/math">
+                    <m:oMathParaPr>
+                      <m:jc m:val="centerGroup"/>
+                    </m:oMathParaPr>
+                    <m:oMath xmlns:m="http://schemas.openxmlformats.org/officeDocument/2006/math">
+                      <m:r>
+                        <a:rPr lang="fr-FR" sz="1200" b="0" i="1" smtClean="0">
+                          <a:latin typeface="Cambria Math" panose="02040503050406030204" pitchFamily="18" charset="0"/>
+                        </a:rPr>
+                        <m:t>𝐼</m:t>
+                      </m:r>
+                      <m:r>
+                        <a:rPr lang="fr-FR" sz="1200" b="0" i="1" smtClean="0">
+                          <a:latin typeface="Cambria Math" panose="02040503050406030204" pitchFamily="18" charset="0"/>
+                        </a:rPr>
+                        <m:t>(</m:t>
+                      </m:r>
+                      <m:r>
+                        <a:rPr lang="fr-FR" sz="1200" b="0" i="1" smtClean="0">
+                          <a:latin typeface="Cambria Math" panose="02040503050406030204" pitchFamily="18" charset="0"/>
+                        </a:rPr>
+                        <m:t>𝑝</m:t>
+                      </m:r>
+                      <m:r>
+                        <a:rPr lang="fr-FR" sz="1200" b="0" i="1" smtClean="0">
+                          <a:latin typeface="Cambria Math" panose="02040503050406030204" pitchFamily="18" charset="0"/>
+                        </a:rPr>
+                        <m:t>)</m:t>
+                      </m:r>
+                    </m:oMath>
+                  </m:oMathPara>
+                </a14:m>
+                <a:endParaRPr lang="fr-FR" sz="1200" dirty="0"/>
+              </a:p>
+            </p:txBody>
+          </p:sp>
+        </mc:Choice>
+        <mc:Fallback>
+          <p:sp>
+            <p:nvSpPr>
+              <p:cNvPr id="37" name="Rectangle 36">
+                <a:extLst>
+                  <a:ext uri="{FF2B5EF4-FFF2-40B4-BE49-F238E27FC236}">
+                    <a16:creationId xmlns:a16="http://schemas.microsoft.com/office/drawing/2014/main" id="{60CF3D4A-5EE8-4917-965C-A099BC22BABB}"/>
+                  </a:ext>
+                </a:extLst>
+              </p:cNvPr>
+              <p:cNvSpPr>
+                <a:spLocks noRot="1" noChangeAspect="1" noMove="1" noResize="1" noEditPoints="1" noAdjustHandles="1" noChangeArrowheads="1" noChangeShapeType="1" noTextEdit="1"/>
+              </p:cNvSpPr>
+              <p:nvPr/>
+            </p:nvSpPr>
+            <p:spPr>
+              <a:xfrm>
+                <a:off x="2522212" y="1208778"/>
+                <a:ext cx="499176" cy="276999"/>
+              </a:xfrm>
+              <a:prstGeom prst="rect">
+                <a:avLst/>
+              </a:prstGeom>
+              <a:blipFill>
+                <a:blip r:embed="rId8"/>
+                <a:stretch>
+                  <a:fillRect b="-6522"/>
+                </a:stretch>
+              </a:blipFill>
+            </p:spPr>
+            <p:txBody>
+              <a:bodyPr/>
+              <a:lstStyle/>
+              <a:p>
+                <a:r>
+                  <a:rPr lang="fr-FR">
+                    <a:noFill/>
+                  </a:rPr>
+                  <a:t> </a:t>
+                </a:r>
+              </a:p>
+            </p:txBody>
+          </p:sp>
+        </mc:Fallback>
+      </mc:AlternateContent>
+      <mc:AlternateContent xmlns:mc="http://schemas.openxmlformats.org/markup-compatibility/2006">
+        <mc:Choice xmlns:a14="http://schemas.microsoft.com/office/drawing/2010/main" Requires="a14">
+          <p:sp>
+            <p:nvSpPr>
+              <p:cNvPr id="38" name="Rectangle 37">
+                <a:extLst>
+                  <a:ext uri="{FF2B5EF4-FFF2-40B4-BE49-F238E27FC236}">
+                    <a16:creationId xmlns:a16="http://schemas.microsoft.com/office/drawing/2014/main" id="{8EA1DFE6-A9C9-476F-83AD-F13AFE70FEBD}"/>
+                  </a:ext>
+                </a:extLst>
+              </p:cNvPr>
+              <p:cNvSpPr/>
+              <p:nvPr/>
+            </p:nvSpPr>
+            <p:spPr>
+              <a:xfrm>
+                <a:off x="3895431" y="1223542"/>
+                <a:ext cx="633058" cy="276999"/>
+              </a:xfrm>
+              <a:prstGeom prst="rect">
+                <a:avLst/>
+              </a:prstGeom>
+            </p:spPr>
+            <p:txBody>
+              <a:bodyPr wrap="none">
+                <a:spAutoFit/>
+              </a:bodyPr>
+              <a:lstStyle/>
+              <a:p>
+                <a14:m>
+                  <m:oMathPara xmlns:m="http://schemas.openxmlformats.org/officeDocument/2006/math">
+                    <m:oMathParaPr>
+                      <m:jc m:val="centerGroup"/>
+                    </m:oMathParaPr>
+                    <m:oMath xmlns:m="http://schemas.openxmlformats.org/officeDocument/2006/math">
+                      <m:sSub>
+                        <m:sSubPr>
+                          <m:ctrlPr>
+                            <a:rPr lang="fr-FR" sz="1200" b="0" i="1" smtClean="0">
+                              <a:latin typeface="Cambria Math" panose="02040503050406030204" pitchFamily="18" charset="0"/>
+                            </a:rPr>
+                          </m:ctrlPr>
+                        </m:sSubPr>
+                        <m:e>
+                          <m:r>
+                            <a:rPr lang="fr-FR" sz="1200" b="0" i="1" smtClean="0">
+                              <a:latin typeface="Cambria Math" panose="02040503050406030204" pitchFamily="18" charset="0"/>
+                            </a:rPr>
+                            <m:t>𝐶</m:t>
+                          </m:r>
+                        </m:e>
+                        <m:sub>
+                          <m:r>
+                            <a:rPr lang="fr-FR" sz="1200" b="0" i="1" smtClean="0">
+                              <a:latin typeface="Cambria Math" panose="02040503050406030204" pitchFamily="18" charset="0"/>
+                            </a:rPr>
+                            <m:t>𝑚</m:t>
+                          </m:r>
+                        </m:sub>
+                      </m:sSub>
+                      <m:r>
+                        <a:rPr lang="fr-FR" sz="1200" b="0" i="1" smtClean="0">
+                          <a:latin typeface="Cambria Math" panose="02040503050406030204" pitchFamily="18" charset="0"/>
+                        </a:rPr>
+                        <m:t>(</m:t>
+                      </m:r>
+                      <m:r>
+                        <a:rPr lang="fr-FR" sz="1200" b="0" i="1" smtClean="0">
+                          <a:latin typeface="Cambria Math" panose="02040503050406030204" pitchFamily="18" charset="0"/>
+                        </a:rPr>
+                        <m:t>𝑝</m:t>
+                      </m:r>
+                      <m:r>
+                        <a:rPr lang="fr-FR" sz="1200" b="0" i="1" smtClean="0">
+                          <a:latin typeface="Cambria Math" panose="02040503050406030204" pitchFamily="18" charset="0"/>
+                        </a:rPr>
+                        <m:t>)</m:t>
+                      </m:r>
+                    </m:oMath>
+                  </m:oMathPara>
+                </a14:m>
+                <a:endParaRPr lang="fr-FR" sz="1200" dirty="0"/>
+              </a:p>
+            </p:txBody>
+          </p:sp>
+        </mc:Choice>
+        <mc:Fallback>
+          <p:sp>
+            <p:nvSpPr>
+              <p:cNvPr id="38" name="Rectangle 37">
+                <a:extLst>
+                  <a:ext uri="{FF2B5EF4-FFF2-40B4-BE49-F238E27FC236}">
+                    <a16:creationId xmlns:a16="http://schemas.microsoft.com/office/drawing/2014/main" id="{8EA1DFE6-A9C9-476F-83AD-F13AFE70FEBD}"/>
+                  </a:ext>
+                </a:extLst>
+              </p:cNvPr>
+              <p:cNvSpPr>
+                <a:spLocks noRot="1" noChangeAspect="1" noMove="1" noResize="1" noEditPoints="1" noAdjustHandles="1" noChangeArrowheads="1" noChangeShapeType="1" noTextEdit="1"/>
+              </p:cNvSpPr>
+              <p:nvPr/>
+            </p:nvSpPr>
+            <p:spPr>
+              <a:xfrm>
+                <a:off x="3895431" y="1223542"/>
+                <a:ext cx="633058" cy="276999"/>
+              </a:xfrm>
+              <a:prstGeom prst="rect">
+                <a:avLst/>
+              </a:prstGeom>
+              <a:blipFill>
+                <a:blip r:embed="rId9"/>
+                <a:stretch>
+                  <a:fillRect b="-8889"/>
+                </a:stretch>
+              </a:blipFill>
+            </p:spPr>
+            <p:txBody>
+              <a:bodyPr/>
+              <a:lstStyle/>
+              <a:p>
+                <a:r>
+                  <a:rPr lang="fr-FR">
+                    <a:noFill/>
+                  </a:rPr>
+                  <a:t> </a:t>
+                </a:r>
+              </a:p>
+            </p:txBody>
+          </p:sp>
+        </mc:Fallback>
+      </mc:AlternateContent>
+      <mc:AlternateContent xmlns:mc="http://schemas.openxmlformats.org/markup-compatibility/2006">
+        <mc:Choice xmlns:a14="http://schemas.microsoft.com/office/drawing/2010/main" Requires="a14">
+          <p:sp>
+            <p:nvSpPr>
+              <p:cNvPr id="39" name="Rectangle 38">
+                <a:extLst>
+                  <a:ext uri="{FF2B5EF4-FFF2-40B4-BE49-F238E27FC236}">
+                    <a16:creationId xmlns:a16="http://schemas.microsoft.com/office/drawing/2014/main" id="{D9F696E6-4117-4B56-A7BA-4E5AB62EF939}"/>
+                  </a:ext>
+                </a:extLst>
+              </p:cNvPr>
+              <p:cNvSpPr/>
+              <p:nvPr/>
+            </p:nvSpPr>
+            <p:spPr>
+              <a:xfrm>
+                <a:off x="1079424" y="1860114"/>
+                <a:ext cx="538802" cy="276999"/>
+              </a:xfrm>
+              <a:prstGeom prst="rect">
+                <a:avLst/>
+              </a:prstGeom>
+            </p:spPr>
+            <p:txBody>
+              <a:bodyPr wrap="none">
+                <a:spAutoFit/>
+              </a:bodyPr>
+              <a:lstStyle/>
+              <a:p>
+                <a14:m>
+                  <m:oMathPara xmlns:m="http://schemas.openxmlformats.org/officeDocument/2006/math">
+                    <m:oMathParaPr>
+                      <m:jc m:val="centerGroup"/>
+                    </m:oMathParaPr>
+                    <m:oMath xmlns:m="http://schemas.openxmlformats.org/officeDocument/2006/math">
+                      <m:r>
+                        <a:rPr lang="fr-FR" sz="1200" b="0" i="1" smtClean="0">
+                          <a:latin typeface="Cambria Math" panose="02040503050406030204" pitchFamily="18" charset="0"/>
+                        </a:rPr>
+                        <m:t>𝐸</m:t>
+                      </m:r>
+                      <m:r>
+                        <a:rPr lang="fr-FR" sz="1200" b="0" i="1" smtClean="0">
+                          <a:latin typeface="Cambria Math" panose="02040503050406030204" pitchFamily="18" charset="0"/>
+                        </a:rPr>
+                        <m:t>(</m:t>
+                      </m:r>
+                      <m:r>
+                        <a:rPr lang="fr-FR" sz="1200" b="0" i="1" smtClean="0">
+                          <a:latin typeface="Cambria Math" panose="02040503050406030204" pitchFamily="18" charset="0"/>
+                        </a:rPr>
+                        <m:t>𝑝</m:t>
+                      </m:r>
+                      <m:r>
+                        <a:rPr lang="fr-FR" sz="1200" b="0" i="1" smtClean="0">
+                          <a:latin typeface="Cambria Math" panose="02040503050406030204" pitchFamily="18" charset="0"/>
+                        </a:rPr>
+                        <m:t>)</m:t>
+                      </m:r>
+                    </m:oMath>
+                  </m:oMathPara>
+                </a14:m>
+                <a:endParaRPr lang="fr-FR" sz="1200" dirty="0"/>
+              </a:p>
+            </p:txBody>
+          </p:sp>
+        </mc:Choice>
+        <mc:Fallback>
+          <p:sp>
+            <p:nvSpPr>
+              <p:cNvPr id="39" name="Rectangle 38">
+                <a:extLst>
+                  <a:ext uri="{FF2B5EF4-FFF2-40B4-BE49-F238E27FC236}">
+                    <a16:creationId xmlns:a16="http://schemas.microsoft.com/office/drawing/2014/main" id="{D9F696E6-4117-4B56-A7BA-4E5AB62EF939}"/>
+                  </a:ext>
+                </a:extLst>
+              </p:cNvPr>
+              <p:cNvSpPr>
+                <a:spLocks noRot="1" noChangeAspect="1" noMove="1" noResize="1" noEditPoints="1" noAdjustHandles="1" noChangeArrowheads="1" noChangeShapeType="1" noTextEdit="1"/>
+              </p:cNvSpPr>
+              <p:nvPr/>
+            </p:nvSpPr>
+            <p:spPr>
+              <a:xfrm>
+                <a:off x="1079424" y="1860114"/>
+                <a:ext cx="538802" cy="276999"/>
+              </a:xfrm>
+              <a:prstGeom prst="rect">
+                <a:avLst/>
+              </a:prstGeom>
+              <a:blipFill>
+                <a:blip r:embed="rId10"/>
+                <a:stretch>
+                  <a:fillRect b="-6522"/>
+                </a:stretch>
+              </a:blipFill>
+            </p:spPr>
+            <p:txBody>
+              <a:bodyPr/>
+              <a:lstStyle/>
+              <a:p>
+                <a:r>
+                  <a:rPr lang="fr-FR">
+                    <a:noFill/>
+                  </a:rPr>
+                  <a:t> </a:t>
+                </a:r>
+              </a:p>
+            </p:txBody>
+          </p:sp>
+        </mc:Fallback>
+      </mc:AlternateContent>
+      <mc:AlternateContent xmlns:mc="http://schemas.openxmlformats.org/markup-compatibility/2006">
+        <mc:Choice xmlns:a14="http://schemas.microsoft.com/office/drawing/2010/main" Requires="a14">
+          <p:sp>
+            <p:nvSpPr>
+              <p:cNvPr id="40" name="Rectangle 39">
+                <a:extLst>
+                  <a:ext uri="{FF2B5EF4-FFF2-40B4-BE49-F238E27FC236}">
+                    <a16:creationId xmlns:a16="http://schemas.microsoft.com/office/drawing/2014/main" id="{C7262BB6-A2A6-4732-BD49-FDE50617A4B5}"/>
+                  </a:ext>
+                </a:extLst>
+              </p:cNvPr>
+              <p:cNvSpPr/>
+              <p:nvPr/>
+            </p:nvSpPr>
+            <p:spPr>
+              <a:xfrm flipV="1">
+                <a:off x="835717" y="1392155"/>
+                <a:ext cx="381935" cy="261610"/>
+              </a:xfrm>
+              <a:prstGeom prst="rect">
+                <a:avLst/>
+              </a:prstGeom>
+            </p:spPr>
+            <p:txBody>
+              <a:bodyPr wrap="square">
+                <a:spAutoFit/>
+              </a:bodyPr>
+              <a:lstStyle/>
+              <a:p>
+                <a14:m>
+                  <m:oMathPara xmlns:m="http://schemas.openxmlformats.org/officeDocument/2006/math">
+                    <m:oMathParaPr>
+                      <m:jc m:val="centerGroup"/>
+                    </m:oMathParaPr>
+                    <m:oMath xmlns:m="http://schemas.openxmlformats.org/officeDocument/2006/math">
+                      <m:r>
+                        <a:rPr lang="fr-FR" sz="1050" b="1" i="0" smtClean="0">
+                          <a:latin typeface="Cambria Math" panose="02040503050406030204" pitchFamily="18" charset="0"/>
+                        </a:rPr>
+                        <m:t>+</m:t>
+                      </m:r>
+                    </m:oMath>
+                  </m:oMathPara>
+                </a14:m>
+                <a:endParaRPr lang="fr-FR" sz="1050" b="1" dirty="0"/>
+              </a:p>
+            </p:txBody>
+          </p:sp>
+        </mc:Choice>
+        <mc:Fallback>
+          <p:sp>
+            <p:nvSpPr>
+              <p:cNvPr id="40" name="Rectangle 39">
+                <a:extLst>
+                  <a:ext uri="{FF2B5EF4-FFF2-40B4-BE49-F238E27FC236}">
+                    <a16:creationId xmlns:a16="http://schemas.microsoft.com/office/drawing/2014/main" id="{C7262BB6-A2A6-4732-BD49-FDE50617A4B5}"/>
+                  </a:ext>
+                </a:extLst>
+              </p:cNvPr>
+              <p:cNvSpPr>
+                <a:spLocks noRot="1" noChangeAspect="1" noMove="1" noResize="1" noEditPoints="1" noAdjustHandles="1" noChangeArrowheads="1" noChangeShapeType="1" noTextEdit="1"/>
+              </p:cNvSpPr>
+              <p:nvPr/>
+            </p:nvSpPr>
+            <p:spPr>
+              <a:xfrm flipV="1">
+                <a:off x="835717" y="1392155"/>
+                <a:ext cx="381935" cy="261610"/>
+              </a:xfrm>
+              <a:prstGeom prst="rect">
+                <a:avLst/>
+              </a:prstGeom>
+              <a:blipFill>
+                <a:blip r:embed="rId11"/>
+                <a:stretch>
+                  <a:fillRect/>
+                </a:stretch>
+              </a:blipFill>
+            </p:spPr>
+            <p:txBody>
+              <a:bodyPr/>
+              <a:lstStyle/>
+              <a:p>
+                <a:r>
+                  <a:rPr lang="fr-FR">
+                    <a:noFill/>
+                  </a:rPr>
+                  <a:t> </a:t>
+                </a:r>
+              </a:p>
+            </p:txBody>
+          </p:sp>
+        </mc:Fallback>
+      </mc:AlternateContent>
+      <mc:AlternateContent xmlns:mc="http://schemas.openxmlformats.org/markup-compatibility/2006">
+        <mc:Choice xmlns:a14="http://schemas.microsoft.com/office/drawing/2010/main" Requires="a14">
+          <p:sp>
+            <p:nvSpPr>
+              <p:cNvPr id="41" name="Rectangle 40">
+                <a:extLst>
+                  <a:ext uri="{FF2B5EF4-FFF2-40B4-BE49-F238E27FC236}">
+                    <a16:creationId xmlns:a16="http://schemas.microsoft.com/office/drawing/2014/main" id="{85981DC1-61D0-4219-94FD-BC29EC21006A}"/>
+                  </a:ext>
+                </a:extLst>
+              </p:cNvPr>
+              <p:cNvSpPr/>
+              <p:nvPr/>
+            </p:nvSpPr>
+            <p:spPr>
+              <a:xfrm flipH="1">
+                <a:off x="940508" y="1466994"/>
+                <a:ext cx="330827" cy="253916"/>
+              </a:xfrm>
+              <a:prstGeom prst="rect">
+                <a:avLst/>
+              </a:prstGeom>
+            </p:spPr>
+            <p:txBody>
+              <a:bodyPr wrap="square">
+                <a:spAutoFit/>
+              </a:bodyPr>
+              <a:lstStyle/>
+              <a:p>
+                <a14:m>
+                  <m:oMathPara xmlns:m="http://schemas.openxmlformats.org/officeDocument/2006/math">
+                    <m:oMathParaPr>
+                      <m:jc m:val="centerGroup"/>
+                    </m:oMathParaPr>
+                    <m:oMath xmlns:m="http://schemas.openxmlformats.org/officeDocument/2006/math">
+                      <m:r>
+                        <a:rPr lang="fr-FR" sz="1050" b="1" i="0" smtClean="0">
+                          <a:latin typeface="Cambria Math" panose="02040503050406030204" pitchFamily="18" charset="0"/>
+                        </a:rPr>
+                        <m:t>−</m:t>
+                      </m:r>
+                    </m:oMath>
+                  </m:oMathPara>
+                </a14:m>
+                <a:endParaRPr lang="fr-FR" sz="1050" b="1" dirty="0"/>
+              </a:p>
+            </p:txBody>
+          </p:sp>
+        </mc:Choice>
+        <mc:Fallback>
+          <p:sp>
+            <p:nvSpPr>
+              <p:cNvPr id="41" name="Rectangle 40">
+                <a:extLst>
+                  <a:ext uri="{FF2B5EF4-FFF2-40B4-BE49-F238E27FC236}">
+                    <a16:creationId xmlns:a16="http://schemas.microsoft.com/office/drawing/2014/main" id="{85981DC1-61D0-4219-94FD-BC29EC21006A}"/>
+                  </a:ext>
+                </a:extLst>
+              </p:cNvPr>
+              <p:cNvSpPr>
+                <a:spLocks noRot="1" noChangeAspect="1" noMove="1" noResize="1" noEditPoints="1" noAdjustHandles="1" noChangeArrowheads="1" noChangeShapeType="1" noTextEdit="1"/>
+              </p:cNvSpPr>
+              <p:nvPr/>
+            </p:nvSpPr>
+            <p:spPr>
+              <a:xfrm flipH="1">
+                <a:off x="940508" y="1466994"/>
+                <a:ext cx="330827" cy="253916"/>
+              </a:xfrm>
+              <a:prstGeom prst="rect">
+                <a:avLst/>
+              </a:prstGeom>
+              <a:blipFill>
+                <a:blip r:embed="rId12"/>
+                <a:stretch>
+                  <a:fillRect/>
+                </a:stretch>
+              </a:blipFill>
+            </p:spPr>
+            <p:txBody>
+              <a:bodyPr/>
+              <a:lstStyle/>
+              <a:p>
+                <a:r>
+                  <a:rPr lang="fr-FR">
+                    <a:noFill/>
+                  </a:rPr>
+                  <a:t> </a:t>
+                </a:r>
+              </a:p>
+            </p:txBody>
+          </p:sp>
+        </mc:Fallback>
+      </mc:AlternateContent>
+    </p:spTree>
+    <p:extLst>
+      <p:ext uri="{BB962C8B-B14F-4D97-AF65-F5344CB8AC3E}">
+        <p14:creationId xmlns:p14="http://schemas.microsoft.com/office/powerpoint/2010/main" val="1834567879"/>
+      </p:ext>
+    </p:extLst>
+  </p:cSld>
+  <p:clrMapOvr>
+    <a:masterClrMapping/>
+  </p:clrMapOvr>
+</p:sld>
+</file>
+
+<file path=ppt/slides/slide10.xml><?xml version="1.0" encoding="utf-8"?>
+<p:sld xmlns:a="http://schemas.openxmlformats.org/drawingml/2006/main" xmlns:r="http://schemas.openxmlformats.org/officeDocument/2006/relationships" xmlns:p="http://schemas.openxmlformats.org/presentationml/2006/main">
+  <p:cSld>
+    <p:spTree>
+      <p:nvGrpSpPr>
+        <p:cNvPr id="1" name=""/>
+        <p:cNvGrpSpPr/>
+        <p:nvPr/>
+      </p:nvGrpSpPr>
+      <p:grpSpPr>
+        <a:xfrm>
+          <a:off x="0" y="0"/>
+          <a:ext cx="0" cy="0"/>
+          <a:chOff x="0" y="0"/>
+          <a:chExt cx="0" cy="0"/>
+        </a:xfrm>
+      </p:grpSpPr>
+      <p:sp>
+        <p:nvSpPr>
+          <p:cNvPr id="15" name="Rectangle 14"/>
+          <p:cNvSpPr/>
+          <p:nvPr/>
+        </p:nvSpPr>
+        <p:spPr>
+          <a:xfrm>
+            <a:off x="0" y="1813200"/>
+            <a:ext cx="152400" cy="286396"/>
+          </a:xfrm>
+          <a:prstGeom prst="rect">
+            <a:avLst/>
+          </a:prstGeom>
+          <a:solidFill>
+            <a:schemeClr val="accent6">
+              <a:lumMod val="20000"/>
+              <a:lumOff val="80000"/>
+            </a:schemeClr>
+          </a:solidFill>
+          <a:ln w="19050">
+            <a:noFill/>
+          </a:ln>
+        </p:spPr>
+        <p:style>
+          <a:lnRef idx="2">
+            <a:schemeClr val="accent1">
+              <a:shade val="50000"/>
+            </a:schemeClr>
+          </a:lnRef>
+          <a:fillRef idx="1">
+            <a:schemeClr val="accent1"/>
+          </a:fillRef>
+          <a:effectRef idx="0">
+            <a:schemeClr val="accent1"/>
+          </a:effectRef>
+          <a:fontRef idx="minor">
+            <a:schemeClr val="lt1"/>
+          </a:fontRef>
+        </p:style>
+        <p:txBody>
+          <a:bodyPr rtlCol="0" anchor="ctr"/>
+          <a:lstStyle/>
+          <a:p>
+            <a:pPr algn="ctr"/>
+            <a:endParaRPr lang="fr-FR" sz="1400" b="1">
+              <a:solidFill>
+                <a:schemeClr val="accent6">
+                  <a:lumMod val="50000"/>
+                </a:schemeClr>
+              </a:solidFill>
+            </a:endParaRPr>
+          </a:p>
+        </p:txBody>
+      </p:sp>
+      <p:sp>
+        <p:nvSpPr>
+          <p:cNvPr id="4" name="Ellipse 3"/>
+          <p:cNvSpPr/>
+          <p:nvPr/>
+        </p:nvSpPr>
+        <p:spPr>
+          <a:xfrm>
+            <a:off x="1061610" y="1813199"/>
+            <a:ext cx="288032" cy="288032"/>
+          </a:xfrm>
+          <a:prstGeom prst="ellipse">
+            <a:avLst/>
+          </a:prstGeom>
+          <a:solidFill>
+            <a:schemeClr val="accent4">
+              <a:lumMod val="20000"/>
+              <a:lumOff val="80000"/>
+            </a:schemeClr>
+          </a:solidFill>
+          <a:ln w="19050">
+            <a:solidFill>
+              <a:schemeClr val="accent4"/>
+            </a:solidFill>
+          </a:ln>
+        </p:spPr>
+        <p:style>
+          <a:lnRef idx="2">
+            <a:schemeClr val="accent1">
+              <a:shade val="50000"/>
+            </a:schemeClr>
+          </a:lnRef>
+          <a:fillRef idx="1">
+            <a:schemeClr val="accent1"/>
+          </a:fillRef>
+          <a:effectRef idx="0">
+            <a:schemeClr val="accent1"/>
+          </a:effectRef>
+          <a:fontRef idx="minor">
+            <a:schemeClr val="lt1"/>
+          </a:fontRef>
+        </p:style>
+        <p:txBody>
+          <a:bodyPr rtlCol="0" anchor="ctr"/>
+          <a:lstStyle/>
+          <a:p>
+            <a:pPr algn="ctr"/>
+            <a:r>
+              <a:rPr lang="fr-FR" sz="1400" b="1" dirty="0">
+                <a:solidFill>
+                  <a:schemeClr val="accent4"/>
+                </a:solidFill>
+              </a:rPr>
+              <a:t>1</a:t>
+            </a:r>
+          </a:p>
+        </p:txBody>
+      </p:sp>
+      <p:sp>
+        <p:nvSpPr>
+          <p:cNvPr id="5" name="Ellipse 4"/>
+          <p:cNvSpPr/>
+          <p:nvPr/>
+        </p:nvSpPr>
+        <p:spPr>
+          <a:xfrm>
+            <a:off x="1799692" y="1813199"/>
+            <a:ext cx="288032" cy="288032"/>
+          </a:xfrm>
+          <a:prstGeom prst="ellipse">
+            <a:avLst/>
+          </a:prstGeom>
+          <a:solidFill>
+            <a:schemeClr val="accent2">
+              <a:lumMod val="20000"/>
+              <a:lumOff val="80000"/>
+            </a:schemeClr>
+          </a:solidFill>
+          <a:ln w="19050">
+            <a:solidFill>
+              <a:schemeClr val="accent2"/>
+            </a:solidFill>
+          </a:ln>
+        </p:spPr>
+        <p:style>
+          <a:lnRef idx="2">
+            <a:schemeClr val="accent1">
+              <a:shade val="50000"/>
+            </a:schemeClr>
+          </a:lnRef>
+          <a:fillRef idx="1">
+            <a:schemeClr val="accent1"/>
+          </a:fillRef>
+          <a:effectRef idx="0">
+            <a:schemeClr val="accent1"/>
+          </a:effectRef>
+          <a:fontRef idx="minor">
+            <a:schemeClr val="lt1"/>
+          </a:fontRef>
+        </p:style>
+        <p:txBody>
+          <a:bodyPr rtlCol="0" anchor="ctr"/>
+          <a:lstStyle/>
+          <a:p>
+            <a:pPr algn="ctr"/>
+            <a:r>
+              <a:rPr lang="fr-FR" sz="1400" b="1" dirty="0">
+                <a:solidFill>
+                  <a:schemeClr val="accent2"/>
+                </a:solidFill>
+              </a:rPr>
+              <a:t>2</a:t>
+            </a:r>
+          </a:p>
+        </p:txBody>
+      </p:sp>
+      <p:sp>
+        <p:nvSpPr>
+          <p:cNvPr id="6" name="Ellipse 5"/>
+          <p:cNvSpPr/>
+          <p:nvPr/>
+        </p:nvSpPr>
+        <p:spPr>
+          <a:xfrm>
+            <a:off x="2537774" y="1813199"/>
+            <a:ext cx="288032" cy="288032"/>
+          </a:xfrm>
+          <a:prstGeom prst="ellipse">
+            <a:avLst/>
+          </a:prstGeom>
+          <a:solidFill>
+            <a:schemeClr val="accent3">
+              <a:lumMod val="20000"/>
+              <a:lumOff val="80000"/>
+            </a:schemeClr>
+          </a:solidFill>
+          <a:ln w="19050">
+            <a:solidFill>
+              <a:schemeClr val="accent3"/>
+            </a:solidFill>
+          </a:ln>
+        </p:spPr>
+        <p:style>
+          <a:lnRef idx="2">
+            <a:schemeClr val="accent1">
+              <a:shade val="50000"/>
+            </a:schemeClr>
+          </a:lnRef>
+          <a:fillRef idx="1">
+            <a:schemeClr val="accent1"/>
+          </a:fillRef>
+          <a:effectRef idx="0">
+            <a:schemeClr val="accent1"/>
+          </a:effectRef>
+          <a:fontRef idx="minor">
+            <a:schemeClr val="lt1"/>
+          </a:fontRef>
+        </p:style>
+        <p:txBody>
+          <a:bodyPr rtlCol="0" anchor="ctr"/>
+          <a:lstStyle/>
+          <a:p>
+            <a:pPr algn="ctr"/>
+            <a:r>
+              <a:rPr lang="fr-FR" sz="1400" b="1" dirty="0">
+                <a:solidFill>
+                  <a:schemeClr val="accent3"/>
+                </a:solidFill>
+              </a:rPr>
+              <a:t>3</a:t>
+            </a:r>
+          </a:p>
+        </p:txBody>
+      </p:sp>
+      <p:sp>
+        <p:nvSpPr>
+          <p:cNvPr id="7" name="Ellipse 6"/>
+          <p:cNvSpPr/>
+          <p:nvPr/>
+        </p:nvSpPr>
+        <p:spPr>
+          <a:xfrm>
+            <a:off x="3275856" y="1813199"/>
+            <a:ext cx="288032" cy="288032"/>
+          </a:xfrm>
+          <a:prstGeom prst="ellipse">
+            <a:avLst/>
+          </a:prstGeom>
+          <a:solidFill>
+            <a:schemeClr val="bg1">
+              <a:lumMod val="85000"/>
+            </a:schemeClr>
+          </a:solidFill>
+          <a:ln w="19050">
+            <a:solidFill>
+              <a:schemeClr val="tx1"/>
+            </a:solidFill>
+          </a:ln>
+        </p:spPr>
+        <p:style>
+          <a:lnRef idx="2">
+            <a:schemeClr val="accent1">
+              <a:shade val="50000"/>
+            </a:schemeClr>
+          </a:lnRef>
+          <a:fillRef idx="1">
+            <a:schemeClr val="accent1"/>
+          </a:fillRef>
+          <a:effectRef idx="0">
+            <a:schemeClr val="accent1"/>
+          </a:effectRef>
+          <a:fontRef idx="minor">
+            <a:schemeClr val="lt1"/>
+          </a:fontRef>
+        </p:style>
+        <p:txBody>
+          <a:bodyPr rtlCol="0" anchor="ctr"/>
+          <a:lstStyle/>
+          <a:p>
+            <a:pPr algn="ctr"/>
+            <a:r>
+              <a:rPr lang="fr-FR" sz="1400" b="1" dirty="0">
+                <a:solidFill>
+                  <a:schemeClr val="tx1"/>
+                </a:solidFill>
+              </a:rPr>
+              <a:t>4</a:t>
+            </a:r>
+          </a:p>
+        </p:txBody>
+      </p:sp>
+      <p:sp>
+        <p:nvSpPr>
+          <p:cNvPr id="8" name="Ellipse 7"/>
+          <p:cNvSpPr/>
+          <p:nvPr/>
+        </p:nvSpPr>
+        <p:spPr>
+          <a:xfrm>
+            <a:off x="323528" y="1813199"/>
+            <a:ext cx="288032" cy="288032"/>
+          </a:xfrm>
+          <a:prstGeom prst="ellipse">
+            <a:avLst/>
+          </a:prstGeom>
+          <a:solidFill>
+            <a:schemeClr val="accent6">
+              <a:lumMod val="20000"/>
+              <a:lumOff val="80000"/>
+            </a:schemeClr>
+          </a:solidFill>
+          <a:ln w="19050">
+            <a:solidFill>
+              <a:schemeClr val="accent6">
+                <a:lumMod val="50000"/>
+              </a:schemeClr>
+            </a:solidFill>
+          </a:ln>
+        </p:spPr>
+        <p:style>
+          <a:lnRef idx="2">
+            <a:schemeClr val="accent1">
+              <a:shade val="50000"/>
+            </a:schemeClr>
+          </a:lnRef>
+          <a:fillRef idx="1">
+            <a:schemeClr val="accent1"/>
+          </a:fillRef>
+          <a:effectRef idx="0">
+            <a:schemeClr val="accent1"/>
+          </a:effectRef>
+          <a:fontRef idx="minor">
+            <a:schemeClr val="lt1"/>
+          </a:fontRef>
+        </p:style>
+        <p:txBody>
+          <a:bodyPr rtlCol="0" anchor="ctr"/>
+          <a:lstStyle/>
+          <a:p>
+            <a:pPr algn="ctr"/>
+            <a:r>
+              <a:rPr lang="fr-FR" sz="1400" b="1" dirty="0">
+                <a:solidFill>
+                  <a:schemeClr val="accent6">
+                    <a:lumMod val="50000"/>
+                  </a:schemeClr>
+                </a:solidFill>
+              </a:rPr>
+              <a:t>0</a:t>
+            </a:r>
+          </a:p>
+        </p:txBody>
+      </p:sp>
+      <p:cxnSp>
+        <p:nvCxnSpPr>
+          <p:cNvPr id="10" name="Connecteur droit 9"/>
+          <p:cNvCxnSpPr>
+            <a:stCxn id="8" idx="6"/>
+            <a:endCxn id="4" idx="2"/>
+          </p:cNvCxnSpPr>
+          <p:nvPr/>
+        </p:nvCxnSpPr>
+        <p:spPr>
+          <a:xfrm>
+            <a:off x="611560" y="1957215"/>
+            <a:ext cx="450050" cy="0"/>
+          </a:xfrm>
+          <a:prstGeom prst="line">
+            <a:avLst/>
+          </a:prstGeom>
+          <a:ln w="19050">
+            <a:solidFill>
+              <a:schemeClr val="tx1"/>
+            </a:solidFill>
+          </a:ln>
+        </p:spPr>
+        <p:style>
+          <a:lnRef idx="1">
+            <a:schemeClr val="accent1"/>
+          </a:lnRef>
+          <a:fillRef idx="0">
+            <a:schemeClr val="accent1"/>
+          </a:fillRef>
+          <a:effectRef idx="0">
+            <a:schemeClr val="accent1"/>
+          </a:effectRef>
+          <a:fontRef idx="minor">
+            <a:schemeClr val="tx1"/>
+          </a:fontRef>
+        </p:style>
+      </p:cxnSp>
+      <p:cxnSp>
+        <p:nvCxnSpPr>
+          <p:cNvPr id="11" name="Connecteur droit 10"/>
+          <p:cNvCxnSpPr>
+            <a:stCxn id="5" idx="2"/>
+            <a:endCxn id="4" idx="6"/>
+          </p:cNvCxnSpPr>
+          <p:nvPr/>
+        </p:nvCxnSpPr>
+        <p:spPr>
+          <a:xfrm flipH="1">
+            <a:off x="1349642" y="1957215"/>
+            <a:ext cx="450050" cy="0"/>
+          </a:xfrm>
+          <a:prstGeom prst="line">
+            <a:avLst/>
+          </a:prstGeom>
+          <a:ln w="19050">
+            <a:solidFill>
+              <a:schemeClr val="tx1"/>
+            </a:solidFill>
+          </a:ln>
+        </p:spPr>
+        <p:style>
+          <a:lnRef idx="1">
+            <a:schemeClr val="accent1"/>
+          </a:lnRef>
+          <a:fillRef idx="0">
+            <a:schemeClr val="accent1"/>
+          </a:fillRef>
+          <a:effectRef idx="0">
+            <a:schemeClr val="accent1"/>
+          </a:effectRef>
+          <a:fontRef idx="minor">
+            <a:schemeClr val="tx1"/>
+          </a:fontRef>
+        </p:style>
+      </p:cxnSp>
+      <p:cxnSp>
+        <p:nvCxnSpPr>
+          <p:cNvPr id="14" name="Connecteur droit 13"/>
+          <p:cNvCxnSpPr>
+            <a:stCxn id="6" idx="2"/>
+            <a:endCxn id="5" idx="6"/>
+          </p:cNvCxnSpPr>
+          <p:nvPr/>
+        </p:nvCxnSpPr>
+        <p:spPr>
+          <a:xfrm flipH="1">
+            <a:off x="2087724" y="1957215"/>
+            <a:ext cx="450050" cy="0"/>
+          </a:xfrm>
+          <a:prstGeom prst="line">
+            <a:avLst/>
+          </a:prstGeom>
+          <a:ln w="19050">
+            <a:solidFill>
+              <a:schemeClr val="tx1"/>
+            </a:solidFill>
+          </a:ln>
+        </p:spPr>
+        <p:style>
+          <a:lnRef idx="1">
+            <a:schemeClr val="accent1"/>
+          </a:lnRef>
+          <a:fillRef idx="0">
+            <a:schemeClr val="accent1"/>
+          </a:fillRef>
+          <a:effectRef idx="0">
+            <a:schemeClr val="accent1"/>
+          </a:effectRef>
+          <a:fontRef idx="minor">
+            <a:schemeClr val="tx1"/>
+          </a:fontRef>
+        </p:style>
+      </p:cxnSp>
+      <p:cxnSp>
+        <p:nvCxnSpPr>
+          <p:cNvPr id="17" name="Connecteur droit 16"/>
+          <p:cNvCxnSpPr>
+            <a:stCxn id="7" idx="2"/>
+            <a:endCxn id="6" idx="6"/>
+          </p:cNvCxnSpPr>
+          <p:nvPr/>
+        </p:nvCxnSpPr>
+        <p:spPr>
+          <a:xfrm flipH="1">
+            <a:off x="2825806" y="1957215"/>
+            <a:ext cx="450050" cy="0"/>
+          </a:xfrm>
+          <a:prstGeom prst="line">
+            <a:avLst/>
+          </a:prstGeom>
+          <a:ln w="19050">
+            <a:solidFill>
+              <a:schemeClr val="tx1"/>
+            </a:solidFill>
+          </a:ln>
+        </p:spPr>
+        <p:style>
+          <a:lnRef idx="1">
+            <a:schemeClr val="accent1"/>
+          </a:lnRef>
+          <a:fillRef idx="0">
+            <a:schemeClr val="accent1"/>
+          </a:fillRef>
+          <a:effectRef idx="0">
+            <a:schemeClr val="accent1"/>
+          </a:effectRef>
+          <a:fontRef idx="minor">
+            <a:schemeClr val="tx1"/>
+          </a:fontRef>
+        </p:style>
+      </p:cxnSp>
+      <mc:AlternateContent xmlns:mc="http://schemas.openxmlformats.org/markup-compatibility/2006" xmlns:a14="http://schemas.microsoft.com/office/drawing/2010/main">
+        <mc:Choice Requires="a14">
+          <p:sp>
+            <p:nvSpPr>
+              <p:cNvPr id="31" name="ZoneTexte 30"/>
+              <p:cNvSpPr txBox="1"/>
+              <p:nvPr/>
+            </p:nvSpPr>
+            <p:spPr>
+              <a:xfrm rot="2700000">
+                <a:off x="583745" y="2358459"/>
+                <a:ext cx="901722" cy="261610"/>
+              </a:xfrm>
+              <a:prstGeom prst="rect">
+                <a:avLst/>
+              </a:prstGeom>
+              <a:noFill/>
+            </p:spPr>
+            <p:txBody>
+              <a:bodyPr wrap="none" rtlCol="0">
+                <a:spAutoFit/>
+              </a:bodyPr>
+              <a:lstStyle/>
+              <a:p>
+                <a:r>
+                  <a:rPr lang="fr-FR" sz="1100" b="0" dirty="0"/>
+                  <a:t>Pivot </a:t>
+                </a:r>
+                <a14:m>
+                  <m:oMath xmlns:m="http://schemas.openxmlformats.org/officeDocument/2006/math">
+                    <m:d>
+                      <m:dPr>
+                        <m:ctrlPr>
+                          <a:rPr lang="fr-FR" sz="1100" b="0" i="1" smtClean="0">
+                            <a:latin typeface="Cambria Math" panose="02040503050406030204" pitchFamily="18" charset="0"/>
+                          </a:rPr>
+                        </m:ctrlPr>
+                      </m:dPr>
+                      <m:e>
+                        <m:r>
+                          <a:rPr lang="fr-FR" sz="1100" b="0" i="1" smtClean="0">
+                            <a:latin typeface="Cambria Math"/>
+                          </a:rPr>
+                          <m:t>𝑂</m:t>
+                        </m:r>
+                        <m:r>
+                          <a:rPr lang="fr-FR" sz="1100" b="0" i="1" smtClean="0">
+                            <a:latin typeface="Cambria Math"/>
+                          </a:rPr>
+                          <m:t>,</m:t>
+                        </m:r>
+                        <m:acc>
+                          <m:accPr>
+                            <m:chr m:val="⃗"/>
+                            <m:ctrlPr>
+                              <a:rPr lang="fr-FR" sz="1100" b="0" i="1" smtClean="0">
+                                <a:latin typeface="Cambria Math" panose="02040503050406030204" pitchFamily="18" charset="0"/>
+                              </a:rPr>
+                            </m:ctrlPr>
+                          </m:accPr>
+                          <m:e>
+                            <m:sSub>
+                              <m:sSubPr>
+                                <m:ctrlPr>
+                                  <a:rPr lang="fr-FR" sz="1100" b="0" i="1" smtClean="0">
+                                    <a:latin typeface="Cambria Math" panose="02040503050406030204" pitchFamily="18" charset="0"/>
+                                  </a:rPr>
+                                </m:ctrlPr>
+                              </m:sSubPr>
+                              <m:e>
+                                <m:r>
+                                  <a:rPr lang="fr-FR" sz="1100" b="0" i="1" smtClean="0">
+                                    <a:latin typeface="Cambria Math"/>
+                                  </a:rPr>
+                                  <m:t>𝑧</m:t>
+                                </m:r>
+                              </m:e>
+                              <m:sub>
+                                <m:r>
+                                  <a:rPr lang="fr-FR" sz="1100" b="0" i="1" smtClean="0">
+                                    <a:latin typeface="Cambria Math"/>
+                                  </a:rPr>
+                                  <m:t>1</m:t>
+                                </m:r>
+                              </m:sub>
+                            </m:sSub>
+                          </m:e>
+                        </m:acc>
+                      </m:e>
+                    </m:d>
+                  </m:oMath>
+                </a14:m>
+                <a:endParaRPr lang="fr-FR" sz="1100" dirty="0"/>
+              </a:p>
+            </p:txBody>
+          </p:sp>
+        </mc:Choice>
+        <mc:Fallback xmlns="">
+          <p:sp>
+            <p:nvSpPr>
+              <p:cNvPr id="31" name="ZoneTexte 30"/>
+              <p:cNvSpPr txBox="1">
+                <a:spLocks noRot="1" noChangeAspect="1" noMove="1" noResize="1" noEditPoints="1" noAdjustHandles="1" noChangeArrowheads="1" noChangeShapeType="1" noTextEdit="1"/>
+              </p:cNvSpPr>
+              <p:nvPr/>
+            </p:nvSpPr>
+            <p:spPr>
+              <a:xfrm rot="2700000">
+                <a:off x="583745" y="2358459"/>
+                <a:ext cx="901722" cy="261610"/>
+              </a:xfrm>
+              <a:prstGeom prst="rect">
+                <a:avLst/>
+              </a:prstGeom>
+              <a:blipFill rotWithShape="1">
+                <a:blip r:embed="rId2"/>
+                <a:stretch>
+                  <a:fillRect l="-2941"/>
+                </a:stretch>
+              </a:blipFill>
+            </p:spPr>
+            <p:txBody>
+              <a:bodyPr/>
+              <a:lstStyle/>
+              <a:p>
+                <a:r>
+                  <a:rPr lang="fr-FR">
+                    <a:noFill/>
+                  </a:rPr>
+                  <a:t> </a:t>
+                </a:r>
+              </a:p>
+            </p:txBody>
+          </p:sp>
+        </mc:Fallback>
+      </mc:AlternateContent>
+      <mc:AlternateContent xmlns:mc="http://schemas.openxmlformats.org/markup-compatibility/2006" xmlns:a14="http://schemas.microsoft.com/office/drawing/2010/main">
+        <mc:Choice Requires="a14">
+          <p:sp>
+            <p:nvSpPr>
+              <p:cNvPr id="32" name="ZoneTexte 31"/>
+              <p:cNvSpPr txBox="1"/>
+              <p:nvPr/>
+            </p:nvSpPr>
+            <p:spPr>
+              <a:xfrm rot="2700000">
+                <a:off x="1329193" y="2358459"/>
+                <a:ext cx="904991" cy="261610"/>
+              </a:xfrm>
+              <a:prstGeom prst="rect">
+                <a:avLst/>
+              </a:prstGeom>
+              <a:noFill/>
+            </p:spPr>
+            <p:txBody>
+              <a:bodyPr wrap="none" rtlCol="0">
+                <a:spAutoFit/>
+              </a:bodyPr>
+              <a:lstStyle/>
+              <a:p>
+                <a:r>
+                  <a:rPr lang="fr-FR" sz="1100" b="0" dirty="0"/>
+                  <a:t>Pivot </a:t>
+                </a:r>
+                <a14:m>
+                  <m:oMath xmlns:m="http://schemas.openxmlformats.org/officeDocument/2006/math">
+                    <m:d>
+                      <m:dPr>
+                        <m:ctrlPr>
+                          <a:rPr lang="fr-FR" sz="1100" b="0" i="1" smtClean="0">
+                            <a:latin typeface="Cambria Math" panose="02040503050406030204" pitchFamily="18" charset="0"/>
+                          </a:rPr>
+                        </m:ctrlPr>
+                      </m:dPr>
+                      <m:e>
+                        <m:r>
+                          <a:rPr lang="fr-FR" sz="1100" b="0" i="1" smtClean="0">
+                            <a:latin typeface="Cambria Math"/>
+                          </a:rPr>
+                          <m:t>𝑂</m:t>
+                        </m:r>
+                        <m:r>
+                          <a:rPr lang="fr-FR" sz="1100" b="0" i="1" smtClean="0">
+                            <a:latin typeface="Cambria Math"/>
+                          </a:rPr>
+                          <m:t>,</m:t>
+                        </m:r>
+                        <m:acc>
+                          <m:accPr>
+                            <m:chr m:val="⃗"/>
+                            <m:ctrlPr>
+                              <a:rPr lang="fr-FR" sz="1100" b="0" i="1" smtClean="0">
+                                <a:latin typeface="Cambria Math" panose="02040503050406030204" pitchFamily="18" charset="0"/>
+                              </a:rPr>
+                            </m:ctrlPr>
+                          </m:accPr>
+                          <m:e>
+                            <m:sSub>
+                              <m:sSubPr>
+                                <m:ctrlPr>
+                                  <a:rPr lang="fr-FR" sz="1100" b="0" i="1" smtClean="0">
+                                    <a:latin typeface="Cambria Math" panose="02040503050406030204" pitchFamily="18" charset="0"/>
+                                  </a:rPr>
+                                </m:ctrlPr>
+                              </m:sSubPr>
+                              <m:e>
+                                <m:r>
+                                  <a:rPr lang="fr-FR" sz="1100" b="0" i="1" smtClean="0">
+                                    <a:latin typeface="Cambria Math"/>
+                                  </a:rPr>
+                                  <m:t>𝑧</m:t>
+                                </m:r>
+                              </m:e>
+                              <m:sub>
+                                <m:r>
+                                  <a:rPr lang="fr-FR" sz="1100" b="0" i="1" smtClean="0">
+                                    <a:latin typeface="Cambria Math"/>
+                                  </a:rPr>
+                                  <m:t>2</m:t>
+                                </m:r>
+                              </m:sub>
+                            </m:sSub>
+                          </m:e>
+                        </m:acc>
+                      </m:e>
+                    </m:d>
+                  </m:oMath>
+                </a14:m>
+                <a:endParaRPr lang="fr-FR" sz="1100" dirty="0"/>
+              </a:p>
+            </p:txBody>
+          </p:sp>
+        </mc:Choice>
+        <mc:Fallback xmlns="">
+          <p:sp>
+            <p:nvSpPr>
+              <p:cNvPr id="32" name="ZoneTexte 31"/>
+              <p:cNvSpPr txBox="1">
+                <a:spLocks noRot="1" noChangeAspect="1" noMove="1" noResize="1" noEditPoints="1" noAdjustHandles="1" noChangeArrowheads="1" noChangeShapeType="1" noTextEdit="1"/>
+              </p:cNvSpPr>
+              <p:nvPr/>
+            </p:nvSpPr>
+            <p:spPr>
+              <a:xfrm rot="2700000">
+                <a:off x="1329193" y="2358459"/>
+                <a:ext cx="904991" cy="261610"/>
+              </a:xfrm>
+              <a:prstGeom prst="rect">
+                <a:avLst/>
+              </a:prstGeom>
+              <a:blipFill rotWithShape="1">
+                <a:blip r:embed="rId3"/>
+                <a:stretch>
+                  <a:fillRect l="-2941"/>
+                </a:stretch>
+              </a:blipFill>
+            </p:spPr>
+            <p:txBody>
+              <a:bodyPr/>
+              <a:lstStyle/>
+              <a:p>
+                <a:r>
+                  <a:rPr lang="fr-FR">
+                    <a:noFill/>
+                  </a:rPr>
+                  <a:t> </a:t>
+                </a:r>
+              </a:p>
+            </p:txBody>
+          </p:sp>
+        </mc:Fallback>
+      </mc:AlternateContent>
+      <mc:AlternateContent xmlns:mc="http://schemas.openxmlformats.org/markup-compatibility/2006" xmlns:a14="http://schemas.microsoft.com/office/drawing/2010/main">
+        <mc:Choice Requires="a14">
+          <p:sp>
+            <p:nvSpPr>
+              <p:cNvPr id="33" name="ZoneTexte 32"/>
+              <p:cNvSpPr txBox="1"/>
+              <p:nvPr/>
+            </p:nvSpPr>
+            <p:spPr>
+              <a:xfrm rot="2700000">
+                <a:off x="2076276" y="2358459"/>
+                <a:ext cx="904991" cy="261610"/>
+              </a:xfrm>
+              <a:prstGeom prst="rect">
+                <a:avLst/>
+              </a:prstGeom>
+              <a:noFill/>
+            </p:spPr>
+            <p:txBody>
+              <a:bodyPr wrap="none" rtlCol="0">
+                <a:spAutoFit/>
+              </a:bodyPr>
+              <a:lstStyle/>
+              <a:p>
+                <a:r>
+                  <a:rPr lang="fr-FR" sz="1100" b="0" dirty="0"/>
+                  <a:t>Pivot </a:t>
+                </a:r>
+                <a14:m>
+                  <m:oMath xmlns:m="http://schemas.openxmlformats.org/officeDocument/2006/math">
+                    <m:d>
+                      <m:dPr>
+                        <m:ctrlPr>
+                          <a:rPr lang="fr-FR" sz="1100" b="0" i="1" smtClean="0">
+                            <a:latin typeface="Cambria Math" panose="02040503050406030204" pitchFamily="18" charset="0"/>
+                          </a:rPr>
+                        </m:ctrlPr>
+                      </m:dPr>
+                      <m:e>
+                        <m:r>
+                          <a:rPr lang="fr-FR" sz="1100" b="0" i="1" smtClean="0">
+                            <a:latin typeface="Cambria Math"/>
+                          </a:rPr>
+                          <m:t>𝑂</m:t>
+                        </m:r>
+                        <m:r>
+                          <a:rPr lang="fr-FR" sz="1100" b="0" i="1" smtClean="0">
+                            <a:latin typeface="Cambria Math"/>
+                          </a:rPr>
+                          <m:t>,</m:t>
+                        </m:r>
+                        <m:acc>
+                          <m:accPr>
+                            <m:chr m:val="⃗"/>
+                            <m:ctrlPr>
+                              <a:rPr lang="fr-FR" sz="1100" b="0" i="1" smtClean="0">
+                                <a:latin typeface="Cambria Math" panose="02040503050406030204" pitchFamily="18" charset="0"/>
+                              </a:rPr>
+                            </m:ctrlPr>
+                          </m:accPr>
+                          <m:e>
+                            <m:sSub>
+                              <m:sSubPr>
+                                <m:ctrlPr>
+                                  <a:rPr lang="fr-FR" sz="1100" b="0" i="1" smtClean="0">
+                                    <a:latin typeface="Cambria Math" panose="02040503050406030204" pitchFamily="18" charset="0"/>
+                                  </a:rPr>
+                                </m:ctrlPr>
+                              </m:sSubPr>
+                              <m:e>
+                                <m:r>
+                                  <a:rPr lang="fr-FR" sz="1100" b="0" i="1" smtClean="0">
+                                    <a:latin typeface="Cambria Math"/>
+                                  </a:rPr>
+                                  <m:t>𝑧</m:t>
+                                </m:r>
+                              </m:e>
+                              <m:sub>
+                                <m:r>
+                                  <a:rPr lang="fr-FR" sz="1100" b="0" i="1" smtClean="0">
+                                    <a:latin typeface="Cambria Math"/>
+                                  </a:rPr>
+                                  <m:t>3</m:t>
+                                </m:r>
+                              </m:sub>
+                            </m:sSub>
+                          </m:e>
+                        </m:acc>
+                      </m:e>
+                    </m:d>
+                  </m:oMath>
+                </a14:m>
+                <a:endParaRPr lang="fr-FR" sz="1100" dirty="0"/>
+              </a:p>
+            </p:txBody>
+          </p:sp>
+        </mc:Choice>
+        <mc:Fallback xmlns="">
+          <p:sp>
+            <p:nvSpPr>
+              <p:cNvPr id="33" name="ZoneTexte 32"/>
+              <p:cNvSpPr txBox="1">
+                <a:spLocks noRot="1" noChangeAspect="1" noMove="1" noResize="1" noEditPoints="1" noAdjustHandles="1" noChangeArrowheads="1" noChangeShapeType="1" noTextEdit="1"/>
+              </p:cNvSpPr>
+              <p:nvPr/>
+            </p:nvSpPr>
+            <p:spPr>
+              <a:xfrm rot="2700000">
+                <a:off x="2076276" y="2358459"/>
+                <a:ext cx="904991" cy="261610"/>
+              </a:xfrm>
+              <a:prstGeom prst="rect">
+                <a:avLst/>
+              </a:prstGeom>
+              <a:blipFill rotWithShape="1">
+                <a:blip r:embed="rId4"/>
+                <a:stretch>
+                  <a:fillRect l="-2941"/>
+                </a:stretch>
+              </a:blipFill>
+            </p:spPr>
+            <p:txBody>
+              <a:bodyPr/>
+              <a:lstStyle/>
+              <a:p>
+                <a:r>
+                  <a:rPr lang="fr-FR">
+                    <a:noFill/>
+                  </a:rPr>
+                  <a:t> </a:t>
+                </a:r>
+              </a:p>
+            </p:txBody>
+          </p:sp>
+        </mc:Fallback>
+      </mc:AlternateContent>
+      <mc:AlternateContent xmlns:mc="http://schemas.openxmlformats.org/markup-compatibility/2006" xmlns:a14="http://schemas.microsoft.com/office/drawing/2010/main">
+        <mc:Choice Requires="a14">
+          <p:sp>
+            <p:nvSpPr>
+              <p:cNvPr id="34" name="ZoneTexte 33"/>
+              <p:cNvSpPr txBox="1"/>
+              <p:nvPr/>
+            </p:nvSpPr>
+            <p:spPr>
+              <a:xfrm rot="2700000">
+                <a:off x="2800789" y="2358459"/>
+                <a:ext cx="950132" cy="261610"/>
+              </a:xfrm>
+              <a:prstGeom prst="rect">
+                <a:avLst/>
+              </a:prstGeom>
+              <a:noFill/>
+            </p:spPr>
+            <p:txBody>
+              <a:bodyPr wrap="none" rtlCol="0">
+                <a:spAutoFit/>
+              </a:bodyPr>
+              <a:lstStyle/>
+              <a:p>
+                <a:r>
+                  <a:rPr lang="fr-FR" sz="1100" b="0" dirty="0"/>
+                  <a:t>Glissière </a:t>
+                </a:r>
+                <a14:m>
+                  <m:oMath xmlns:m="http://schemas.openxmlformats.org/officeDocument/2006/math">
+                    <m:d>
+                      <m:dPr>
+                        <m:ctrlPr>
+                          <a:rPr lang="fr-FR" sz="1100" b="0" i="1" smtClean="0">
+                            <a:latin typeface="Cambria Math" panose="02040503050406030204" pitchFamily="18" charset="0"/>
+                          </a:rPr>
+                        </m:ctrlPr>
+                      </m:dPr>
+                      <m:e>
+                        <m:acc>
+                          <m:accPr>
+                            <m:chr m:val="⃗"/>
+                            <m:ctrlPr>
+                              <a:rPr lang="fr-FR" sz="1100" b="0" i="1" smtClean="0">
+                                <a:latin typeface="Cambria Math" panose="02040503050406030204" pitchFamily="18" charset="0"/>
+                              </a:rPr>
+                            </m:ctrlPr>
+                          </m:accPr>
+                          <m:e>
+                            <m:sSub>
+                              <m:sSubPr>
+                                <m:ctrlPr>
+                                  <a:rPr lang="fr-FR" sz="1100" b="0" i="1" smtClean="0">
+                                    <a:latin typeface="Cambria Math" panose="02040503050406030204" pitchFamily="18" charset="0"/>
+                                  </a:rPr>
+                                </m:ctrlPr>
+                              </m:sSubPr>
+                              <m:e>
+                                <m:r>
+                                  <a:rPr lang="fr-FR" sz="1100" b="0" i="1" smtClean="0">
+                                    <a:latin typeface="Cambria Math"/>
+                                  </a:rPr>
+                                  <m:t>𝑧</m:t>
+                                </m:r>
+                              </m:e>
+                              <m:sub>
+                                <m:r>
+                                  <a:rPr lang="fr-FR" sz="1100" b="0" i="1" smtClean="0">
+                                    <a:latin typeface="Cambria Math"/>
+                                  </a:rPr>
+                                  <m:t>3</m:t>
+                                </m:r>
+                              </m:sub>
+                            </m:sSub>
+                          </m:e>
+                        </m:acc>
+                      </m:e>
+                    </m:d>
+                  </m:oMath>
+                </a14:m>
+                <a:endParaRPr lang="fr-FR" sz="1100" dirty="0"/>
+              </a:p>
+            </p:txBody>
+          </p:sp>
+        </mc:Choice>
+        <mc:Fallback xmlns="">
+          <p:sp>
+            <p:nvSpPr>
+              <p:cNvPr id="34" name="ZoneTexte 33"/>
+              <p:cNvSpPr txBox="1">
+                <a:spLocks noRot="1" noChangeAspect="1" noMove="1" noResize="1" noEditPoints="1" noAdjustHandles="1" noChangeArrowheads="1" noChangeShapeType="1" noTextEdit="1"/>
+              </p:cNvSpPr>
+              <p:nvPr/>
+            </p:nvSpPr>
+            <p:spPr>
+              <a:xfrm rot="2700000">
+                <a:off x="2800789" y="2358459"/>
+                <a:ext cx="950132" cy="261610"/>
+              </a:xfrm>
+              <a:prstGeom prst="rect">
+                <a:avLst/>
+              </a:prstGeom>
+              <a:blipFill rotWithShape="1">
+                <a:blip r:embed="rId5"/>
+                <a:stretch>
+                  <a:fillRect l="-2837"/>
+                </a:stretch>
+              </a:blipFill>
+            </p:spPr>
+            <p:txBody>
+              <a:bodyPr/>
+              <a:lstStyle/>
+              <a:p>
+                <a:r>
+                  <a:rPr lang="fr-FR">
+                    <a:noFill/>
+                  </a:rPr>
+                  <a:t> </a:t>
+                </a:r>
+              </a:p>
+            </p:txBody>
+          </p:sp>
+        </mc:Fallback>
+      </mc:AlternateContent>
+      <p:cxnSp>
+        <p:nvCxnSpPr>
+          <p:cNvPr id="41" name="Connecteur droit 40"/>
+          <p:cNvCxnSpPr/>
+          <p:nvPr/>
+        </p:nvCxnSpPr>
+        <p:spPr>
+          <a:xfrm>
+            <a:off x="152400" y="1957215"/>
+            <a:ext cx="171128" cy="0"/>
+          </a:xfrm>
+          <a:prstGeom prst="line">
+            <a:avLst/>
+          </a:prstGeom>
+          <a:solidFill>
+            <a:schemeClr val="accent6">
+              <a:lumMod val="20000"/>
+              <a:lumOff val="80000"/>
+            </a:schemeClr>
+          </a:solidFill>
+          <a:ln w="19050">
+            <a:solidFill>
+              <a:schemeClr val="accent6">
+                <a:lumMod val="50000"/>
+              </a:schemeClr>
+            </a:solidFill>
+          </a:ln>
+        </p:spPr>
+        <p:style>
+          <a:lnRef idx="2">
+            <a:schemeClr val="accent1">
+              <a:shade val="50000"/>
+            </a:schemeClr>
+          </a:lnRef>
+          <a:fillRef idx="1">
+            <a:schemeClr val="accent1"/>
+          </a:fillRef>
+          <a:effectRef idx="0">
+            <a:schemeClr val="accent1"/>
+          </a:effectRef>
+          <a:fontRef idx="minor">
+            <a:schemeClr val="lt1"/>
+          </a:fontRef>
+        </p:style>
+      </p:cxnSp>
+      <p:cxnSp>
+        <p:nvCxnSpPr>
+          <p:cNvPr id="43" name="Connecteur droit 42"/>
+          <p:cNvCxnSpPr/>
+          <p:nvPr/>
+        </p:nvCxnSpPr>
+        <p:spPr>
+          <a:xfrm flipV="1">
+            <a:off x="152400" y="1813200"/>
+            <a:ext cx="0" cy="288031"/>
+          </a:xfrm>
+          <a:prstGeom prst="line">
+            <a:avLst/>
+          </a:prstGeom>
+          <a:solidFill>
+            <a:schemeClr val="accent6">
+              <a:lumMod val="20000"/>
+              <a:lumOff val="80000"/>
+            </a:schemeClr>
+          </a:solidFill>
+          <a:ln w="19050">
+            <a:solidFill>
+              <a:schemeClr val="accent6">
+                <a:lumMod val="50000"/>
+              </a:schemeClr>
+            </a:solidFill>
+          </a:ln>
+        </p:spPr>
+        <p:style>
+          <a:lnRef idx="2">
+            <a:schemeClr val="accent1">
+              <a:shade val="50000"/>
+            </a:schemeClr>
+          </a:lnRef>
+          <a:fillRef idx="1">
+            <a:schemeClr val="accent1"/>
+          </a:fillRef>
+          <a:effectRef idx="0">
+            <a:schemeClr val="accent1"/>
+          </a:effectRef>
+          <a:fontRef idx="minor">
+            <a:schemeClr val="lt1"/>
+          </a:fontRef>
+        </p:style>
+      </p:cxnSp>
+      <p:cxnSp>
+        <p:nvCxnSpPr>
+          <p:cNvPr id="44" name="Connecteur droit 43"/>
+          <p:cNvCxnSpPr>
+            <a:stCxn id="7" idx="1"/>
+            <a:endCxn id="8" idx="7"/>
+          </p:cNvCxnSpPr>
+          <p:nvPr/>
+        </p:nvCxnSpPr>
+        <p:spPr>
+          <a:xfrm rot="16200000" flipV="1">
+            <a:off x="1943708" y="481051"/>
+            <a:ext cx="12700" cy="2748658"/>
+          </a:xfrm>
+          <a:prstGeom prst="curvedConnector3">
+            <a:avLst>
+              <a:gd name="adj1" fmla="val 2132134"/>
+            </a:avLst>
+          </a:prstGeom>
+          <a:ln w="19050">
+            <a:solidFill>
+              <a:schemeClr val="tx1"/>
+            </a:solidFill>
+            <a:prstDash val="sysDash"/>
+          </a:ln>
+        </p:spPr>
+        <p:style>
+          <a:lnRef idx="1">
+            <a:schemeClr val="accent1"/>
+          </a:lnRef>
+          <a:fillRef idx="0">
+            <a:schemeClr val="accent1"/>
+          </a:fillRef>
+          <a:effectRef idx="0">
+            <a:schemeClr val="accent1"/>
+          </a:effectRef>
+          <a:fontRef idx="minor">
+            <a:schemeClr val="tx1"/>
+          </a:fontRef>
+        </p:style>
+      </p:cxnSp>
+      <p:sp>
+        <p:nvSpPr>
+          <p:cNvPr id="45" name="ZoneTexte 44"/>
+          <p:cNvSpPr txBox="1"/>
+          <p:nvPr/>
+        </p:nvSpPr>
+        <p:spPr>
+          <a:xfrm>
+            <a:off x="1401732" y="1340768"/>
+            <a:ext cx="1083951" cy="261610"/>
+          </a:xfrm>
+          <a:prstGeom prst="rect">
+            <a:avLst/>
+          </a:prstGeom>
+          <a:noFill/>
+        </p:spPr>
+        <p:txBody>
+          <a:bodyPr wrap="none" rtlCol="0">
+            <a:spAutoFit/>
+          </a:bodyPr>
+          <a:lstStyle/>
+          <a:p>
+            <a:r>
+              <a:rPr lang="fr-FR" sz="1100" b="0" dirty="0"/>
+              <a:t>Liaison à définir</a:t>
+            </a:r>
+            <a:endParaRPr lang="fr-FR" sz="1100" dirty="0"/>
+          </a:p>
+        </p:txBody>
+      </p:sp>
+    </p:spTree>
+    <p:extLst>
+      <p:ext uri="{BB962C8B-B14F-4D97-AF65-F5344CB8AC3E}">
+        <p14:creationId xmlns:p14="http://schemas.microsoft.com/office/powerpoint/2010/main" val="1567687556"/>
+      </p:ext>
+    </p:extLst>
+  </p:cSld>
+  <p:clrMapOvr>
+    <a:masterClrMapping/>
+  </p:clrMapOvr>
+</p:sld>
+</file>
+
+<file path=ppt/slides/slide2.xml><?xml version="1.0" encoding="utf-8"?>
 <p:sld xmlns:a="http://schemas.openxmlformats.org/drawingml/2006/main" xmlns:r="http://schemas.openxmlformats.org/officeDocument/2006/relationships" xmlns:p="http://schemas.openxmlformats.org/presentationml/2006/main">
   <p:cSld>
     <p:spTree>
@@ -4192,7 +7371,7 @@
                           <m:chr m:val="⃗"/>
                           <m:ctrlPr>
                             <a:rPr lang="fr-FR" sz="1000" b="0" i="1" smtClean="0">
-                              <a:latin typeface="Cambria Math"/>
+                              <a:latin typeface="Cambria Math" panose="02040503050406030204" pitchFamily="18" charset="0"/>
                             </a:rPr>
                           </m:ctrlPr>
                         </m:accPr>
@@ -4201,7 +7380,7 @@
                             <m:sSubPr>
                               <m:ctrlPr>
                                 <a:rPr lang="fr-FR" sz="1000" i="1">
-                                  <a:latin typeface="Cambria Math"/>
+                                  <a:latin typeface="Cambria Math" panose="02040503050406030204" pitchFamily="18" charset="0"/>
                                 </a:rPr>
                               </m:ctrlPr>
                             </m:sSubPr>
@@ -4361,7 +7540,7 @@
                           <m:chr m:val="⃗"/>
                           <m:ctrlPr>
                             <a:rPr lang="fr-FR" sz="1000" b="0" i="1" smtClean="0">
-                              <a:latin typeface="Cambria Math"/>
+                              <a:latin typeface="Cambria Math" panose="02040503050406030204" pitchFamily="18" charset="0"/>
                             </a:rPr>
                           </m:ctrlPr>
                         </m:accPr>
@@ -4370,7 +7549,7 @@
                             <m:sSubPr>
                               <m:ctrlPr>
                                 <a:rPr lang="fr-FR" sz="1000" i="1">
-                                  <a:latin typeface="Cambria Math"/>
+                                  <a:latin typeface="Cambria Math" panose="02040503050406030204" pitchFamily="18" charset="0"/>
                                 </a:rPr>
                               </m:ctrlPr>
                             </m:sSubPr>
@@ -4476,7 +7655,7 @@
                           <m:chr m:val="⃗"/>
                           <m:ctrlPr>
                             <a:rPr lang="fr-FR" sz="1000" b="0" i="1" smtClean="0">
-                              <a:latin typeface="Cambria Math"/>
+                              <a:latin typeface="Cambria Math" panose="02040503050406030204" pitchFamily="18" charset="0"/>
                             </a:rPr>
                           </m:ctrlPr>
                         </m:accPr>
@@ -4485,7 +7664,7 @@
                             <m:sSubPr>
                               <m:ctrlPr>
                                 <a:rPr lang="fr-FR" sz="1000" i="1">
-                                  <a:latin typeface="Cambria Math"/>
+                                  <a:latin typeface="Cambria Math" panose="02040503050406030204" pitchFamily="18" charset="0"/>
                                 </a:rPr>
                               </m:ctrlPr>
                             </m:sSubPr>
@@ -4519,7 +7698,7 @@
                           <m:chr m:val="⃗"/>
                           <m:ctrlPr>
                             <a:rPr lang="fr-FR" sz="1000" i="1">
-                              <a:latin typeface="Cambria Math"/>
+                              <a:latin typeface="Cambria Math" panose="02040503050406030204" pitchFamily="18" charset="0"/>
                             </a:rPr>
                           </m:ctrlPr>
                         </m:accPr>
@@ -4528,7 +7707,7 @@
                             <m:sSubPr>
                               <m:ctrlPr>
                                 <a:rPr lang="fr-FR" sz="1000" b="0" i="1" smtClean="0">
-                                  <a:latin typeface="Cambria Math"/>
+                                  <a:latin typeface="Cambria Math" panose="02040503050406030204" pitchFamily="18" charset="0"/>
                                 </a:rPr>
                               </m:ctrlPr>
                             </m:sSubPr>
@@ -4640,7 +7819,7 @@
                           <m:chr m:val="⃗"/>
                           <m:ctrlPr>
                             <a:rPr lang="fr-FR" sz="1000" b="0" i="1" smtClean="0">
-                              <a:latin typeface="Cambria Math"/>
+                              <a:latin typeface="Cambria Math" panose="02040503050406030204" pitchFamily="18" charset="0"/>
                             </a:rPr>
                           </m:ctrlPr>
                         </m:accPr>
@@ -4649,7 +7828,7 @@
                             <m:sSubPr>
                               <m:ctrlPr>
                                 <a:rPr lang="fr-FR" sz="1000" i="1">
-                                  <a:latin typeface="Cambria Math"/>
+                                  <a:latin typeface="Cambria Math" panose="02040503050406030204" pitchFamily="18" charset="0"/>
                                 </a:rPr>
                               </m:ctrlPr>
                             </m:sSubPr>
@@ -4761,7 +7940,7 @@
                           <m:chr m:val="⃗"/>
                           <m:ctrlPr>
                             <a:rPr lang="fr-FR" sz="1000" b="0" i="1" smtClean="0">
-                              <a:latin typeface="Cambria Math"/>
+                              <a:latin typeface="Cambria Math" panose="02040503050406030204" pitchFamily="18" charset="0"/>
                             </a:rPr>
                           </m:ctrlPr>
                         </m:accPr>
@@ -4770,7 +7949,7 @@
                             <m:sSubPr>
                               <m:ctrlPr>
                                 <a:rPr lang="fr-FR" sz="1000" i="1">
-                                  <a:latin typeface="Cambria Math"/>
+                                  <a:latin typeface="Cambria Math" panose="02040503050406030204" pitchFamily="18" charset="0"/>
                                 </a:rPr>
                               </m:ctrlPr>
                             </m:sSubPr>
@@ -4876,7 +8055,7 @@
                           <m:chr m:val="⃗"/>
                           <m:ctrlPr>
                             <a:rPr lang="fr-FR" sz="1000" b="0" i="1" smtClean="0">
-                              <a:latin typeface="Cambria Math"/>
+                              <a:latin typeface="Cambria Math" panose="02040503050406030204" pitchFamily="18" charset="0"/>
                             </a:rPr>
                           </m:ctrlPr>
                         </m:accPr>
@@ -4885,7 +8064,7 @@
                             <m:sSubPr>
                               <m:ctrlPr>
                                 <a:rPr lang="fr-FR" sz="1000" i="1">
-                                  <a:latin typeface="Cambria Math"/>
+                                  <a:latin typeface="Cambria Math" panose="02040503050406030204" pitchFamily="18" charset="0"/>
                                 </a:rPr>
                               </m:ctrlPr>
                             </m:sSubPr>
@@ -4991,7 +8170,7 @@
                           <m:chr m:val="⃗"/>
                           <m:ctrlPr>
                             <a:rPr lang="fr-FR" sz="1000" b="0" i="1" smtClean="0">
-                              <a:latin typeface="Cambria Math"/>
+                              <a:latin typeface="Cambria Math" panose="02040503050406030204" pitchFamily="18" charset="0"/>
                             </a:rPr>
                           </m:ctrlPr>
                         </m:accPr>
@@ -5000,7 +8179,7 @@
                             <m:sSubPr>
                               <m:ctrlPr>
                                 <a:rPr lang="fr-FR" sz="1000" i="1">
-                                  <a:latin typeface="Cambria Math"/>
+                                  <a:latin typeface="Cambria Math" panose="02040503050406030204" pitchFamily="18" charset="0"/>
                                 </a:rPr>
                               </m:ctrlPr>
                             </m:sSubPr>
@@ -5112,7 +8291,7 @@
                           <m:chr m:val="⃗"/>
                           <m:ctrlPr>
                             <a:rPr lang="fr-FR" sz="1000" b="0" i="1" smtClean="0">
-                              <a:latin typeface="Cambria Math"/>
+                              <a:latin typeface="Cambria Math" panose="02040503050406030204" pitchFamily="18" charset="0"/>
                             </a:rPr>
                           </m:ctrlPr>
                         </m:accPr>
@@ -5121,7 +8300,7 @@
                             <m:sSubPr>
                               <m:ctrlPr>
                                 <a:rPr lang="fr-FR" sz="1000" i="1">
-                                  <a:latin typeface="Cambria Math"/>
+                                  <a:latin typeface="Cambria Math" panose="02040503050406030204" pitchFamily="18" charset="0"/>
                                 </a:rPr>
                               </m:ctrlPr>
                             </m:sSubPr>
@@ -5227,7 +8406,7 @@
                           <m:chr m:val="⃗"/>
                           <m:ctrlPr>
                             <a:rPr lang="fr-FR" sz="1000" b="0" i="1" smtClean="0">
-                              <a:latin typeface="Cambria Math"/>
+                              <a:latin typeface="Cambria Math" panose="02040503050406030204" pitchFamily="18" charset="0"/>
                             </a:rPr>
                           </m:ctrlPr>
                         </m:accPr>
@@ -5236,7 +8415,7 @@
                             <m:sSubPr>
                               <m:ctrlPr>
                                 <a:rPr lang="fr-FR" sz="1000" i="1">
-                                  <a:latin typeface="Cambria Math"/>
+                                  <a:latin typeface="Cambria Math" panose="02040503050406030204" pitchFamily="18" charset="0"/>
                                 </a:rPr>
                               </m:ctrlPr>
                             </m:sSubPr>
@@ -5342,7 +8521,7 @@
                           <m:chr m:val="⃗"/>
                           <m:ctrlPr>
                             <a:rPr lang="fr-FR" sz="1000" b="0" i="1" smtClean="0">
-                              <a:latin typeface="Cambria Math"/>
+                              <a:latin typeface="Cambria Math" panose="02040503050406030204" pitchFamily="18" charset="0"/>
                             </a:rPr>
                           </m:ctrlPr>
                         </m:accPr>
@@ -5351,7 +8530,7 @@
                             <m:sSubPr>
                               <m:ctrlPr>
                                 <a:rPr lang="fr-FR" sz="1000" i="1">
-                                  <a:latin typeface="Cambria Math"/>
+                                  <a:latin typeface="Cambria Math" panose="02040503050406030204" pitchFamily="18" charset="0"/>
                                 </a:rPr>
                               </m:ctrlPr>
                             </m:sSubPr>
@@ -5456,7 +8635,7 @@
                         <m:sSubPr>
                           <m:ctrlPr>
                             <a:rPr lang="fr-FR" sz="1000" b="0" i="1" smtClean="0">
-                              <a:latin typeface="Cambria Math"/>
+                              <a:latin typeface="Cambria Math" panose="02040503050406030204" pitchFamily="18" charset="0"/>
                             </a:rPr>
                           </m:ctrlPr>
                         </m:sSubPr>
@@ -5559,7 +8738,7 @@
                         <m:sSubPr>
                           <m:ctrlPr>
                             <a:rPr lang="fr-FR" sz="1000" b="0" i="1" smtClean="0">
-                              <a:latin typeface="Cambria Math"/>
+                              <a:latin typeface="Cambria Math" panose="02040503050406030204" pitchFamily="18" charset="0"/>
                             </a:rPr>
                           </m:ctrlPr>
                         </m:sSubPr>
@@ -5662,7 +8841,7 @@
                         <m:sSubPr>
                           <m:ctrlPr>
                             <a:rPr lang="fr-FR" sz="1000" b="0" i="1" smtClean="0">
-                              <a:latin typeface="Cambria Math"/>
+                              <a:latin typeface="Cambria Math" panose="02040503050406030204" pitchFamily="18" charset="0"/>
                             </a:rPr>
                           </m:ctrlPr>
                         </m:sSubPr>
@@ -5812,7 +8991,7 @@
                         <m:sSubPr>
                           <m:ctrlPr>
                             <a:rPr lang="fr-FR" sz="1000" b="0" i="1" smtClean="0">
-                              <a:latin typeface="Cambria Math"/>
+                              <a:latin typeface="Cambria Math" panose="02040503050406030204" pitchFamily="18" charset="0"/>
                             </a:rPr>
                           </m:ctrlPr>
                         </m:sSubPr>
@@ -5916,7 +9095,7 @@
                           <m:chr m:val="⃗"/>
                           <m:ctrlPr>
                             <a:rPr lang="fr-FR" sz="1000" b="0" i="1" smtClean="0">
-                              <a:latin typeface="Cambria Math"/>
+                              <a:latin typeface="Cambria Math" panose="02040503050406030204" pitchFamily="18" charset="0"/>
                             </a:rPr>
                           </m:ctrlPr>
                         </m:accPr>
@@ -5925,7 +9104,7 @@
                             <m:sSubPr>
                               <m:ctrlPr>
                                 <a:rPr lang="fr-FR" sz="1000" i="1">
-                                  <a:latin typeface="Cambria Math"/>
+                                  <a:latin typeface="Cambria Math" panose="02040503050406030204" pitchFamily="18" charset="0"/>
                                 </a:rPr>
                               </m:ctrlPr>
                             </m:sSubPr>
@@ -6031,7 +9210,7 @@
                           <m:chr m:val="⃗"/>
                           <m:ctrlPr>
                             <a:rPr lang="fr-FR" sz="800" b="0" i="1" smtClean="0">
-                              <a:latin typeface="Cambria Math"/>
+                              <a:latin typeface="Cambria Math" panose="02040503050406030204" pitchFamily="18" charset="0"/>
                             </a:rPr>
                           </m:ctrlPr>
                         </m:accPr>
@@ -6040,7 +9219,7 @@
                             <m:sSubPr>
                               <m:ctrlPr>
                                 <a:rPr lang="fr-FR" sz="800" i="1">
-                                  <a:latin typeface="Cambria Math"/>
+                                  <a:latin typeface="Cambria Math" panose="02040503050406030204" pitchFamily="18" charset="0"/>
                                 </a:rPr>
                               </m:ctrlPr>
                             </m:sSubPr>
@@ -6074,7 +9253,7 @@
                           <m:chr m:val="⃗"/>
                           <m:ctrlPr>
                             <a:rPr lang="fr-FR" sz="800" i="1">
-                              <a:latin typeface="Cambria Math"/>
+                              <a:latin typeface="Cambria Math" panose="02040503050406030204" pitchFamily="18" charset="0"/>
                             </a:rPr>
                           </m:ctrlPr>
                         </m:accPr>
@@ -6083,7 +9262,7 @@
                             <m:sSubPr>
                               <m:ctrlPr>
                                 <a:rPr lang="fr-FR" sz="800" i="1">
-                                  <a:latin typeface="Cambria Math"/>
+                                  <a:latin typeface="Cambria Math" panose="02040503050406030204" pitchFamily="18" charset="0"/>
                                 </a:rPr>
                               </m:ctrlPr>
                             </m:sSubPr>
@@ -6117,7 +9296,7 @@
                           <m:chr m:val="⃗"/>
                           <m:ctrlPr>
                             <a:rPr lang="fr-FR" sz="800" i="1">
-                              <a:latin typeface="Cambria Math"/>
+                              <a:latin typeface="Cambria Math" panose="02040503050406030204" pitchFamily="18" charset="0"/>
                             </a:rPr>
                           </m:ctrlPr>
                         </m:accPr>
@@ -6126,7 +9305,7 @@
                             <m:sSubPr>
                               <m:ctrlPr>
                                 <a:rPr lang="fr-FR" sz="800" i="1">
-                                  <a:latin typeface="Cambria Math"/>
+                                  <a:latin typeface="Cambria Math" panose="02040503050406030204" pitchFamily="18" charset="0"/>
                                 </a:rPr>
                               </m:ctrlPr>
                             </m:sSubPr>
@@ -6231,7 +9410,7 @@
                         <m:sSupPr>
                           <m:ctrlPr>
                             <a:rPr lang="fr-FR" sz="1000" b="0" i="1" smtClean="0">
-                              <a:latin typeface="Cambria Math"/>
+                              <a:latin typeface="Cambria Math" panose="02040503050406030204" pitchFamily="18" charset="0"/>
                             </a:rPr>
                           </m:ctrlPr>
                         </m:sSupPr>
@@ -6241,7 +9420,7 @@
                               <m:chr m:val="⃗"/>
                               <m:ctrlPr>
                                 <a:rPr lang="fr-FR" sz="1000" b="0" i="1" smtClean="0">
-                                  <a:latin typeface="Cambria Math"/>
+                                  <a:latin typeface="Cambria Math" panose="02040503050406030204" pitchFamily="18" charset="0"/>
                                 </a:rPr>
                               </m:ctrlPr>
                             </m:accPr>
@@ -6250,7 +9429,7 @@
                                 <m:sSubPr>
                                   <m:ctrlPr>
                                     <a:rPr lang="fr-FR" sz="1000" i="1">
-                                      <a:latin typeface="Cambria Math"/>
+                                      <a:latin typeface="Cambria Math" panose="02040503050406030204" pitchFamily="18" charset="0"/>
                                     </a:rPr>
                                   </m:ctrlPr>
                                 </m:sSubPr>
@@ -6294,7 +9473,7 @@
                           <m:chr m:val="⃗"/>
                           <m:ctrlPr>
                             <a:rPr lang="fr-FR" sz="1000" i="1">
-                              <a:latin typeface="Cambria Math"/>
+                              <a:latin typeface="Cambria Math" panose="02040503050406030204" pitchFamily="18" charset="0"/>
                             </a:rPr>
                           </m:ctrlPr>
                         </m:accPr>
@@ -6303,7 +9482,7 @@
                             <m:sSubPr>
                               <m:ctrlPr>
                                 <a:rPr lang="fr-FR" sz="1000" i="1">
-                                  <a:latin typeface="Cambria Math"/>
+                                  <a:latin typeface="Cambria Math" panose="02040503050406030204" pitchFamily="18" charset="0"/>
                                 </a:rPr>
                               </m:ctrlPr>
                             </m:sSubPr>
@@ -6408,7 +9587,7 @@
                         <m:sSupPr>
                           <m:ctrlPr>
                             <a:rPr lang="fr-FR" sz="1000" b="0" i="1" smtClean="0">
-                              <a:latin typeface="Cambria Math"/>
+                              <a:latin typeface="Cambria Math" panose="02040503050406030204" pitchFamily="18" charset="0"/>
                             </a:rPr>
                           </m:ctrlPr>
                         </m:sSupPr>
@@ -6418,7 +9597,7 @@
                               <m:chr m:val="⃗"/>
                               <m:ctrlPr>
                                 <a:rPr lang="fr-FR" sz="1000" b="0" i="1" smtClean="0">
-                                  <a:latin typeface="Cambria Math"/>
+                                  <a:latin typeface="Cambria Math" panose="02040503050406030204" pitchFamily="18" charset="0"/>
                                 </a:rPr>
                               </m:ctrlPr>
                             </m:accPr>
@@ -6427,7 +9606,7 @@
                                 <m:sSubPr>
                                   <m:ctrlPr>
                                     <a:rPr lang="fr-FR" sz="1000" i="1">
-                                      <a:latin typeface="Cambria Math"/>
+                                      <a:latin typeface="Cambria Math" panose="02040503050406030204" pitchFamily="18" charset="0"/>
                                     </a:rPr>
                                   </m:ctrlPr>
                                 </m:sSubPr>
@@ -6471,7 +9650,7 @@
                           <m:chr m:val="⃗"/>
                           <m:ctrlPr>
                             <a:rPr lang="fr-FR" sz="1000" i="1">
-                              <a:latin typeface="Cambria Math"/>
+                              <a:latin typeface="Cambria Math" panose="02040503050406030204" pitchFamily="18" charset="0"/>
                             </a:rPr>
                           </m:ctrlPr>
                         </m:accPr>
@@ -6480,7 +9659,7 @@
                             <m:sSubPr>
                               <m:ctrlPr>
                                 <a:rPr lang="fr-FR" sz="1000" i="1">
-                                  <a:latin typeface="Cambria Math"/>
+                                  <a:latin typeface="Cambria Math" panose="02040503050406030204" pitchFamily="18" charset="0"/>
                                 </a:rPr>
                               </m:ctrlPr>
                             </m:sSubPr>
@@ -6586,7 +9765,7 @@
                           <m:chr m:val="⃗"/>
                           <m:ctrlPr>
                             <a:rPr lang="fr-FR" sz="1000" b="0" i="1" smtClean="0">
-                              <a:latin typeface="Cambria Math"/>
+                              <a:latin typeface="Cambria Math" panose="02040503050406030204" pitchFamily="18" charset="0"/>
                             </a:rPr>
                           </m:ctrlPr>
                         </m:accPr>
@@ -6595,7 +9774,7 @@
                             <m:sSubPr>
                               <m:ctrlPr>
                                 <a:rPr lang="fr-FR" sz="1000" i="1">
-                                  <a:latin typeface="Cambria Math"/>
+                                  <a:latin typeface="Cambria Math" panose="02040503050406030204" pitchFamily="18" charset="0"/>
                                 </a:rPr>
                               </m:ctrlPr>
                             </m:sSubPr>
@@ -6701,7 +9880,7 @@
                           <m:chr m:val="⃗"/>
                           <m:ctrlPr>
                             <a:rPr lang="fr-FR" sz="1000" b="0" i="1" smtClean="0">
-                              <a:latin typeface="Cambria Math"/>
+                              <a:latin typeface="Cambria Math" panose="02040503050406030204" pitchFamily="18" charset="0"/>
                             </a:rPr>
                           </m:ctrlPr>
                         </m:accPr>
@@ -6710,7 +9889,7 @@
                             <m:sSubPr>
                               <m:ctrlPr>
                                 <a:rPr lang="fr-FR" sz="1000" i="1">
-                                  <a:latin typeface="Cambria Math"/>
+                                  <a:latin typeface="Cambria Math" panose="02040503050406030204" pitchFamily="18" charset="0"/>
                                 </a:rPr>
                               </m:ctrlPr>
                             </m:sSubPr>
@@ -6816,7 +9995,7 @@
                           <m:chr m:val="⃗"/>
                           <m:ctrlPr>
                             <a:rPr lang="fr-FR" sz="1000" b="0" i="1" smtClean="0">
-                              <a:latin typeface="Cambria Math"/>
+                              <a:latin typeface="Cambria Math" panose="02040503050406030204" pitchFamily="18" charset="0"/>
                             </a:rPr>
                           </m:ctrlPr>
                         </m:accPr>
@@ -6825,7 +10004,7 @@
                             <m:sSubPr>
                               <m:ctrlPr>
                                 <a:rPr lang="fr-FR" sz="1000" i="1">
-                                  <a:latin typeface="Cambria Math"/>
+                                  <a:latin typeface="Cambria Math" panose="02040503050406030204" pitchFamily="18" charset="0"/>
                                 </a:rPr>
                               </m:ctrlPr>
                             </m:sSubPr>
@@ -6908,7 +10087,7 @@
 </p:sld>
 </file>
 
-<file path=ppt/slides/slide2.xml><?xml version="1.0" encoding="utf-8"?>
+<file path=ppt/slides/slide3.xml><?xml version="1.0" encoding="utf-8"?>
 <p:sld xmlns:a="http://schemas.openxmlformats.org/drawingml/2006/main" xmlns:r="http://schemas.openxmlformats.org/officeDocument/2006/relationships" xmlns:p="http://schemas.openxmlformats.org/presentationml/2006/main">
   <p:cSld>
     <p:spTree>
@@ -6975,18 +10154,13 @@
           <a:p>
             <a:pPr algn="ctr"/>
             <a:r>
-              <a:rPr lang="fr-FR" sz="1000" dirty="0" smtClean="0">
+              <a:rPr lang="fr-FR" sz="1000" dirty="0">
                 <a:solidFill>
                   <a:sysClr val="windowText" lastClr="000000"/>
                 </a:solidFill>
               </a:rPr>
               <a:t>Domaine du client</a:t>
             </a:r>
-            <a:endParaRPr lang="fr-FR" sz="1000" dirty="0">
-              <a:solidFill>
-                <a:sysClr val="windowText" lastClr="000000"/>
-              </a:solidFill>
-            </a:endParaRPr>
           </a:p>
         </p:txBody>
       </p:sp>
@@ -7159,18 +10333,13 @@
           <a:p>
             <a:pPr algn="ctr"/>
             <a:r>
-              <a:rPr lang="fr-FR" sz="1000" dirty="0" smtClean="0">
+              <a:rPr lang="fr-FR" sz="1000" dirty="0">
                 <a:solidFill>
                   <a:sysClr val="windowText" lastClr="000000"/>
                 </a:solidFill>
               </a:rPr>
               <a:t>Domaine de la modélisation</a:t>
             </a:r>
-            <a:endParaRPr lang="fr-FR" sz="1000" dirty="0">
-              <a:solidFill>
-                <a:sysClr val="windowText" lastClr="000000"/>
-              </a:solidFill>
-            </a:endParaRPr>
           </a:p>
         </p:txBody>
       </p:sp>
@@ -7277,18 +10446,13 @@
           <a:p>
             <a:pPr algn="ctr"/>
             <a:r>
-              <a:rPr lang="fr-FR" sz="1000" b="1" dirty="0" smtClean="0">
+              <a:rPr lang="fr-FR" sz="1000" b="1" dirty="0">
                 <a:solidFill>
                   <a:sysClr val="windowText" lastClr="000000"/>
                 </a:solidFill>
               </a:rPr>
               <a:t>Couple moteur calculé</a:t>
             </a:r>
-            <a:endParaRPr lang="fr-FR" sz="1000" b="1" dirty="0">
-              <a:solidFill>
-                <a:sysClr val="windowText" lastClr="000000"/>
-              </a:solidFill>
-            </a:endParaRPr>
           </a:p>
         </p:txBody>
       </p:sp>
@@ -7416,18 +10580,13 @@
           <a:p>
             <a:pPr algn="ctr"/>
             <a:r>
-              <a:rPr lang="fr-FR" sz="1100" b="1" dirty="0" smtClean="0">
+              <a:rPr lang="fr-FR" sz="1100" b="1" dirty="0">
                 <a:solidFill>
                   <a:sysClr val="windowText" lastClr="000000"/>
                 </a:solidFill>
               </a:rPr>
               <a:t>Exigence validée ?</a:t>
             </a:r>
-            <a:endParaRPr lang="fr-FR" sz="1100" b="1" dirty="0">
-              <a:solidFill>
-                <a:sysClr val="windowText" lastClr="000000"/>
-              </a:solidFill>
-            </a:endParaRPr>
           </a:p>
         </p:txBody>
       </p:sp>
@@ -7493,18 +10652,13 @@
           <a:p>
             <a:pPr algn="ctr"/>
             <a:r>
-              <a:rPr lang="fr-FR" sz="1100" b="1" dirty="0" smtClean="0">
+              <a:rPr lang="fr-FR" sz="1100" b="1" dirty="0">
                 <a:solidFill>
                   <a:sysClr val="windowText" lastClr="000000"/>
                 </a:solidFill>
               </a:rPr>
               <a:t>Marge d’utilisation</a:t>
             </a:r>
-            <a:endParaRPr lang="fr-FR" sz="1100" b="1" dirty="0">
-              <a:solidFill>
-                <a:sysClr val="windowText" lastClr="000000"/>
-              </a:solidFill>
-            </a:endParaRPr>
           </a:p>
         </p:txBody>
       </p:sp>
@@ -7521,7 +10675,7 @@
 </p:sld>
 </file>
 
-<file path=ppt/slides/slide3.xml><?xml version="1.0" encoding="utf-8"?>
+<file path=ppt/slides/slide4.xml><?xml version="1.0" encoding="utf-8"?>
 <p:sld xmlns:a="http://schemas.openxmlformats.org/drawingml/2006/main" xmlns:r="http://schemas.openxmlformats.org/officeDocument/2006/relationships" xmlns:p="http://schemas.openxmlformats.org/presentationml/2006/main">
   <p:cSld>
     <p:spTree>
@@ -7588,18 +10742,13 @@
           <a:p>
             <a:pPr algn="ctr"/>
             <a:r>
-              <a:rPr lang="fr-FR" sz="1000" dirty="0" smtClean="0">
+              <a:rPr lang="fr-FR" sz="1000" dirty="0">
                 <a:solidFill>
                   <a:sysClr val="windowText" lastClr="000000"/>
                 </a:solidFill>
               </a:rPr>
               <a:t>Domaine du client</a:t>
             </a:r>
-            <a:endParaRPr lang="fr-FR" sz="1000" dirty="0">
-              <a:solidFill>
-                <a:sysClr val="windowText" lastClr="000000"/>
-              </a:solidFill>
-            </a:endParaRPr>
           </a:p>
         </p:txBody>
       </p:sp>
@@ -7708,18 +10857,13 @@
           <a:p>
             <a:pPr algn="ctr"/>
             <a:r>
-              <a:rPr lang="fr-FR" sz="1000" dirty="0" smtClean="0">
+              <a:rPr lang="fr-FR" sz="1000" dirty="0">
                 <a:solidFill>
                   <a:sysClr val="windowText" lastClr="000000"/>
                 </a:solidFill>
               </a:rPr>
               <a:t>Domaine de la modélisation</a:t>
             </a:r>
-            <a:endParaRPr lang="fr-FR" sz="1000" dirty="0">
-              <a:solidFill>
-                <a:sysClr val="windowText" lastClr="000000"/>
-              </a:solidFill>
-            </a:endParaRPr>
           </a:p>
         </p:txBody>
       </p:sp>
@@ -7826,7 +10970,7 @@
           <a:p>
             <a:pPr algn="ctr"/>
             <a:r>
-              <a:rPr lang="fr-FR" sz="1000" b="1" dirty="0" smtClean="0">
+              <a:rPr lang="fr-FR" sz="1000" b="1" dirty="0">
                 <a:solidFill>
                   <a:sysClr val="windowText" lastClr="000000"/>
                 </a:solidFill>
@@ -7925,18 +11069,13 @@
           <a:p>
             <a:pPr algn="ctr"/>
             <a:r>
-              <a:rPr lang="fr-FR" sz="1000" dirty="0" smtClean="0">
+              <a:rPr lang="fr-FR" sz="1000" dirty="0">
                 <a:solidFill>
                   <a:sysClr val="windowText" lastClr="000000"/>
                 </a:solidFill>
               </a:rPr>
               <a:t>Domaine de l’expérimentation</a:t>
             </a:r>
-            <a:endParaRPr lang="fr-FR" sz="1000" dirty="0">
-              <a:solidFill>
-                <a:sysClr val="windowText" lastClr="000000"/>
-              </a:solidFill>
-            </a:endParaRPr>
           </a:p>
         </p:txBody>
       </p:sp>
@@ -8047,18 +11186,13 @@
           <a:p>
             <a:pPr algn="ctr"/>
             <a:r>
-              <a:rPr lang="fr-FR" sz="1000" b="1" dirty="0" smtClean="0">
+              <a:rPr lang="fr-FR" sz="1000" b="1" dirty="0">
                 <a:solidFill>
                   <a:sysClr val="windowText" lastClr="000000"/>
                 </a:solidFill>
               </a:rPr>
               <a:t>Calibration du poids de E.</a:t>
             </a:r>
-            <a:endParaRPr lang="fr-FR" sz="1000" b="1" dirty="0">
-              <a:solidFill>
-                <a:sysClr val="windowText" lastClr="000000"/>
-              </a:solidFill>
-            </a:endParaRPr>
           </a:p>
         </p:txBody>
       </p:sp>
@@ -8117,7 +11251,7 @@
               <a:p>
                 <a:pPr algn="ctr"/>
                 <a:r>
-                  <a:rPr lang="fr-FR" sz="900" dirty="0" smtClean="0">
+                  <a:rPr lang="fr-FR" sz="900" dirty="0">
                     <a:solidFill>
                       <a:sysClr val="windowText" lastClr="000000"/>
                     </a:solidFill>
@@ -8128,7 +11262,7 @@
               <a:p>
                 <a:pPr algn="ctr"/>
                 <a:r>
-                  <a:rPr lang="fr-FR" sz="1050" b="1" dirty="0" smtClean="0">
+                  <a:rPr lang="fr-FR" sz="1050" b="1" dirty="0">
                     <a:solidFill>
                       <a:sysClr val="windowText" lastClr="000000"/>
                     </a:solidFill>
@@ -8138,7 +11272,7 @@
               </a:p>
               <a:p>
                 <a:pPr algn="ctr"/>
-                <a:endParaRPr lang="fr-FR" sz="1050" b="1" dirty="0" smtClean="0">
+                <a:endParaRPr lang="fr-FR" sz="1050" b="1" dirty="0">
                   <a:solidFill>
                     <a:sysClr val="windowText" lastClr="000000"/>
                   </a:solidFill>
@@ -8147,7 +11281,7 @@
               <a:p>
                 <a:pPr algn="ctr"/>
                 <a:r>
-                  <a:rPr lang="fr-FR" sz="1050" b="1" dirty="0" smtClean="0">
+                  <a:rPr lang="fr-FR" sz="1050" b="1" dirty="0">
                     <a:solidFill>
                       <a:sysClr val="windowText" lastClr="000000"/>
                     </a:solidFill>
@@ -8174,7 +11308,7 @@
                             <a:solidFill>
                               <a:schemeClr val="tx1"/>
                             </a:solidFill>
-                            <a:latin typeface="Cambria Math"/>
+                            <a:latin typeface="Cambria Math" panose="02040503050406030204" pitchFamily="18" charset="0"/>
                           </a:rPr>
                         </m:ctrlPr>
                       </m:sSubPr>
@@ -8213,20 +11347,12 @@
                   </m:oMath>
                 </a14:m>
                 <a:r>
-                  <a:rPr lang="fr-FR" sz="1000" dirty="0" smtClean="0">
-                    <a:solidFill>
-                      <a:schemeClr val="tx1"/>
-                    </a:solidFill>
-                  </a:rPr>
-                  <a:t> </a:t>
-                </a:r>
-                <a:r>
                   <a:rPr lang="fr-FR" sz="1000" dirty="0">
                     <a:solidFill>
                       <a:schemeClr val="tx1"/>
                     </a:solidFill>
                   </a:rPr>
-                  <a:t>à la valeur de </a:t>
+                  <a:t> à la valeur de </a:t>
                 </a:r>
                 <a14:m>
                   <m:oMath xmlns:m="http://schemas.openxmlformats.org/officeDocument/2006/math">
@@ -8237,7 +11363,7 @@
                             <a:solidFill>
                               <a:schemeClr val="tx1"/>
                             </a:solidFill>
-                            <a:latin typeface="Cambria Math"/>
+                            <a:latin typeface="Cambria Math" panose="02040503050406030204" pitchFamily="18" charset="0"/>
                           </a:rPr>
                         </m:ctrlPr>
                       </m:sSubPr>
@@ -8276,28 +11402,12 @@
                   </m:oMath>
                 </a14:m>
                 <a:r>
-                  <a:rPr lang="fr-FR" sz="1000" dirty="0" smtClean="0">
-                    <a:solidFill>
-                      <a:schemeClr val="tx1"/>
-                    </a:solidFill>
-                  </a:rPr>
-                  <a:t>mesurée </a:t>
-                </a:r>
-                <a:r>
                   <a:rPr lang="fr-FR" sz="1000" dirty="0">
                     <a:solidFill>
                       <a:schemeClr val="tx1"/>
                     </a:solidFill>
                   </a:rPr>
-                  <a:t>sous  </a:t>
-                </a:r>
-                <a:r>
-                  <a:rPr lang="fr-FR" sz="1000" dirty="0" smtClean="0">
-                    <a:solidFill>
-                      <a:schemeClr val="tx1"/>
-                    </a:solidFill>
-                  </a:rPr>
-                  <a:t>« charge ». </a:t>
+                  <a:t>mesurée sous  « charge ». </a:t>
                 </a:r>
                 <a:endParaRPr lang="fr-FR" sz="1000" b="1" dirty="0">
                   <a:solidFill>
@@ -8370,7 +11480,7 @@
 </p:sld>
 </file>
 
-<file path=ppt/slides/slide4.xml><?xml version="1.0" encoding="utf-8"?>
+<file path=ppt/slides/slide5.xml><?xml version="1.0" encoding="utf-8"?>
 <p:sld xmlns:a="http://schemas.openxmlformats.org/drawingml/2006/main" xmlns:r="http://schemas.openxmlformats.org/officeDocument/2006/relationships" xmlns:p="http://schemas.openxmlformats.org/presentationml/2006/main">
   <p:cSld>
     <p:spTree>
@@ -8437,18 +11547,13 @@
           <a:p>
             <a:pPr algn="ctr"/>
             <a:r>
-              <a:rPr lang="fr-FR" sz="1000" dirty="0" smtClean="0">
+              <a:rPr lang="fr-FR" sz="1000" dirty="0">
                 <a:solidFill>
                   <a:sysClr val="windowText" lastClr="000000"/>
                 </a:solidFill>
               </a:rPr>
               <a:t>Domaine du client</a:t>
             </a:r>
-            <a:endParaRPr lang="fr-FR" sz="1000" dirty="0">
-              <a:solidFill>
-                <a:sysClr val="windowText" lastClr="000000"/>
-              </a:solidFill>
-            </a:endParaRPr>
           </a:p>
         </p:txBody>
       </p:sp>
@@ -8557,18 +11662,13 @@
           <a:p>
             <a:pPr algn="ctr"/>
             <a:r>
-              <a:rPr lang="fr-FR" sz="1000" dirty="0" smtClean="0">
+              <a:rPr lang="fr-FR" sz="1000" dirty="0">
                 <a:solidFill>
                   <a:sysClr val="windowText" lastClr="000000"/>
                 </a:solidFill>
               </a:rPr>
               <a:t>Domaine de la modélisation</a:t>
             </a:r>
-            <a:endParaRPr lang="fr-FR" sz="1000" dirty="0">
-              <a:solidFill>
-                <a:sysClr val="windowText" lastClr="000000"/>
-              </a:solidFill>
-            </a:endParaRPr>
           </a:p>
         </p:txBody>
       </p:sp>
@@ -8675,7 +11775,7 @@
           <a:p>
             <a:pPr algn="ctr"/>
             <a:r>
-              <a:rPr lang="fr-FR" sz="1000" b="1" dirty="0" smtClean="0">
+              <a:rPr lang="fr-FR" sz="1000" b="1" dirty="0">
                 <a:solidFill>
                   <a:sysClr val="windowText" lastClr="000000"/>
                 </a:solidFill>
@@ -8774,18 +11874,13 @@
           <a:p>
             <a:pPr algn="ctr"/>
             <a:r>
-              <a:rPr lang="fr-FR" sz="1000" dirty="0" smtClean="0">
+              <a:rPr lang="fr-FR" sz="1000" dirty="0">
                 <a:solidFill>
                   <a:sysClr val="windowText" lastClr="000000"/>
                 </a:solidFill>
               </a:rPr>
               <a:t>Domaine de l’expérimentation</a:t>
             </a:r>
-            <a:endParaRPr lang="fr-FR" sz="1000" dirty="0">
-              <a:solidFill>
-                <a:sysClr val="windowText" lastClr="000000"/>
-              </a:solidFill>
-            </a:endParaRPr>
           </a:p>
         </p:txBody>
       </p:sp>
@@ -8896,18 +11991,13 @@
           <a:p>
             <a:pPr algn="ctr"/>
             <a:r>
-              <a:rPr lang="fr-FR" sz="1000" b="1" dirty="0" smtClean="0">
+              <a:rPr lang="fr-FR" sz="1000" b="1" dirty="0">
                 <a:solidFill>
                   <a:sysClr val="windowText" lastClr="000000"/>
                 </a:solidFill>
               </a:rPr>
               <a:t>Calibration du poids de E.</a:t>
             </a:r>
-            <a:endParaRPr lang="fr-FR" sz="1000" b="1" dirty="0">
-              <a:solidFill>
-                <a:sysClr val="windowText" lastClr="000000"/>
-              </a:solidFill>
-            </a:endParaRPr>
           </a:p>
         </p:txBody>
       </p:sp>
@@ -8964,7 +12054,7 @@
           <a:p>
             <a:pPr algn="ctr"/>
             <a:r>
-              <a:rPr lang="fr-FR" sz="900" dirty="0" smtClean="0">
+              <a:rPr lang="fr-FR" sz="900" dirty="0">
                 <a:solidFill>
                   <a:sysClr val="windowText" lastClr="000000"/>
                 </a:solidFill>
@@ -8975,7 +12065,7 @@
           <a:p>
             <a:pPr algn="ctr"/>
             <a:r>
-              <a:rPr lang="fr-FR" sz="1050" b="1" dirty="0" smtClean="0">
+              <a:rPr lang="fr-FR" sz="1050" b="1" dirty="0">
                 <a:solidFill>
                   <a:sysClr val="windowText" lastClr="000000"/>
                 </a:solidFill>
@@ -8985,7 +12075,7 @@
           </a:p>
           <a:p>
             <a:pPr algn="ctr"/>
-            <a:endParaRPr lang="fr-FR" sz="1050" b="1" dirty="0" smtClean="0">
+            <a:endParaRPr lang="fr-FR" sz="1050" b="1" dirty="0">
               <a:solidFill>
                 <a:sysClr val="windowText" lastClr="000000"/>
               </a:solidFill>
@@ -8994,7 +12084,7 @@
           <a:p>
             <a:pPr algn="ctr"/>
             <a:r>
-              <a:rPr lang="fr-FR" sz="1050" b="1" dirty="0" smtClean="0">
+              <a:rPr lang="fr-FR" sz="1050" b="1" dirty="0">
                 <a:solidFill>
                   <a:sysClr val="windowText" lastClr="000000"/>
                 </a:solidFill>
@@ -9005,7 +12095,7 @@
           <a:p>
             <a:pPr algn="ctr"/>
             <a:r>
-              <a:rPr lang="fr-FR" sz="1000" smtClean="0">
+              <a:rPr lang="fr-FR" sz="1000">
                 <a:solidFill>
                   <a:schemeClr val="tx1"/>
                 </a:solidFill>
@@ -9033,7 +12123,7 @@
 </p:sld>
 </file>
 
-<file path=ppt/slides/slide5.xml><?xml version="1.0" encoding="utf-8"?>
+<file path=ppt/slides/slide6.xml><?xml version="1.0" encoding="utf-8"?>
 <p:sld xmlns:a="http://schemas.openxmlformats.org/drawingml/2006/main" xmlns:r="http://schemas.openxmlformats.org/officeDocument/2006/relationships" xmlns:p="http://schemas.openxmlformats.org/presentationml/2006/main">
   <p:cSld>
     <p:spTree>
@@ -9100,18 +12190,13 @@
           <a:p>
             <a:pPr algn="ctr"/>
             <a:r>
-              <a:rPr lang="fr-FR" sz="1000" dirty="0" smtClean="0">
+              <a:rPr lang="fr-FR" sz="1000" dirty="0">
                 <a:solidFill>
                   <a:sysClr val="windowText" lastClr="000000"/>
                 </a:solidFill>
               </a:rPr>
               <a:t>Domaine du client</a:t>
             </a:r>
-            <a:endParaRPr lang="fr-FR" sz="1000" dirty="0">
-              <a:solidFill>
-                <a:sysClr val="windowText" lastClr="000000"/>
-              </a:solidFill>
-            </a:endParaRPr>
           </a:p>
         </p:txBody>
       </p:sp>
@@ -9284,18 +12369,13 @@
           <a:p>
             <a:pPr algn="ctr"/>
             <a:r>
-              <a:rPr lang="fr-FR" sz="1000" dirty="0" smtClean="0">
+              <a:rPr lang="fr-FR" sz="1000" dirty="0">
                 <a:solidFill>
                   <a:sysClr val="windowText" lastClr="000000"/>
                 </a:solidFill>
               </a:rPr>
               <a:t>Domaine de la modélisation</a:t>
             </a:r>
-            <a:endParaRPr lang="fr-FR" sz="1000" dirty="0">
-              <a:solidFill>
-                <a:sysClr val="windowText" lastClr="000000"/>
-              </a:solidFill>
-            </a:endParaRPr>
           </a:p>
         </p:txBody>
       </p:sp>
@@ -9404,7 +12484,7 @@
               <a:p>
                 <a:pPr algn="ctr"/>
                 <a:r>
-                  <a:rPr lang="fr-FR" sz="1000" b="1" dirty="0" smtClean="0">
+                  <a:rPr lang="fr-FR" sz="1000" b="1" dirty="0">
                     <a:solidFill>
                       <a:sysClr val="windowText" lastClr="000000"/>
                     </a:solidFill>
@@ -9414,7 +12494,7 @@
               </a:p>
               <a:p>
                 <a:pPr algn="ctr"/>
-                <a:endParaRPr lang="fr-FR" sz="1000" b="1" dirty="0" smtClean="0">
+                <a:endParaRPr lang="fr-FR" sz="1000" b="1" dirty="0">
                   <a:solidFill>
                     <a:sysClr val="windowText" lastClr="000000"/>
                   </a:solidFill>
@@ -9435,7 +12515,7 @@
                               <a:solidFill>
                                 <a:sysClr val="windowText" lastClr="000000"/>
                               </a:solidFill>
-                              <a:latin typeface="Cambria Math"/>
+                              <a:latin typeface="Cambria Math" panose="02040503050406030204" pitchFamily="18" charset="0"/>
                             </a:rPr>
                           </m:ctrlPr>
                         </m:fPr>
@@ -9687,7 +12767,7 @@
           <a:p>
             <a:pPr algn="ctr"/>
             <a:r>
-              <a:rPr lang="fr-FR" sz="1100" b="1" dirty="0" smtClean="0">
+              <a:rPr lang="fr-FR" sz="1100" b="1" dirty="0">
                 <a:solidFill>
                   <a:sysClr val="windowText" lastClr="000000"/>
                 </a:solidFill>
@@ -9706,18 +12786,13 @@
           <a:p>
             <a:pPr algn="ctr"/>
             <a:r>
-              <a:rPr lang="fr-FR" sz="1100" b="1" dirty="0" smtClean="0">
+              <a:rPr lang="fr-FR" sz="1100" b="1" dirty="0">
                 <a:solidFill>
                   <a:sysClr val="windowText" lastClr="000000"/>
                 </a:solidFill>
               </a:rPr>
               <a:t>OUI</a:t>
             </a:r>
-            <a:endParaRPr lang="fr-FR" sz="1100" b="1" dirty="0">
-              <a:solidFill>
-                <a:sysClr val="windowText" lastClr="000000"/>
-              </a:solidFill>
-            </a:endParaRPr>
           </a:p>
         </p:txBody>
       </p:sp>
@@ -9783,18 +12858,13 @@
           <a:p>
             <a:pPr algn="ctr"/>
             <a:r>
-              <a:rPr lang="fr-FR" sz="1100" b="1" dirty="0" smtClean="0">
+              <a:rPr lang="fr-FR" sz="1100" b="1" dirty="0">
                 <a:solidFill>
                   <a:sysClr val="windowText" lastClr="000000"/>
                 </a:solidFill>
               </a:rPr>
               <a:t>Marge d’utilisation</a:t>
             </a:r>
-            <a:endParaRPr lang="fr-FR" sz="1100" b="1" dirty="0">
-              <a:solidFill>
-                <a:sysClr val="windowText" lastClr="000000"/>
-              </a:solidFill>
-            </a:endParaRPr>
           </a:p>
         </p:txBody>
       </p:sp>
@@ -9849,7 +12919,7 @@
                     </m:oMath>
                   </m:oMathPara>
                 </a14:m>
-                <a:endParaRPr lang="fr-FR" sz="1200" b="1" dirty="0" smtClean="0">
+                <a:endParaRPr lang="fr-FR" sz="1200" b="1" dirty="0">
                   <a:solidFill>
                     <a:sysClr val="windowText" lastClr="000000"/>
                   </a:solidFill>
@@ -9858,18 +12928,13 @@
               <a:p>
                 <a:pPr algn="ctr"/>
                 <a:r>
-                  <a:rPr lang="fr-FR" sz="1200" b="1" dirty="0" smtClean="0">
+                  <a:rPr lang="fr-FR" sz="1200" b="1" dirty="0">
                     <a:solidFill>
                       <a:sysClr val="windowText" lastClr="000000"/>
                     </a:solidFill>
                   </a:rPr>
                   <a:t>Le couple étant calculé dans une configuration particulière, un couple supérieur peut être nécessaire.</a:t>
                 </a:r>
-                <a:endParaRPr lang="fr-FR" sz="1200" b="1" dirty="0">
-                  <a:solidFill>
-                    <a:sysClr val="windowText" lastClr="000000"/>
-                  </a:solidFill>
-                </a:endParaRPr>
               </a:p>
             </p:txBody>
           </p:sp>
@@ -9926,7 +12991,7 @@
 </p:sld>
 </file>
 
-<file path=ppt/slides/slide6.xml><?xml version="1.0" encoding="utf-8"?>
+<file path=ppt/slides/slide7.xml><?xml version="1.0" encoding="utf-8"?>
 <p:sld xmlns:a="http://schemas.openxmlformats.org/drawingml/2006/main" xmlns:r="http://schemas.openxmlformats.org/officeDocument/2006/relationships" xmlns:p="http://schemas.openxmlformats.org/presentationml/2006/main">
   <p:cSld>
     <p:spTree>
@@ -9991,18 +13056,13 @@
           <a:p>
             <a:pPr algn="ctr"/>
             <a:r>
-              <a:rPr lang="fr-FR" sz="1400" b="1" dirty="0" smtClean="0">
+              <a:rPr lang="fr-FR" sz="1400" b="1" dirty="0">
                 <a:solidFill>
                   <a:schemeClr val="accent4"/>
                 </a:solidFill>
               </a:rPr>
               <a:t>1</a:t>
             </a:r>
-            <a:endParaRPr lang="fr-FR" sz="1400" b="1" dirty="0">
-              <a:solidFill>
-                <a:schemeClr val="accent4"/>
-              </a:solidFill>
-            </a:endParaRPr>
           </a:p>
         </p:txBody>
       </p:sp>
@@ -10112,18 +13172,13 @@
           <a:p>
             <a:pPr algn="ctr"/>
             <a:r>
-              <a:rPr lang="fr-FR" sz="1400" b="1" dirty="0" smtClean="0">
+              <a:rPr lang="fr-FR" sz="1400" b="1" dirty="0">
                 <a:solidFill>
                   <a:schemeClr val="accent3"/>
                 </a:solidFill>
               </a:rPr>
               <a:t>3</a:t>
             </a:r>
-            <a:endParaRPr lang="fr-FR" sz="1400" b="1" dirty="0">
-              <a:solidFill>
-                <a:schemeClr val="accent3"/>
-              </a:solidFill>
-            </a:endParaRPr>
           </a:p>
         </p:txBody>
       </p:sp>
@@ -10174,18 +13229,13 @@
           <a:p>
             <a:pPr algn="ctr"/>
             <a:r>
-              <a:rPr lang="fr-FR" sz="1400" b="1" dirty="0" smtClean="0">
+              <a:rPr lang="fr-FR" sz="1400" b="1" dirty="0">
                 <a:solidFill>
                   <a:schemeClr val="tx1"/>
                 </a:solidFill>
               </a:rPr>
               <a:t>4</a:t>
             </a:r>
-            <a:endParaRPr lang="fr-FR" sz="1400" b="1" dirty="0">
-              <a:solidFill>
-                <a:schemeClr val="tx1"/>
-              </a:solidFill>
-            </a:endParaRPr>
           </a:p>
         </p:txBody>
       </p:sp>
@@ -10239,7 +13289,7 @@
           <a:p>
             <a:pPr algn="ctr"/>
             <a:r>
-              <a:rPr lang="fr-FR" sz="1400" b="1" dirty="0" smtClean="0">
+              <a:rPr lang="fr-FR" sz="1400" b="1" dirty="0">
                 <a:solidFill>
                   <a:schemeClr val="accent6">
                     <a:lumMod val="50000"/>
@@ -10248,13 +13298,6 @@
               </a:rPr>
               <a:t>0</a:t>
             </a:r>
-            <a:endParaRPr lang="fr-FR" sz="1400" b="1" dirty="0">
-              <a:solidFill>
-                <a:schemeClr val="accent6">
-                  <a:lumMod val="50000"/>
-                </a:schemeClr>
-              </a:solidFill>
-            </a:endParaRPr>
           </a:p>
         </p:txBody>
       </p:sp>
@@ -11067,7 +14110,7 @@
               <a:lstStyle/>
               <a:p>
                 <a:r>
-                  <a:rPr lang="fr-FR" sz="1100" b="0" dirty="0" smtClean="0"/>
+                  <a:rPr lang="fr-FR" sz="1100" b="0" dirty="0"/>
                   <a:t>Pivot </a:t>
                 </a:r>
                 <a14:m>
@@ -11076,7 +14119,7 @@
                       <m:dPr>
                         <m:ctrlPr>
                           <a:rPr lang="fr-FR" sz="1100" b="0" i="1" smtClean="0">
-                            <a:latin typeface="Cambria Math"/>
+                            <a:latin typeface="Cambria Math" panose="02040503050406030204" pitchFamily="18" charset="0"/>
                           </a:rPr>
                         </m:ctrlPr>
                       </m:dPr>
@@ -11098,7 +14141,7 @@
                             <m:chr m:val="⃗"/>
                             <m:ctrlPr>
                               <a:rPr lang="fr-FR" sz="1100" b="0" i="1" smtClean="0">
-                                <a:latin typeface="Cambria Math"/>
+                                <a:latin typeface="Cambria Math" panose="02040503050406030204" pitchFamily="18" charset="0"/>
                               </a:rPr>
                             </m:ctrlPr>
                           </m:accPr>
@@ -11107,7 +14150,7 @@
                               <m:sSubPr>
                                 <m:ctrlPr>
                                   <a:rPr lang="fr-FR" sz="1100" b="0" i="1" smtClean="0">
-                                    <a:latin typeface="Cambria Math"/>
+                                    <a:latin typeface="Cambria Math" panose="02040503050406030204" pitchFamily="18" charset="0"/>
                                   </a:rPr>
                                 </m:ctrlPr>
                               </m:sSubPr>
@@ -11203,7 +14246,7 @@
               <a:lstStyle/>
               <a:p>
                 <a:r>
-                  <a:rPr lang="fr-FR" sz="1100" b="0" dirty="0" smtClean="0"/>
+                  <a:rPr lang="fr-FR" sz="1100" b="0" dirty="0"/>
                   <a:t>Pivot </a:t>
                 </a:r>
                 <a14:m>
@@ -11212,7 +14255,7 @@
                       <m:dPr>
                         <m:ctrlPr>
                           <a:rPr lang="fr-FR" sz="1100" b="0" i="1" smtClean="0">
-                            <a:latin typeface="Cambria Math"/>
+                            <a:latin typeface="Cambria Math" panose="02040503050406030204" pitchFamily="18" charset="0"/>
                           </a:rPr>
                         </m:ctrlPr>
                       </m:dPr>
@@ -11234,7 +14277,7 @@
                             <m:chr m:val="⃗"/>
                             <m:ctrlPr>
                               <a:rPr lang="fr-FR" sz="1100" b="0" i="1" smtClean="0">
-                                <a:latin typeface="Cambria Math"/>
+                                <a:latin typeface="Cambria Math" panose="02040503050406030204" pitchFamily="18" charset="0"/>
                               </a:rPr>
                             </m:ctrlPr>
                           </m:accPr>
@@ -11243,7 +14286,7 @@
                               <m:sSubPr>
                                 <m:ctrlPr>
                                   <a:rPr lang="fr-FR" sz="1100" b="0" i="1" smtClean="0">
-                                    <a:latin typeface="Cambria Math"/>
+                                    <a:latin typeface="Cambria Math" panose="02040503050406030204" pitchFamily="18" charset="0"/>
                                   </a:rPr>
                                 </m:ctrlPr>
                               </m:sSubPr>
@@ -11339,7 +14382,7 @@
               <a:lstStyle/>
               <a:p>
                 <a:r>
-                  <a:rPr lang="fr-FR" sz="1100" b="0" dirty="0" smtClean="0"/>
+                  <a:rPr lang="fr-FR" sz="1100" b="0" dirty="0"/>
                   <a:t>Pivot </a:t>
                 </a:r>
                 <a14:m>
@@ -11348,7 +14391,7 @@
                       <m:dPr>
                         <m:ctrlPr>
                           <a:rPr lang="fr-FR" sz="1100" b="0" i="1" smtClean="0">
-                            <a:latin typeface="Cambria Math"/>
+                            <a:latin typeface="Cambria Math" panose="02040503050406030204" pitchFamily="18" charset="0"/>
                           </a:rPr>
                         </m:ctrlPr>
                       </m:dPr>
@@ -11370,7 +14413,7 @@
                             <m:chr m:val="⃗"/>
                             <m:ctrlPr>
                               <a:rPr lang="fr-FR" sz="1100" b="0" i="1" smtClean="0">
-                                <a:latin typeface="Cambria Math"/>
+                                <a:latin typeface="Cambria Math" panose="02040503050406030204" pitchFamily="18" charset="0"/>
                               </a:rPr>
                             </m:ctrlPr>
                           </m:accPr>
@@ -11379,7 +14422,7 @@
                               <m:sSubPr>
                                 <m:ctrlPr>
                                   <a:rPr lang="fr-FR" sz="1100" b="0" i="1" smtClean="0">
-                                    <a:latin typeface="Cambria Math"/>
+                                    <a:latin typeface="Cambria Math" panose="02040503050406030204" pitchFamily="18" charset="0"/>
                                   </a:rPr>
                                 </m:ctrlPr>
                               </m:sSubPr>
@@ -11475,7 +14518,7 @@
               <a:lstStyle/>
               <a:p>
                 <a:r>
-                  <a:rPr lang="fr-FR" sz="1100" b="0" dirty="0" smtClean="0"/>
+                  <a:rPr lang="fr-FR" sz="1100" b="0" dirty="0"/>
                   <a:t>Glissière </a:t>
                 </a:r>
                 <a14:m>
@@ -11484,7 +14527,7 @@
                       <m:dPr>
                         <m:ctrlPr>
                           <a:rPr lang="fr-FR" sz="1100" b="0" i="1" smtClean="0">
-                            <a:latin typeface="Cambria Math"/>
+                            <a:latin typeface="Cambria Math" panose="02040503050406030204" pitchFamily="18" charset="0"/>
                           </a:rPr>
                         </m:ctrlPr>
                       </m:dPr>
@@ -11506,7 +14549,7 @@
                             <m:chr m:val="⃗"/>
                             <m:ctrlPr>
                               <a:rPr lang="fr-FR" sz="1100" b="0" i="1" smtClean="0">
-                                <a:latin typeface="Cambria Math"/>
+                                <a:latin typeface="Cambria Math" panose="02040503050406030204" pitchFamily="18" charset="0"/>
                               </a:rPr>
                             </m:ctrlPr>
                           </m:accPr>
@@ -11515,7 +14558,7 @@
                               <m:sSubPr>
                                 <m:ctrlPr>
                                   <a:rPr lang="fr-FR" sz="1100" b="0" i="1" smtClean="0">
-                                    <a:latin typeface="Cambria Math"/>
+                                    <a:latin typeface="Cambria Math" panose="02040503050406030204" pitchFamily="18" charset="0"/>
                                   </a:rPr>
                                 </m:ctrlPr>
                               </m:sSubPr>
@@ -11621,7 +14664,7 @@
                         <m:sSubPr>
                           <m:ctrlPr>
                             <a:rPr lang="fr-FR" sz="1400" b="0" i="1" smtClean="0">
-                              <a:latin typeface="Cambria Math"/>
+                              <a:latin typeface="Cambria Math" panose="02040503050406030204" pitchFamily="18" charset="0"/>
                             </a:rPr>
                           </m:ctrlPr>
                         </m:sSubPr>
@@ -11632,7 +14675,7 @@
                               <m:endChr m:val="}"/>
                               <m:ctrlPr>
                                 <a:rPr lang="fr-FR" sz="1400" b="0" i="1" smtClean="0">
-                                  <a:latin typeface="Cambria Math"/>
+                                  <a:latin typeface="Cambria Math" panose="02040503050406030204" pitchFamily="18" charset="0"/>
                                 </a:rPr>
                               </m:ctrlPr>
                             </m:dPr>
@@ -11648,7 +14691,7 @@
                                 <m:dPr>
                                   <m:ctrlPr>
                                     <a:rPr lang="fr-FR" sz="1400" b="0" i="1" smtClean="0">
-                                      <a:latin typeface="Cambria Math"/>
+                                      <a:latin typeface="Cambria Math" panose="02040503050406030204" pitchFamily="18" charset="0"/>
                                       <a:ea typeface="Cambria Math"/>
                                     </a:rPr>
                                   </m:ctrlPr>
@@ -11685,7 +14728,7 @@
                               <m:endChr m:val="}"/>
                               <m:ctrlPr>
                                 <a:rPr lang="fr-FR" sz="1400" b="0" i="1" smtClean="0">
-                                  <a:latin typeface="Cambria Math"/>
+                                  <a:latin typeface="Cambria Math" panose="02040503050406030204" pitchFamily="18" charset="0"/>
                                 </a:rPr>
                               </m:ctrlPr>
                             </m:dPr>
@@ -11694,7 +14737,7 @@
                                 <m:eqArrPr>
                                   <m:ctrlPr>
                                     <a:rPr lang="fr-FR" sz="1400" b="0" i="1" smtClean="0">
-                                      <a:latin typeface="Cambria Math"/>
+                                      <a:latin typeface="Cambria Math" panose="02040503050406030204" pitchFamily="18" charset="0"/>
                                     </a:rPr>
                                   </m:ctrlPr>
                                 </m:eqArrPr>
@@ -11703,7 +14746,7 @@
                                     <m:sSubPr>
                                       <m:ctrlPr>
                                         <a:rPr lang="fr-FR" sz="1400" i="1">
-                                          <a:latin typeface="Cambria Math"/>
+                                          <a:latin typeface="Cambria Math" panose="02040503050406030204" pitchFamily="18" charset="0"/>
                                         </a:rPr>
                                       </m:ctrlPr>
                                     </m:sSubPr>
@@ -11738,7 +14781,7 @@
                                       <m:chr m:val="⃗"/>
                                       <m:ctrlPr>
                                         <a:rPr lang="fr-FR" sz="1400" i="1">
-                                          <a:latin typeface="Cambria Math"/>
+                                          <a:latin typeface="Cambria Math" panose="02040503050406030204" pitchFamily="18" charset="0"/>
                                         </a:rPr>
                                       </m:ctrlPr>
                                     </m:accPr>
@@ -11747,7 +14790,7 @@
                                         <m:sSubPr>
                                           <m:ctrlPr>
                                             <a:rPr lang="fr-FR" sz="1400" i="1">
-                                              <a:latin typeface="Cambria Math"/>
+                                              <a:latin typeface="Cambria Math" panose="02040503050406030204" pitchFamily="18" charset="0"/>
                                             </a:rPr>
                                           </m:ctrlPr>
                                         </m:sSubPr>
@@ -11777,7 +14820,7 @@
                                       <m:chr m:val="⃗"/>
                                       <m:ctrlPr>
                                         <a:rPr lang="fr-FR" sz="1400" i="1">
-                                          <a:latin typeface="Cambria Math"/>
+                                          <a:latin typeface="Cambria Math" panose="02040503050406030204" pitchFamily="18" charset="0"/>
                                         </a:rPr>
                                       </m:ctrlPr>
                                     </m:accPr>
@@ -11800,7 +14843,7 @@
                             <m:sSubPr>
                               <m:ctrlPr>
                                 <a:rPr lang="fr-FR" sz="1400" b="0" i="1" smtClean="0">
-                                  <a:latin typeface="Cambria Math"/>
+                                  <a:latin typeface="Cambria Math" panose="02040503050406030204" pitchFamily="18" charset="0"/>
                                 </a:rPr>
                               </m:ctrlPr>
                             </m:sSubPr>
@@ -11893,7 +14936,7 @@
           <a:lstStyle/>
           <a:p>
             <a:r>
-              <a:rPr lang="fr-FR" sz="1100" b="0" dirty="0" smtClean="0"/>
+              <a:rPr lang="fr-FR" sz="1100" b="0" dirty="0"/>
               <a:t>Pesanteur</a:t>
             </a:r>
             <a:endParaRPr lang="fr-FR" sz="1100" dirty="0"/>
@@ -11934,7 +14977,7 @@
                         <m:sSubPr>
                           <m:ctrlPr>
                             <a:rPr lang="fr-FR" sz="1100" i="1" smtClean="0">
-                              <a:latin typeface="Cambria Math"/>
+                              <a:latin typeface="Cambria Math" panose="02040503050406030204" pitchFamily="18" charset="0"/>
                             </a:rPr>
                           </m:ctrlPr>
                         </m:sSubPr>
@@ -11975,7 +15018,7 @@
                           <m:chr m:val="⃗"/>
                           <m:ctrlPr>
                             <a:rPr lang="fr-FR" sz="1100" i="1">
-                              <a:latin typeface="Cambria Math"/>
+                              <a:latin typeface="Cambria Math" panose="02040503050406030204" pitchFamily="18" charset="0"/>
                             </a:rPr>
                           </m:ctrlPr>
                         </m:accPr>
@@ -11984,7 +15027,7 @@
                             <m:sSubPr>
                               <m:ctrlPr>
                                 <a:rPr lang="fr-FR" sz="1100" i="1">
-                                  <a:latin typeface="Cambria Math"/>
+                                  <a:latin typeface="Cambria Math" panose="02040503050406030204" pitchFamily="18" charset="0"/>
                                 </a:rPr>
                               </m:ctrlPr>
                             </m:sSubPr>
@@ -12088,7 +15131,7 @@
                         <m:sSubPr>
                           <m:ctrlPr>
                             <a:rPr lang="fr-FR" sz="1100" i="1" smtClean="0">
-                              <a:latin typeface="Cambria Math"/>
+                              <a:latin typeface="Cambria Math" panose="02040503050406030204" pitchFamily="18" charset="0"/>
                             </a:rPr>
                           </m:ctrlPr>
                         </m:sSubPr>
@@ -12114,7 +15157,7 @@
                           <m:chr m:val="⃗"/>
                           <m:ctrlPr>
                             <a:rPr lang="fr-FR" sz="1100" i="1">
-                              <a:latin typeface="Cambria Math"/>
+                              <a:latin typeface="Cambria Math" panose="02040503050406030204" pitchFamily="18" charset="0"/>
                             </a:rPr>
                           </m:ctrlPr>
                         </m:accPr>
@@ -12123,7 +15166,7 @@
                             <m:sSubPr>
                               <m:ctrlPr>
                                 <a:rPr lang="fr-FR" sz="1100" i="1">
-                                  <a:latin typeface="Cambria Math"/>
+                                  <a:latin typeface="Cambria Math" panose="02040503050406030204" pitchFamily="18" charset="0"/>
                                 </a:rPr>
                               </m:ctrlPr>
                             </m:sSubPr>
@@ -12227,7 +15270,7 @@
                         <m:sSubPr>
                           <m:ctrlPr>
                             <a:rPr lang="fr-FR" sz="1100" i="1" smtClean="0">
-                              <a:latin typeface="Cambria Math"/>
+                              <a:latin typeface="Cambria Math" panose="02040503050406030204" pitchFamily="18" charset="0"/>
                             </a:rPr>
                           </m:ctrlPr>
                         </m:sSubPr>
@@ -12253,7 +15296,7 @@
                           <m:chr m:val="⃗"/>
                           <m:ctrlPr>
                             <a:rPr lang="fr-FR" sz="1100" i="1">
-                              <a:latin typeface="Cambria Math"/>
+                              <a:latin typeface="Cambria Math" panose="02040503050406030204" pitchFamily="18" charset="0"/>
                             </a:rPr>
                           </m:ctrlPr>
                         </m:accPr>
@@ -12262,7 +15305,7 @@
                             <m:sSubPr>
                               <m:ctrlPr>
                                 <a:rPr lang="fr-FR" sz="1100" i="1">
-                                  <a:latin typeface="Cambria Math"/>
+                                  <a:latin typeface="Cambria Math" panose="02040503050406030204" pitchFamily="18" charset="0"/>
                                 </a:rPr>
                               </m:ctrlPr>
                             </m:sSubPr>
@@ -12366,7 +15409,7 @@
                         <m:sSubPr>
                           <m:ctrlPr>
                             <a:rPr lang="fr-FR" sz="1100" i="1" smtClean="0">
-                              <a:latin typeface="Cambria Math"/>
+                              <a:latin typeface="Cambria Math" panose="02040503050406030204" pitchFamily="18" charset="0"/>
                             </a:rPr>
                           </m:ctrlPr>
                         </m:sSubPr>
@@ -12401,7 +15444,7 @@
                           <m:chr m:val="⃗"/>
                           <m:ctrlPr>
                             <a:rPr lang="fr-FR" sz="1100" i="1">
-                              <a:latin typeface="Cambria Math"/>
+                              <a:latin typeface="Cambria Math" panose="02040503050406030204" pitchFamily="18" charset="0"/>
                             </a:rPr>
                           </m:ctrlPr>
                         </m:accPr>
@@ -12410,7 +15453,7 @@
                             <m:sSubPr>
                               <m:ctrlPr>
                                 <a:rPr lang="fr-FR" sz="1100" i="1">
-                                  <a:latin typeface="Cambria Math"/>
+                                  <a:latin typeface="Cambria Math" panose="02040503050406030204" pitchFamily="18" charset="0"/>
                                 </a:rPr>
                               </m:ctrlPr>
                             </m:sSubPr>
@@ -12493,7 +15536,7 @@
 </p:sld>
 </file>
 
-<file path=ppt/slides/slide7.xml><?xml version="1.0" encoding="utf-8"?>
+<file path=ppt/slides/slide8.xml><?xml version="1.0" encoding="utf-8"?>
 <p:sld xmlns:a="http://schemas.openxmlformats.org/drawingml/2006/main" xmlns:r="http://schemas.openxmlformats.org/officeDocument/2006/relationships" xmlns:p="http://schemas.openxmlformats.org/presentationml/2006/main">
   <p:cSld>
     <p:spTree>
@@ -12754,18 +15797,13 @@
           <a:p>
             <a:pPr algn="ctr"/>
             <a:r>
-              <a:rPr lang="fr-FR" sz="1400" b="1" dirty="0" smtClean="0">
+              <a:rPr lang="fr-FR" sz="1400" b="1" dirty="0">
                 <a:solidFill>
                   <a:schemeClr val="accent4"/>
                 </a:solidFill>
               </a:rPr>
               <a:t>1</a:t>
             </a:r>
-            <a:endParaRPr lang="fr-FR" sz="1400" b="1" dirty="0">
-              <a:solidFill>
-                <a:schemeClr val="accent4"/>
-              </a:solidFill>
-            </a:endParaRPr>
           </a:p>
         </p:txBody>
       </p:sp>
@@ -12819,7 +15857,7 @@
           <a:p>
             <a:pPr algn="ctr"/>
             <a:r>
-              <a:rPr lang="fr-FR" sz="1400" b="1" dirty="0" smtClean="0">
+              <a:rPr lang="fr-FR" sz="1400" b="1" dirty="0">
                 <a:solidFill>
                   <a:schemeClr val="accent6">
                     <a:lumMod val="50000"/>
@@ -12828,13 +15866,6 @@
               </a:rPr>
               <a:t>0</a:t>
             </a:r>
-            <a:endParaRPr lang="fr-FR" sz="1400" b="1" dirty="0">
-              <a:solidFill>
-                <a:schemeClr val="accent6">
-                  <a:lumMod val="50000"/>
-                </a:schemeClr>
-              </a:solidFill>
-            </a:endParaRPr>
           </a:p>
         </p:txBody>
       </p:sp>
@@ -12901,7 +15932,7 @@
               <a:lstStyle/>
               <a:p>
                 <a:r>
-                  <a:rPr lang="fr-FR" sz="1000" b="0" dirty="0" smtClean="0"/>
+                  <a:rPr lang="fr-FR" sz="1000" b="0" dirty="0"/>
                   <a:t>Pivot </a:t>
                 </a:r>
                 <a14:m>
@@ -12910,7 +15941,7 @@
                       <m:dPr>
                         <m:ctrlPr>
                           <a:rPr lang="fr-FR" sz="1000" b="0" i="1" smtClean="0">
-                            <a:latin typeface="Cambria Math"/>
+                            <a:latin typeface="Cambria Math" panose="02040503050406030204" pitchFamily="18" charset="0"/>
                           </a:rPr>
                         </m:ctrlPr>
                       </m:dPr>
@@ -12932,7 +15963,7 @@
                             <m:chr m:val="⃗"/>
                             <m:ctrlPr>
                               <a:rPr lang="fr-FR" sz="1000" b="0" i="1" smtClean="0">
-                                <a:latin typeface="Cambria Math"/>
+                                <a:latin typeface="Cambria Math" panose="02040503050406030204" pitchFamily="18" charset="0"/>
                               </a:rPr>
                             </m:ctrlPr>
                           </m:accPr>
@@ -13027,7 +16058,7 @@
                         <m:sSubPr>
                           <m:ctrlPr>
                             <a:rPr lang="fr-FR" sz="1000" i="1" smtClean="0">
-                              <a:latin typeface="Cambria Math"/>
+                              <a:latin typeface="Cambria Math" panose="02040503050406030204" pitchFamily="18" charset="0"/>
                             </a:rPr>
                           </m:ctrlPr>
                         </m:sSubPr>
@@ -13068,7 +16099,7 @@
                           <m:chr m:val="⃗"/>
                           <m:ctrlPr>
                             <a:rPr lang="fr-FR" sz="1000" i="1">
-                              <a:latin typeface="Cambria Math"/>
+                              <a:latin typeface="Cambria Math" panose="02040503050406030204" pitchFamily="18" charset="0"/>
                             </a:rPr>
                           </m:ctrlPr>
                         </m:accPr>
@@ -13153,7 +16184,7 @@
               <a:lstStyle/>
               <a:p>
                 <a:r>
-                  <a:rPr lang="fr-FR" sz="1000" b="0" dirty="0" smtClean="0"/>
+                  <a:rPr lang="fr-FR" sz="1000" b="0" dirty="0"/>
                   <a:t>Pivot </a:t>
                 </a:r>
                 <a14:m>
@@ -13162,7 +16193,7 @@
                       <m:dPr>
                         <m:ctrlPr>
                           <a:rPr lang="fr-FR" sz="1000" b="0" i="1" smtClean="0">
-                            <a:latin typeface="Cambria Math"/>
+                            <a:latin typeface="Cambria Math" panose="02040503050406030204" pitchFamily="18" charset="0"/>
                           </a:rPr>
                         </m:ctrlPr>
                       </m:dPr>
@@ -13184,7 +16215,7 @@
                             <m:chr m:val="⃗"/>
                             <m:ctrlPr>
                               <a:rPr lang="fr-FR" sz="1000" b="0" i="1" smtClean="0">
-                                <a:latin typeface="Cambria Math"/>
+                                <a:latin typeface="Cambria Math" panose="02040503050406030204" pitchFamily="18" charset="0"/>
                               </a:rPr>
                             </m:ctrlPr>
                           </m:accPr>
@@ -13403,7 +16434,7 @@
 </p:sld>
 </file>
 
-<file path=ppt/slides/slide8.xml><?xml version="1.0" encoding="utf-8"?>
+<file path=ppt/slides/slide9.xml><?xml version="1.0" encoding="utf-8"?>
 <p:sld xmlns:a="http://schemas.openxmlformats.org/drawingml/2006/main" xmlns:r="http://schemas.openxmlformats.org/officeDocument/2006/relationships" xmlns:p="http://schemas.openxmlformats.org/presentationml/2006/main">
   <p:cSld>
     <p:spTree>
@@ -13468,7 +16499,7 @@
           <a:p>
             <a:pPr algn="ctr"/>
             <a:r>
-              <a:rPr lang="fr-FR" sz="1400" b="1" dirty="0" smtClean="0">
+              <a:rPr lang="fr-FR" sz="1400" b="1" dirty="0">
                 <a:solidFill>
                   <a:schemeClr val="accent2"/>
                 </a:solidFill>
@@ -13533,7 +16564,7 @@
           <a:p>
             <a:pPr algn="ctr"/>
             <a:r>
-              <a:rPr lang="fr-FR" sz="1400" b="1" dirty="0" smtClean="0">
+              <a:rPr lang="fr-FR" sz="1400" b="1" dirty="0">
                 <a:solidFill>
                   <a:schemeClr val="accent6">
                     <a:lumMod val="50000"/>
@@ -13542,13 +16573,6 @@
               </a:rPr>
               <a:t>0</a:t>
             </a:r>
-            <a:endParaRPr lang="fr-FR" sz="1400" b="1" dirty="0">
-              <a:solidFill>
-                <a:schemeClr val="accent6">
-                  <a:lumMod val="50000"/>
-                </a:schemeClr>
-              </a:solidFill>
-            </a:endParaRPr>
           </a:p>
         </p:txBody>
       </p:sp>
@@ -13615,7 +16639,7 @@
               <a:lstStyle/>
               <a:p>
                 <a:r>
-                  <a:rPr lang="fr-FR" sz="1000" b="0" dirty="0" smtClean="0"/>
+                  <a:rPr lang="fr-FR" sz="1000" b="0" dirty="0"/>
                   <a:t>Pivot </a:t>
                 </a:r>
                 <a14:m>
@@ -13624,7 +16648,7 @@
                       <m:dPr>
                         <m:ctrlPr>
                           <a:rPr lang="fr-FR" sz="1000" b="0" i="1" smtClean="0">
-                            <a:latin typeface="Cambria Math"/>
+                            <a:latin typeface="Cambria Math" panose="02040503050406030204" pitchFamily="18" charset="0"/>
                           </a:rPr>
                         </m:ctrlPr>
                       </m:dPr>
@@ -13646,7 +16670,7 @@
                             <m:chr m:val="⃗"/>
                             <m:ctrlPr>
                               <a:rPr lang="fr-FR" sz="1000" b="0" i="1" smtClean="0">
-                                <a:latin typeface="Cambria Math"/>
+                                <a:latin typeface="Cambria Math" panose="02040503050406030204" pitchFamily="18" charset="0"/>
                               </a:rPr>
                             </m:ctrlPr>
                           </m:accPr>
@@ -13741,7 +16765,7 @@
                         <m:sSubPr>
                           <m:ctrlPr>
                             <a:rPr lang="fr-FR" sz="1000" i="1" smtClean="0">
-                              <a:latin typeface="Cambria Math"/>
+                              <a:latin typeface="Cambria Math" panose="02040503050406030204" pitchFamily="18" charset="0"/>
                             </a:rPr>
                           </m:ctrlPr>
                         </m:sSubPr>
@@ -13782,7 +16806,7 @@
                           <m:chr m:val="⃗"/>
                           <m:ctrlPr>
                             <a:rPr lang="fr-FR" sz="1000" i="1">
-                              <a:latin typeface="Cambria Math"/>
+                              <a:latin typeface="Cambria Math" panose="02040503050406030204" pitchFamily="18" charset="0"/>
                             </a:rPr>
                           </m:ctrlPr>
                         </m:accPr>
@@ -13842,8 +16866,8 @@
           </p:sp>
         </mc:Fallback>
       </mc:AlternateContent>
-      <mc:AlternateContent xmlns:mc="http://schemas.openxmlformats.org/markup-compatibility/2006">
-        <mc:Choice xmlns:a14="http://schemas.microsoft.com/office/drawing/2010/main" Requires="a14">
+      <mc:AlternateContent xmlns:mc="http://schemas.openxmlformats.org/markup-compatibility/2006" xmlns:a14="http://schemas.microsoft.com/office/drawing/2010/main">
+        <mc:Choice Requires="a14">
           <p:sp>
             <p:nvSpPr>
               <p:cNvPr id="41" name="ZoneTexte 40"/>
@@ -13867,7 +16891,7 @@
               <a:lstStyle/>
               <a:p>
                 <a:r>
-                  <a:rPr lang="fr-FR" sz="1000" b="0" dirty="0" smtClean="0"/>
+                  <a:rPr lang="fr-FR" sz="1000" b="0" dirty="0"/>
                   <a:t>Glissière </a:t>
                 </a:r>
                 <a14:m>
@@ -13877,7 +16901,7 @@
                         <m:chr m:val="⃗"/>
                         <m:ctrlPr>
                           <a:rPr lang="fr-FR" sz="1000" i="1">
-                            <a:latin typeface="Cambria Math"/>
+                            <a:latin typeface="Cambria Math" panose="02040503050406030204" pitchFamily="18" charset="0"/>
                           </a:rPr>
                         </m:ctrlPr>
                       </m:accPr>
@@ -13897,7 +16921,7 @@
             </p:txBody>
           </p:sp>
         </mc:Choice>
-        <mc:Fallback>
+        <mc:Fallback xmlns="">
           <p:sp>
             <p:nvSpPr>
               <p:cNvPr id="41" name="ZoneTexte 40"/>
@@ -14241,12 +17265,10 @@
           </a:bodyPr>
           <a:lstStyle/>
           <a:p>
-            <a:pPr/>
             <a:r>
-              <a:rPr lang="fr-FR" sz="1000" dirty="0" smtClean="0"/>
+              <a:rPr lang="fr-FR" sz="1000" dirty="0"/>
               <a:t>Poulie – courroie</a:t>
             </a:r>
-            <a:endParaRPr lang="fr-FR" sz="1000" dirty="0"/>
           </a:p>
         </p:txBody>
       </p:sp>
@@ -14254,1251 +17276,6 @@
     <p:extLst>
       <p:ext uri="{BB962C8B-B14F-4D97-AF65-F5344CB8AC3E}">
         <p14:creationId xmlns:p14="http://schemas.microsoft.com/office/powerpoint/2010/main" val="3581523801"/>
-      </p:ext>
-    </p:extLst>
-  </p:cSld>
-  <p:clrMapOvr>
-    <a:masterClrMapping/>
-  </p:clrMapOvr>
-</p:sld>
-</file>
-
-<file path=ppt/slides/slide9.xml><?xml version="1.0" encoding="utf-8"?>
-<p:sld xmlns:a="http://schemas.openxmlformats.org/drawingml/2006/main" xmlns:r="http://schemas.openxmlformats.org/officeDocument/2006/relationships" xmlns:p="http://schemas.openxmlformats.org/presentationml/2006/main">
-  <p:cSld>
-    <p:spTree>
-      <p:nvGrpSpPr>
-        <p:cNvPr id="1" name=""/>
-        <p:cNvGrpSpPr/>
-        <p:nvPr/>
-      </p:nvGrpSpPr>
-      <p:grpSpPr>
-        <a:xfrm>
-          <a:off x="0" y="0"/>
-          <a:ext cx="0" cy="0"/>
-          <a:chOff x="0" y="0"/>
-          <a:chExt cx="0" cy="0"/>
-        </a:xfrm>
-      </p:grpSpPr>
-      <p:sp>
-        <p:nvSpPr>
-          <p:cNvPr id="15" name="Rectangle 14"/>
-          <p:cNvSpPr/>
-          <p:nvPr/>
-        </p:nvSpPr>
-        <p:spPr>
-          <a:xfrm>
-            <a:off x="0" y="1813200"/>
-            <a:ext cx="152400" cy="286396"/>
-          </a:xfrm>
-          <a:prstGeom prst="rect">
-            <a:avLst/>
-          </a:prstGeom>
-          <a:solidFill>
-            <a:schemeClr val="accent6">
-              <a:lumMod val="20000"/>
-              <a:lumOff val="80000"/>
-            </a:schemeClr>
-          </a:solidFill>
-          <a:ln w="19050">
-            <a:noFill/>
-          </a:ln>
-        </p:spPr>
-        <p:style>
-          <a:lnRef idx="2">
-            <a:schemeClr val="accent1">
-              <a:shade val="50000"/>
-            </a:schemeClr>
-          </a:lnRef>
-          <a:fillRef idx="1">
-            <a:schemeClr val="accent1"/>
-          </a:fillRef>
-          <a:effectRef idx="0">
-            <a:schemeClr val="accent1"/>
-          </a:effectRef>
-          <a:fontRef idx="minor">
-            <a:schemeClr val="lt1"/>
-          </a:fontRef>
-        </p:style>
-        <p:txBody>
-          <a:bodyPr rtlCol="0" anchor="ctr"/>
-          <a:lstStyle/>
-          <a:p>
-            <a:pPr algn="ctr"/>
-            <a:endParaRPr lang="fr-FR" sz="1400" b="1">
-              <a:solidFill>
-                <a:schemeClr val="accent6">
-                  <a:lumMod val="50000"/>
-                </a:schemeClr>
-              </a:solidFill>
-            </a:endParaRPr>
-          </a:p>
-        </p:txBody>
-      </p:sp>
-      <p:sp>
-        <p:nvSpPr>
-          <p:cNvPr id="4" name="Ellipse 3"/>
-          <p:cNvSpPr/>
-          <p:nvPr/>
-        </p:nvSpPr>
-        <p:spPr>
-          <a:xfrm>
-            <a:off x="1061610" y="1813199"/>
-            <a:ext cx="288032" cy="288032"/>
-          </a:xfrm>
-          <a:prstGeom prst="ellipse">
-            <a:avLst/>
-          </a:prstGeom>
-          <a:solidFill>
-            <a:schemeClr val="accent4">
-              <a:lumMod val="20000"/>
-              <a:lumOff val="80000"/>
-            </a:schemeClr>
-          </a:solidFill>
-          <a:ln w="19050">
-            <a:solidFill>
-              <a:schemeClr val="accent4"/>
-            </a:solidFill>
-          </a:ln>
-        </p:spPr>
-        <p:style>
-          <a:lnRef idx="2">
-            <a:schemeClr val="accent1">
-              <a:shade val="50000"/>
-            </a:schemeClr>
-          </a:lnRef>
-          <a:fillRef idx="1">
-            <a:schemeClr val="accent1"/>
-          </a:fillRef>
-          <a:effectRef idx="0">
-            <a:schemeClr val="accent1"/>
-          </a:effectRef>
-          <a:fontRef idx="minor">
-            <a:schemeClr val="lt1"/>
-          </a:fontRef>
-        </p:style>
-        <p:txBody>
-          <a:bodyPr rtlCol="0" anchor="ctr"/>
-          <a:lstStyle/>
-          <a:p>
-            <a:pPr algn="ctr"/>
-            <a:r>
-              <a:rPr lang="fr-FR" sz="1400" b="1" dirty="0" smtClean="0">
-                <a:solidFill>
-                  <a:schemeClr val="accent4"/>
-                </a:solidFill>
-              </a:rPr>
-              <a:t>1</a:t>
-            </a:r>
-            <a:endParaRPr lang="fr-FR" sz="1400" b="1" dirty="0">
-              <a:solidFill>
-                <a:schemeClr val="accent4"/>
-              </a:solidFill>
-            </a:endParaRPr>
-          </a:p>
-        </p:txBody>
-      </p:sp>
-      <p:sp>
-        <p:nvSpPr>
-          <p:cNvPr id="5" name="Ellipse 4"/>
-          <p:cNvSpPr/>
-          <p:nvPr/>
-        </p:nvSpPr>
-        <p:spPr>
-          <a:xfrm>
-            <a:off x="1799692" y="1813199"/>
-            <a:ext cx="288032" cy="288032"/>
-          </a:xfrm>
-          <a:prstGeom prst="ellipse">
-            <a:avLst/>
-          </a:prstGeom>
-          <a:solidFill>
-            <a:schemeClr val="accent2">
-              <a:lumMod val="20000"/>
-              <a:lumOff val="80000"/>
-            </a:schemeClr>
-          </a:solidFill>
-          <a:ln w="19050">
-            <a:solidFill>
-              <a:schemeClr val="accent2"/>
-            </a:solidFill>
-          </a:ln>
-        </p:spPr>
-        <p:style>
-          <a:lnRef idx="2">
-            <a:schemeClr val="accent1">
-              <a:shade val="50000"/>
-            </a:schemeClr>
-          </a:lnRef>
-          <a:fillRef idx="1">
-            <a:schemeClr val="accent1"/>
-          </a:fillRef>
-          <a:effectRef idx="0">
-            <a:schemeClr val="accent1"/>
-          </a:effectRef>
-          <a:fontRef idx="minor">
-            <a:schemeClr val="lt1"/>
-          </a:fontRef>
-        </p:style>
-        <p:txBody>
-          <a:bodyPr rtlCol="0" anchor="ctr"/>
-          <a:lstStyle/>
-          <a:p>
-            <a:pPr algn="ctr"/>
-            <a:r>
-              <a:rPr lang="fr-FR" sz="1400" b="1" dirty="0">
-                <a:solidFill>
-                  <a:schemeClr val="accent2"/>
-                </a:solidFill>
-              </a:rPr>
-              <a:t>2</a:t>
-            </a:r>
-          </a:p>
-        </p:txBody>
-      </p:sp>
-      <p:sp>
-        <p:nvSpPr>
-          <p:cNvPr id="6" name="Ellipse 5"/>
-          <p:cNvSpPr/>
-          <p:nvPr/>
-        </p:nvSpPr>
-        <p:spPr>
-          <a:xfrm>
-            <a:off x="2537774" y="1813199"/>
-            <a:ext cx="288032" cy="288032"/>
-          </a:xfrm>
-          <a:prstGeom prst="ellipse">
-            <a:avLst/>
-          </a:prstGeom>
-          <a:solidFill>
-            <a:schemeClr val="accent3">
-              <a:lumMod val="20000"/>
-              <a:lumOff val="80000"/>
-            </a:schemeClr>
-          </a:solidFill>
-          <a:ln w="19050">
-            <a:solidFill>
-              <a:schemeClr val="accent3"/>
-            </a:solidFill>
-          </a:ln>
-        </p:spPr>
-        <p:style>
-          <a:lnRef idx="2">
-            <a:schemeClr val="accent1">
-              <a:shade val="50000"/>
-            </a:schemeClr>
-          </a:lnRef>
-          <a:fillRef idx="1">
-            <a:schemeClr val="accent1"/>
-          </a:fillRef>
-          <a:effectRef idx="0">
-            <a:schemeClr val="accent1"/>
-          </a:effectRef>
-          <a:fontRef idx="minor">
-            <a:schemeClr val="lt1"/>
-          </a:fontRef>
-        </p:style>
-        <p:txBody>
-          <a:bodyPr rtlCol="0" anchor="ctr"/>
-          <a:lstStyle/>
-          <a:p>
-            <a:pPr algn="ctr"/>
-            <a:r>
-              <a:rPr lang="fr-FR" sz="1400" b="1" dirty="0" smtClean="0">
-                <a:solidFill>
-                  <a:schemeClr val="accent3"/>
-                </a:solidFill>
-              </a:rPr>
-              <a:t>3</a:t>
-            </a:r>
-            <a:endParaRPr lang="fr-FR" sz="1400" b="1" dirty="0">
-              <a:solidFill>
-                <a:schemeClr val="accent3"/>
-              </a:solidFill>
-            </a:endParaRPr>
-          </a:p>
-        </p:txBody>
-      </p:sp>
-      <p:sp>
-        <p:nvSpPr>
-          <p:cNvPr id="7" name="Ellipse 6"/>
-          <p:cNvSpPr/>
-          <p:nvPr/>
-        </p:nvSpPr>
-        <p:spPr>
-          <a:xfrm>
-            <a:off x="3275856" y="1813199"/>
-            <a:ext cx="288032" cy="288032"/>
-          </a:xfrm>
-          <a:prstGeom prst="ellipse">
-            <a:avLst/>
-          </a:prstGeom>
-          <a:solidFill>
-            <a:schemeClr val="bg1">
-              <a:lumMod val="85000"/>
-            </a:schemeClr>
-          </a:solidFill>
-          <a:ln w="19050">
-            <a:solidFill>
-              <a:schemeClr val="tx1"/>
-            </a:solidFill>
-          </a:ln>
-        </p:spPr>
-        <p:style>
-          <a:lnRef idx="2">
-            <a:schemeClr val="accent1">
-              <a:shade val="50000"/>
-            </a:schemeClr>
-          </a:lnRef>
-          <a:fillRef idx="1">
-            <a:schemeClr val="accent1"/>
-          </a:fillRef>
-          <a:effectRef idx="0">
-            <a:schemeClr val="accent1"/>
-          </a:effectRef>
-          <a:fontRef idx="minor">
-            <a:schemeClr val="lt1"/>
-          </a:fontRef>
-        </p:style>
-        <p:txBody>
-          <a:bodyPr rtlCol="0" anchor="ctr"/>
-          <a:lstStyle/>
-          <a:p>
-            <a:pPr algn="ctr"/>
-            <a:r>
-              <a:rPr lang="fr-FR" sz="1400" b="1" dirty="0" smtClean="0">
-                <a:solidFill>
-                  <a:schemeClr val="tx1"/>
-                </a:solidFill>
-              </a:rPr>
-              <a:t>4</a:t>
-            </a:r>
-            <a:endParaRPr lang="fr-FR" sz="1400" b="1" dirty="0">
-              <a:solidFill>
-                <a:schemeClr val="tx1"/>
-              </a:solidFill>
-            </a:endParaRPr>
-          </a:p>
-        </p:txBody>
-      </p:sp>
-      <p:sp>
-        <p:nvSpPr>
-          <p:cNvPr id="8" name="Ellipse 7"/>
-          <p:cNvSpPr/>
-          <p:nvPr/>
-        </p:nvSpPr>
-        <p:spPr>
-          <a:xfrm>
-            <a:off x="323528" y="1813199"/>
-            <a:ext cx="288032" cy="288032"/>
-          </a:xfrm>
-          <a:prstGeom prst="ellipse">
-            <a:avLst/>
-          </a:prstGeom>
-          <a:solidFill>
-            <a:schemeClr val="accent6">
-              <a:lumMod val="20000"/>
-              <a:lumOff val="80000"/>
-            </a:schemeClr>
-          </a:solidFill>
-          <a:ln w="19050">
-            <a:solidFill>
-              <a:schemeClr val="accent6">
-                <a:lumMod val="50000"/>
-              </a:schemeClr>
-            </a:solidFill>
-          </a:ln>
-        </p:spPr>
-        <p:style>
-          <a:lnRef idx="2">
-            <a:schemeClr val="accent1">
-              <a:shade val="50000"/>
-            </a:schemeClr>
-          </a:lnRef>
-          <a:fillRef idx="1">
-            <a:schemeClr val="accent1"/>
-          </a:fillRef>
-          <a:effectRef idx="0">
-            <a:schemeClr val="accent1"/>
-          </a:effectRef>
-          <a:fontRef idx="minor">
-            <a:schemeClr val="lt1"/>
-          </a:fontRef>
-        </p:style>
-        <p:txBody>
-          <a:bodyPr rtlCol="0" anchor="ctr"/>
-          <a:lstStyle/>
-          <a:p>
-            <a:pPr algn="ctr"/>
-            <a:r>
-              <a:rPr lang="fr-FR" sz="1400" b="1" dirty="0" smtClean="0">
-                <a:solidFill>
-                  <a:schemeClr val="accent6">
-                    <a:lumMod val="50000"/>
-                  </a:schemeClr>
-                </a:solidFill>
-              </a:rPr>
-              <a:t>0</a:t>
-            </a:r>
-            <a:endParaRPr lang="fr-FR" sz="1400" b="1" dirty="0">
-              <a:solidFill>
-                <a:schemeClr val="accent6">
-                  <a:lumMod val="50000"/>
-                </a:schemeClr>
-              </a:solidFill>
-            </a:endParaRPr>
-          </a:p>
-        </p:txBody>
-      </p:sp>
-      <p:cxnSp>
-        <p:nvCxnSpPr>
-          <p:cNvPr id="10" name="Connecteur droit 9"/>
-          <p:cNvCxnSpPr>
-            <a:stCxn id="8" idx="6"/>
-            <a:endCxn id="4" idx="2"/>
-          </p:cNvCxnSpPr>
-          <p:nvPr/>
-        </p:nvCxnSpPr>
-        <p:spPr>
-          <a:xfrm>
-            <a:off x="611560" y="1957215"/>
-            <a:ext cx="450050" cy="0"/>
-          </a:xfrm>
-          <a:prstGeom prst="line">
-            <a:avLst/>
-          </a:prstGeom>
-          <a:ln w="19050">
-            <a:solidFill>
-              <a:schemeClr val="tx1"/>
-            </a:solidFill>
-          </a:ln>
-        </p:spPr>
-        <p:style>
-          <a:lnRef idx="1">
-            <a:schemeClr val="accent1"/>
-          </a:lnRef>
-          <a:fillRef idx="0">
-            <a:schemeClr val="accent1"/>
-          </a:fillRef>
-          <a:effectRef idx="0">
-            <a:schemeClr val="accent1"/>
-          </a:effectRef>
-          <a:fontRef idx="minor">
-            <a:schemeClr val="tx1"/>
-          </a:fontRef>
-        </p:style>
-      </p:cxnSp>
-      <p:cxnSp>
-        <p:nvCxnSpPr>
-          <p:cNvPr id="11" name="Connecteur droit 10"/>
-          <p:cNvCxnSpPr>
-            <a:stCxn id="5" idx="2"/>
-            <a:endCxn id="4" idx="6"/>
-          </p:cNvCxnSpPr>
-          <p:nvPr/>
-        </p:nvCxnSpPr>
-        <p:spPr>
-          <a:xfrm flipH="1">
-            <a:off x="1349642" y="1957215"/>
-            <a:ext cx="450050" cy="0"/>
-          </a:xfrm>
-          <a:prstGeom prst="line">
-            <a:avLst/>
-          </a:prstGeom>
-          <a:ln w="19050">
-            <a:solidFill>
-              <a:schemeClr val="tx1"/>
-            </a:solidFill>
-          </a:ln>
-        </p:spPr>
-        <p:style>
-          <a:lnRef idx="1">
-            <a:schemeClr val="accent1"/>
-          </a:lnRef>
-          <a:fillRef idx="0">
-            <a:schemeClr val="accent1"/>
-          </a:fillRef>
-          <a:effectRef idx="0">
-            <a:schemeClr val="accent1"/>
-          </a:effectRef>
-          <a:fontRef idx="minor">
-            <a:schemeClr val="tx1"/>
-          </a:fontRef>
-        </p:style>
-      </p:cxnSp>
-      <p:cxnSp>
-        <p:nvCxnSpPr>
-          <p:cNvPr id="14" name="Connecteur droit 13"/>
-          <p:cNvCxnSpPr>
-            <a:stCxn id="6" idx="2"/>
-            <a:endCxn id="5" idx="6"/>
-          </p:cNvCxnSpPr>
-          <p:nvPr/>
-        </p:nvCxnSpPr>
-        <p:spPr>
-          <a:xfrm flipH="1">
-            <a:off x="2087724" y="1957215"/>
-            <a:ext cx="450050" cy="0"/>
-          </a:xfrm>
-          <a:prstGeom prst="line">
-            <a:avLst/>
-          </a:prstGeom>
-          <a:ln w="19050">
-            <a:solidFill>
-              <a:schemeClr val="tx1"/>
-            </a:solidFill>
-          </a:ln>
-        </p:spPr>
-        <p:style>
-          <a:lnRef idx="1">
-            <a:schemeClr val="accent1"/>
-          </a:lnRef>
-          <a:fillRef idx="0">
-            <a:schemeClr val="accent1"/>
-          </a:fillRef>
-          <a:effectRef idx="0">
-            <a:schemeClr val="accent1"/>
-          </a:effectRef>
-          <a:fontRef idx="minor">
-            <a:schemeClr val="tx1"/>
-          </a:fontRef>
-        </p:style>
-      </p:cxnSp>
-      <p:cxnSp>
-        <p:nvCxnSpPr>
-          <p:cNvPr id="17" name="Connecteur droit 16"/>
-          <p:cNvCxnSpPr>
-            <a:stCxn id="7" idx="2"/>
-            <a:endCxn id="6" idx="6"/>
-          </p:cNvCxnSpPr>
-          <p:nvPr/>
-        </p:nvCxnSpPr>
-        <p:spPr>
-          <a:xfrm flipH="1">
-            <a:off x="2825806" y="1957215"/>
-            <a:ext cx="450050" cy="0"/>
-          </a:xfrm>
-          <a:prstGeom prst="line">
-            <a:avLst/>
-          </a:prstGeom>
-          <a:ln w="19050">
-            <a:solidFill>
-              <a:schemeClr val="tx1"/>
-            </a:solidFill>
-          </a:ln>
-        </p:spPr>
-        <p:style>
-          <a:lnRef idx="1">
-            <a:schemeClr val="accent1"/>
-          </a:lnRef>
-          <a:fillRef idx="0">
-            <a:schemeClr val="accent1"/>
-          </a:fillRef>
-          <a:effectRef idx="0">
-            <a:schemeClr val="accent1"/>
-          </a:effectRef>
-          <a:fontRef idx="minor">
-            <a:schemeClr val="tx1"/>
-          </a:fontRef>
-        </p:style>
-      </p:cxnSp>
-      <mc:AlternateContent xmlns:mc="http://schemas.openxmlformats.org/markup-compatibility/2006" xmlns:a14="http://schemas.microsoft.com/office/drawing/2010/main">
-        <mc:Choice Requires="a14">
-          <p:sp>
-            <p:nvSpPr>
-              <p:cNvPr id="31" name="ZoneTexte 30"/>
-              <p:cNvSpPr txBox="1"/>
-              <p:nvPr/>
-            </p:nvSpPr>
-            <p:spPr>
-              <a:xfrm rot="2700000">
-                <a:off x="583745" y="2358459"/>
-                <a:ext cx="901722" cy="261610"/>
-              </a:xfrm>
-              <a:prstGeom prst="rect">
-                <a:avLst/>
-              </a:prstGeom>
-              <a:noFill/>
-            </p:spPr>
-            <p:txBody>
-              <a:bodyPr wrap="none" rtlCol="0">
-                <a:spAutoFit/>
-              </a:bodyPr>
-              <a:lstStyle/>
-              <a:p>
-                <a:r>
-                  <a:rPr lang="fr-FR" sz="1100" b="0" dirty="0" smtClean="0"/>
-                  <a:t>Pivot </a:t>
-                </a:r>
-                <a14:m>
-                  <m:oMath xmlns:m="http://schemas.openxmlformats.org/officeDocument/2006/math">
-                    <m:d>
-                      <m:dPr>
-                        <m:ctrlPr>
-                          <a:rPr lang="fr-FR" sz="1100" b="0" i="1" smtClean="0">
-                            <a:latin typeface="Cambria Math"/>
-                          </a:rPr>
-                        </m:ctrlPr>
-                      </m:dPr>
-                      <m:e>
-                        <m:r>
-                          <a:rPr lang="fr-FR" sz="1100" b="0" i="1" smtClean="0">
-                            <a:latin typeface="Cambria Math"/>
-                          </a:rPr>
-                          <m:t>𝑂</m:t>
-                        </m:r>
-                        <m:r>
-                          <a:rPr lang="fr-FR" sz="1100" b="0" i="1" smtClean="0">
-                            <a:latin typeface="Cambria Math"/>
-                          </a:rPr>
-                          <m:t>,</m:t>
-                        </m:r>
-                        <m:acc>
-                          <m:accPr>
-                            <m:chr m:val="⃗"/>
-                            <m:ctrlPr>
-                              <a:rPr lang="fr-FR" sz="1100" b="0" i="1" smtClean="0">
-                                <a:latin typeface="Cambria Math"/>
-                              </a:rPr>
-                            </m:ctrlPr>
-                          </m:accPr>
-                          <m:e>
-                            <m:sSub>
-                              <m:sSubPr>
-                                <m:ctrlPr>
-                                  <a:rPr lang="fr-FR" sz="1100" b="0" i="1" smtClean="0">
-                                    <a:latin typeface="Cambria Math"/>
-                                  </a:rPr>
-                                </m:ctrlPr>
-                              </m:sSubPr>
-                              <m:e>
-                                <m:r>
-                                  <a:rPr lang="fr-FR" sz="1100" b="0" i="1" smtClean="0">
-                                    <a:latin typeface="Cambria Math"/>
-                                  </a:rPr>
-                                  <m:t>𝑧</m:t>
-                                </m:r>
-                              </m:e>
-                              <m:sub>
-                                <m:r>
-                                  <a:rPr lang="fr-FR" sz="1100" b="0" i="1" smtClean="0">
-                                    <a:latin typeface="Cambria Math"/>
-                                  </a:rPr>
-                                  <m:t>1</m:t>
-                                </m:r>
-                              </m:sub>
-                            </m:sSub>
-                          </m:e>
-                        </m:acc>
-                      </m:e>
-                    </m:d>
-                  </m:oMath>
-                </a14:m>
-                <a:endParaRPr lang="fr-FR" sz="1100" dirty="0"/>
-              </a:p>
-            </p:txBody>
-          </p:sp>
-        </mc:Choice>
-        <mc:Fallback xmlns="">
-          <p:sp>
-            <p:nvSpPr>
-              <p:cNvPr id="31" name="ZoneTexte 30"/>
-              <p:cNvSpPr txBox="1">
-                <a:spLocks noRot="1" noChangeAspect="1" noMove="1" noResize="1" noEditPoints="1" noAdjustHandles="1" noChangeArrowheads="1" noChangeShapeType="1" noTextEdit="1"/>
-              </p:cNvSpPr>
-              <p:nvPr/>
-            </p:nvSpPr>
-            <p:spPr>
-              <a:xfrm rot="2700000">
-                <a:off x="583745" y="2358459"/>
-                <a:ext cx="901722" cy="261610"/>
-              </a:xfrm>
-              <a:prstGeom prst="rect">
-                <a:avLst/>
-              </a:prstGeom>
-              <a:blipFill rotWithShape="1">
-                <a:blip r:embed="rId2"/>
-                <a:stretch>
-                  <a:fillRect l="-2941"/>
-                </a:stretch>
-              </a:blipFill>
-            </p:spPr>
-            <p:txBody>
-              <a:bodyPr/>
-              <a:lstStyle/>
-              <a:p>
-                <a:r>
-                  <a:rPr lang="fr-FR">
-                    <a:noFill/>
-                  </a:rPr>
-                  <a:t> </a:t>
-                </a:r>
-              </a:p>
-            </p:txBody>
-          </p:sp>
-        </mc:Fallback>
-      </mc:AlternateContent>
-      <mc:AlternateContent xmlns:mc="http://schemas.openxmlformats.org/markup-compatibility/2006" xmlns:a14="http://schemas.microsoft.com/office/drawing/2010/main">
-        <mc:Choice Requires="a14">
-          <p:sp>
-            <p:nvSpPr>
-              <p:cNvPr id="32" name="ZoneTexte 31"/>
-              <p:cNvSpPr txBox="1"/>
-              <p:nvPr/>
-            </p:nvSpPr>
-            <p:spPr>
-              <a:xfrm rot="2700000">
-                <a:off x="1329193" y="2358459"/>
-                <a:ext cx="904991" cy="261610"/>
-              </a:xfrm>
-              <a:prstGeom prst="rect">
-                <a:avLst/>
-              </a:prstGeom>
-              <a:noFill/>
-            </p:spPr>
-            <p:txBody>
-              <a:bodyPr wrap="none" rtlCol="0">
-                <a:spAutoFit/>
-              </a:bodyPr>
-              <a:lstStyle/>
-              <a:p>
-                <a:r>
-                  <a:rPr lang="fr-FR" sz="1100" b="0" dirty="0" smtClean="0"/>
-                  <a:t>Pivot </a:t>
-                </a:r>
-                <a14:m>
-                  <m:oMath xmlns:m="http://schemas.openxmlformats.org/officeDocument/2006/math">
-                    <m:d>
-                      <m:dPr>
-                        <m:ctrlPr>
-                          <a:rPr lang="fr-FR" sz="1100" b="0" i="1" smtClean="0">
-                            <a:latin typeface="Cambria Math"/>
-                          </a:rPr>
-                        </m:ctrlPr>
-                      </m:dPr>
-                      <m:e>
-                        <m:r>
-                          <a:rPr lang="fr-FR" sz="1100" b="0" i="1" smtClean="0">
-                            <a:latin typeface="Cambria Math"/>
-                          </a:rPr>
-                          <m:t>𝑂</m:t>
-                        </m:r>
-                        <m:r>
-                          <a:rPr lang="fr-FR" sz="1100" b="0" i="1" smtClean="0">
-                            <a:latin typeface="Cambria Math"/>
-                          </a:rPr>
-                          <m:t>,</m:t>
-                        </m:r>
-                        <m:acc>
-                          <m:accPr>
-                            <m:chr m:val="⃗"/>
-                            <m:ctrlPr>
-                              <a:rPr lang="fr-FR" sz="1100" b="0" i="1" smtClean="0">
-                                <a:latin typeface="Cambria Math"/>
-                              </a:rPr>
-                            </m:ctrlPr>
-                          </m:accPr>
-                          <m:e>
-                            <m:sSub>
-                              <m:sSubPr>
-                                <m:ctrlPr>
-                                  <a:rPr lang="fr-FR" sz="1100" b="0" i="1" smtClean="0">
-                                    <a:latin typeface="Cambria Math"/>
-                                  </a:rPr>
-                                </m:ctrlPr>
-                              </m:sSubPr>
-                              <m:e>
-                                <m:r>
-                                  <a:rPr lang="fr-FR" sz="1100" b="0" i="1" smtClean="0">
-                                    <a:latin typeface="Cambria Math"/>
-                                  </a:rPr>
-                                  <m:t>𝑧</m:t>
-                                </m:r>
-                              </m:e>
-                              <m:sub>
-                                <m:r>
-                                  <a:rPr lang="fr-FR" sz="1100" b="0" i="1" smtClean="0">
-                                    <a:latin typeface="Cambria Math"/>
-                                  </a:rPr>
-                                  <m:t>2</m:t>
-                                </m:r>
-                              </m:sub>
-                            </m:sSub>
-                          </m:e>
-                        </m:acc>
-                      </m:e>
-                    </m:d>
-                  </m:oMath>
-                </a14:m>
-                <a:endParaRPr lang="fr-FR" sz="1100" dirty="0"/>
-              </a:p>
-            </p:txBody>
-          </p:sp>
-        </mc:Choice>
-        <mc:Fallback xmlns="">
-          <p:sp>
-            <p:nvSpPr>
-              <p:cNvPr id="32" name="ZoneTexte 31"/>
-              <p:cNvSpPr txBox="1">
-                <a:spLocks noRot="1" noChangeAspect="1" noMove="1" noResize="1" noEditPoints="1" noAdjustHandles="1" noChangeArrowheads="1" noChangeShapeType="1" noTextEdit="1"/>
-              </p:cNvSpPr>
-              <p:nvPr/>
-            </p:nvSpPr>
-            <p:spPr>
-              <a:xfrm rot="2700000">
-                <a:off x="1329193" y="2358459"/>
-                <a:ext cx="904991" cy="261610"/>
-              </a:xfrm>
-              <a:prstGeom prst="rect">
-                <a:avLst/>
-              </a:prstGeom>
-              <a:blipFill rotWithShape="1">
-                <a:blip r:embed="rId3"/>
-                <a:stretch>
-                  <a:fillRect l="-2941"/>
-                </a:stretch>
-              </a:blipFill>
-            </p:spPr>
-            <p:txBody>
-              <a:bodyPr/>
-              <a:lstStyle/>
-              <a:p>
-                <a:r>
-                  <a:rPr lang="fr-FR">
-                    <a:noFill/>
-                  </a:rPr>
-                  <a:t> </a:t>
-                </a:r>
-              </a:p>
-            </p:txBody>
-          </p:sp>
-        </mc:Fallback>
-      </mc:AlternateContent>
-      <mc:AlternateContent xmlns:mc="http://schemas.openxmlformats.org/markup-compatibility/2006" xmlns:a14="http://schemas.microsoft.com/office/drawing/2010/main">
-        <mc:Choice Requires="a14">
-          <p:sp>
-            <p:nvSpPr>
-              <p:cNvPr id="33" name="ZoneTexte 32"/>
-              <p:cNvSpPr txBox="1"/>
-              <p:nvPr/>
-            </p:nvSpPr>
-            <p:spPr>
-              <a:xfrm rot="2700000">
-                <a:off x="2076276" y="2358459"/>
-                <a:ext cx="904991" cy="261610"/>
-              </a:xfrm>
-              <a:prstGeom prst="rect">
-                <a:avLst/>
-              </a:prstGeom>
-              <a:noFill/>
-            </p:spPr>
-            <p:txBody>
-              <a:bodyPr wrap="none" rtlCol="0">
-                <a:spAutoFit/>
-              </a:bodyPr>
-              <a:lstStyle/>
-              <a:p>
-                <a:r>
-                  <a:rPr lang="fr-FR" sz="1100" b="0" dirty="0" smtClean="0"/>
-                  <a:t>Pivot </a:t>
-                </a:r>
-                <a14:m>
-                  <m:oMath xmlns:m="http://schemas.openxmlformats.org/officeDocument/2006/math">
-                    <m:d>
-                      <m:dPr>
-                        <m:ctrlPr>
-                          <a:rPr lang="fr-FR" sz="1100" b="0" i="1" smtClean="0">
-                            <a:latin typeface="Cambria Math"/>
-                          </a:rPr>
-                        </m:ctrlPr>
-                      </m:dPr>
-                      <m:e>
-                        <m:r>
-                          <a:rPr lang="fr-FR" sz="1100" b="0" i="1" smtClean="0">
-                            <a:latin typeface="Cambria Math"/>
-                          </a:rPr>
-                          <m:t>𝑂</m:t>
-                        </m:r>
-                        <m:r>
-                          <a:rPr lang="fr-FR" sz="1100" b="0" i="1" smtClean="0">
-                            <a:latin typeface="Cambria Math"/>
-                          </a:rPr>
-                          <m:t>,</m:t>
-                        </m:r>
-                        <m:acc>
-                          <m:accPr>
-                            <m:chr m:val="⃗"/>
-                            <m:ctrlPr>
-                              <a:rPr lang="fr-FR" sz="1100" b="0" i="1" smtClean="0">
-                                <a:latin typeface="Cambria Math"/>
-                              </a:rPr>
-                            </m:ctrlPr>
-                          </m:accPr>
-                          <m:e>
-                            <m:sSub>
-                              <m:sSubPr>
-                                <m:ctrlPr>
-                                  <a:rPr lang="fr-FR" sz="1100" b="0" i="1" smtClean="0">
-                                    <a:latin typeface="Cambria Math"/>
-                                  </a:rPr>
-                                </m:ctrlPr>
-                              </m:sSubPr>
-                              <m:e>
-                                <m:r>
-                                  <a:rPr lang="fr-FR" sz="1100" b="0" i="1" smtClean="0">
-                                    <a:latin typeface="Cambria Math"/>
-                                  </a:rPr>
-                                  <m:t>𝑧</m:t>
-                                </m:r>
-                              </m:e>
-                              <m:sub>
-                                <m:r>
-                                  <a:rPr lang="fr-FR" sz="1100" b="0" i="1" smtClean="0">
-                                    <a:latin typeface="Cambria Math"/>
-                                  </a:rPr>
-                                  <m:t>3</m:t>
-                                </m:r>
-                              </m:sub>
-                            </m:sSub>
-                          </m:e>
-                        </m:acc>
-                      </m:e>
-                    </m:d>
-                  </m:oMath>
-                </a14:m>
-                <a:endParaRPr lang="fr-FR" sz="1100" dirty="0"/>
-              </a:p>
-            </p:txBody>
-          </p:sp>
-        </mc:Choice>
-        <mc:Fallback xmlns="">
-          <p:sp>
-            <p:nvSpPr>
-              <p:cNvPr id="33" name="ZoneTexte 32"/>
-              <p:cNvSpPr txBox="1">
-                <a:spLocks noRot="1" noChangeAspect="1" noMove="1" noResize="1" noEditPoints="1" noAdjustHandles="1" noChangeArrowheads="1" noChangeShapeType="1" noTextEdit="1"/>
-              </p:cNvSpPr>
-              <p:nvPr/>
-            </p:nvSpPr>
-            <p:spPr>
-              <a:xfrm rot="2700000">
-                <a:off x="2076276" y="2358459"/>
-                <a:ext cx="904991" cy="261610"/>
-              </a:xfrm>
-              <a:prstGeom prst="rect">
-                <a:avLst/>
-              </a:prstGeom>
-              <a:blipFill rotWithShape="1">
-                <a:blip r:embed="rId4"/>
-                <a:stretch>
-                  <a:fillRect l="-2941"/>
-                </a:stretch>
-              </a:blipFill>
-            </p:spPr>
-            <p:txBody>
-              <a:bodyPr/>
-              <a:lstStyle/>
-              <a:p>
-                <a:r>
-                  <a:rPr lang="fr-FR">
-                    <a:noFill/>
-                  </a:rPr>
-                  <a:t> </a:t>
-                </a:r>
-              </a:p>
-            </p:txBody>
-          </p:sp>
-        </mc:Fallback>
-      </mc:AlternateContent>
-      <mc:AlternateContent xmlns:mc="http://schemas.openxmlformats.org/markup-compatibility/2006" xmlns:a14="http://schemas.microsoft.com/office/drawing/2010/main">
-        <mc:Choice Requires="a14">
-          <p:sp>
-            <p:nvSpPr>
-              <p:cNvPr id="34" name="ZoneTexte 33"/>
-              <p:cNvSpPr txBox="1"/>
-              <p:nvPr/>
-            </p:nvSpPr>
-            <p:spPr>
-              <a:xfrm rot="2700000">
-                <a:off x="2800789" y="2358459"/>
-                <a:ext cx="950132" cy="261610"/>
-              </a:xfrm>
-              <a:prstGeom prst="rect">
-                <a:avLst/>
-              </a:prstGeom>
-              <a:noFill/>
-            </p:spPr>
-            <p:txBody>
-              <a:bodyPr wrap="none" rtlCol="0">
-                <a:spAutoFit/>
-              </a:bodyPr>
-              <a:lstStyle/>
-              <a:p>
-                <a:r>
-                  <a:rPr lang="fr-FR" sz="1100" b="0" dirty="0" smtClean="0"/>
-                  <a:t>Glissière </a:t>
-                </a:r>
-                <a14:m>
-                  <m:oMath xmlns:m="http://schemas.openxmlformats.org/officeDocument/2006/math">
-                    <m:d>
-                      <m:dPr>
-                        <m:ctrlPr>
-                          <a:rPr lang="fr-FR" sz="1100" b="0" i="1" smtClean="0">
-                            <a:latin typeface="Cambria Math"/>
-                          </a:rPr>
-                        </m:ctrlPr>
-                      </m:dPr>
-                      <m:e>
-                        <m:acc>
-                          <m:accPr>
-                            <m:chr m:val="⃗"/>
-                            <m:ctrlPr>
-                              <a:rPr lang="fr-FR" sz="1100" b="0" i="1" smtClean="0">
-                                <a:latin typeface="Cambria Math"/>
-                              </a:rPr>
-                            </m:ctrlPr>
-                          </m:accPr>
-                          <m:e>
-                            <m:sSub>
-                              <m:sSubPr>
-                                <m:ctrlPr>
-                                  <a:rPr lang="fr-FR" sz="1100" b="0" i="1" smtClean="0">
-                                    <a:latin typeface="Cambria Math"/>
-                                  </a:rPr>
-                                </m:ctrlPr>
-                              </m:sSubPr>
-                              <m:e>
-                                <m:r>
-                                  <a:rPr lang="fr-FR" sz="1100" b="0" i="1" smtClean="0">
-                                    <a:latin typeface="Cambria Math"/>
-                                  </a:rPr>
-                                  <m:t>𝑧</m:t>
-                                </m:r>
-                              </m:e>
-                              <m:sub>
-                                <m:r>
-                                  <a:rPr lang="fr-FR" sz="1100" b="0" i="1" smtClean="0">
-                                    <a:latin typeface="Cambria Math"/>
-                                  </a:rPr>
-                                  <m:t>3</m:t>
-                                </m:r>
-                              </m:sub>
-                            </m:sSub>
-                          </m:e>
-                        </m:acc>
-                      </m:e>
-                    </m:d>
-                  </m:oMath>
-                </a14:m>
-                <a:endParaRPr lang="fr-FR" sz="1100" dirty="0"/>
-              </a:p>
-            </p:txBody>
-          </p:sp>
-        </mc:Choice>
-        <mc:Fallback xmlns="">
-          <p:sp>
-            <p:nvSpPr>
-              <p:cNvPr id="34" name="ZoneTexte 33"/>
-              <p:cNvSpPr txBox="1">
-                <a:spLocks noRot="1" noChangeAspect="1" noMove="1" noResize="1" noEditPoints="1" noAdjustHandles="1" noChangeArrowheads="1" noChangeShapeType="1" noTextEdit="1"/>
-              </p:cNvSpPr>
-              <p:nvPr/>
-            </p:nvSpPr>
-            <p:spPr>
-              <a:xfrm rot="2700000">
-                <a:off x="2800789" y="2358459"/>
-                <a:ext cx="950132" cy="261610"/>
-              </a:xfrm>
-              <a:prstGeom prst="rect">
-                <a:avLst/>
-              </a:prstGeom>
-              <a:blipFill rotWithShape="1">
-                <a:blip r:embed="rId5"/>
-                <a:stretch>
-                  <a:fillRect l="-2837"/>
-                </a:stretch>
-              </a:blipFill>
-            </p:spPr>
-            <p:txBody>
-              <a:bodyPr/>
-              <a:lstStyle/>
-              <a:p>
-                <a:r>
-                  <a:rPr lang="fr-FR">
-                    <a:noFill/>
-                  </a:rPr>
-                  <a:t> </a:t>
-                </a:r>
-              </a:p>
-            </p:txBody>
-          </p:sp>
-        </mc:Fallback>
-      </mc:AlternateContent>
-      <p:cxnSp>
-        <p:nvCxnSpPr>
-          <p:cNvPr id="41" name="Connecteur droit 40"/>
-          <p:cNvCxnSpPr/>
-          <p:nvPr/>
-        </p:nvCxnSpPr>
-        <p:spPr>
-          <a:xfrm>
-            <a:off x="152400" y="1957215"/>
-            <a:ext cx="171128" cy="0"/>
-          </a:xfrm>
-          <a:prstGeom prst="line">
-            <a:avLst/>
-          </a:prstGeom>
-          <a:solidFill>
-            <a:schemeClr val="accent6">
-              <a:lumMod val="20000"/>
-              <a:lumOff val="80000"/>
-            </a:schemeClr>
-          </a:solidFill>
-          <a:ln w="19050">
-            <a:solidFill>
-              <a:schemeClr val="accent6">
-                <a:lumMod val="50000"/>
-              </a:schemeClr>
-            </a:solidFill>
-          </a:ln>
-        </p:spPr>
-        <p:style>
-          <a:lnRef idx="2">
-            <a:schemeClr val="accent1">
-              <a:shade val="50000"/>
-            </a:schemeClr>
-          </a:lnRef>
-          <a:fillRef idx="1">
-            <a:schemeClr val="accent1"/>
-          </a:fillRef>
-          <a:effectRef idx="0">
-            <a:schemeClr val="accent1"/>
-          </a:effectRef>
-          <a:fontRef idx="minor">
-            <a:schemeClr val="lt1"/>
-          </a:fontRef>
-        </p:style>
-      </p:cxnSp>
-      <p:cxnSp>
-        <p:nvCxnSpPr>
-          <p:cNvPr id="43" name="Connecteur droit 42"/>
-          <p:cNvCxnSpPr/>
-          <p:nvPr/>
-        </p:nvCxnSpPr>
-        <p:spPr>
-          <a:xfrm flipV="1">
-            <a:off x="152400" y="1813200"/>
-            <a:ext cx="0" cy="288031"/>
-          </a:xfrm>
-          <a:prstGeom prst="line">
-            <a:avLst/>
-          </a:prstGeom>
-          <a:solidFill>
-            <a:schemeClr val="accent6">
-              <a:lumMod val="20000"/>
-              <a:lumOff val="80000"/>
-            </a:schemeClr>
-          </a:solidFill>
-          <a:ln w="19050">
-            <a:solidFill>
-              <a:schemeClr val="accent6">
-                <a:lumMod val="50000"/>
-              </a:schemeClr>
-            </a:solidFill>
-          </a:ln>
-        </p:spPr>
-        <p:style>
-          <a:lnRef idx="2">
-            <a:schemeClr val="accent1">
-              <a:shade val="50000"/>
-            </a:schemeClr>
-          </a:lnRef>
-          <a:fillRef idx="1">
-            <a:schemeClr val="accent1"/>
-          </a:fillRef>
-          <a:effectRef idx="0">
-            <a:schemeClr val="accent1"/>
-          </a:effectRef>
-          <a:fontRef idx="minor">
-            <a:schemeClr val="lt1"/>
-          </a:fontRef>
-        </p:style>
-      </p:cxnSp>
-      <p:cxnSp>
-        <p:nvCxnSpPr>
-          <p:cNvPr id="44" name="Connecteur droit 43"/>
-          <p:cNvCxnSpPr>
-            <a:stCxn id="7" idx="1"/>
-            <a:endCxn id="8" idx="7"/>
-          </p:cNvCxnSpPr>
-          <p:nvPr/>
-        </p:nvCxnSpPr>
-        <p:spPr>
-          <a:xfrm rot="16200000" flipV="1">
-            <a:off x="1943708" y="481051"/>
-            <a:ext cx="12700" cy="2748658"/>
-          </a:xfrm>
-          <a:prstGeom prst="curvedConnector3">
-            <a:avLst>
-              <a:gd name="adj1" fmla="val 2132134"/>
-            </a:avLst>
-          </a:prstGeom>
-          <a:ln w="19050">
-            <a:solidFill>
-              <a:schemeClr val="tx1"/>
-            </a:solidFill>
-            <a:prstDash val="sysDash"/>
-          </a:ln>
-        </p:spPr>
-        <p:style>
-          <a:lnRef idx="1">
-            <a:schemeClr val="accent1"/>
-          </a:lnRef>
-          <a:fillRef idx="0">
-            <a:schemeClr val="accent1"/>
-          </a:fillRef>
-          <a:effectRef idx="0">
-            <a:schemeClr val="accent1"/>
-          </a:effectRef>
-          <a:fontRef idx="minor">
-            <a:schemeClr val="tx1"/>
-          </a:fontRef>
-        </p:style>
-      </p:cxnSp>
-      <p:sp>
-        <p:nvSpPr>
-          <p:cNvPr id="45" name="ZoneTexte 44"/>
-          <p:cNvSpPr txBox="1"/>
-          <p:nvPr/>
-        </p:nvSpPr>
-        <p:spPr>
-          <a:xfrm>
-            <a:off x="1401732" y="1340768"/>
-            <a:ext cx="1083951" cy="261610"/>
-          </a:xfrm>
-          <a:prstGeom prst="rect">
-            <a:avLst/>
-          </a:prstGeom>
-          <a:noFill/>
-        </p:spPr>
-        <p:txBody>
-          <a:bodyPr wrap="none" rtlCol="0">
-            <a:spAutoFit/>
-          </a:bodyPr>
-          <a:lstStyle/>
-          <a:p>
-            <a:r>
-              <a:rPr lang="fr-FR" sz="1100" b="0" dirty="0" smtClean="0"/>
-              <a:t>Liaison à définir</a:t>
-            </a:r>
-            <a:endParaRPr lang="fr-FR" sz="1100" dirty="0"/>
-          </a:p>
-        </p:txBody>
-      </p:sp>
-    </p:spTree>
-    <p:extLst>
-      <p:ext uri="{BB962C8B-B14F-4D97-AF65-F5344CB8AC3E}">
-        <p14:creationId xmlns:p14="http://schemas.microsoft.com/office/powerpoint/2010/main" val="1567687556"/>
       </p:ext>
     </p:extLst>
   </p:cSld>
